--- a/01.JavaSE/01.ppt/01.java语言概述和idea使用.pptx
+++ b/01.JavaSE/01.ppt/01.java语言概述和idea使用.pptx
@@ -5,74 +5,74 @@
     <p:sldMasterId id="2147483648" r:id="rId1"/>
   </p:sldMasterIdLst>
   <p:notesMasterIdLst>
-    <p:notesMasterId r:id="rId17"/>
+    <p:notesMasterId r:id="rId67"/>
   </p:notesMasterIdLst>
   <p:sldIdLst>
-    <p:sldId id="625" r:id="rId3"/>
-    <p:sldId id="667" r:id="rId4"/>
-    <p:sldId id="552" r:id="rId5"/>
-    <p:sldId id="670" r:id="rId6"/>
-    <p:sldId id="669" r:id="rId7"/>
-    <p:sldId id="581" r:id="rId8"/>
-    <p:sldId id="534" r:id="rId9"/>
-    <p:sldId id="578" r:id="rId10"/>
-    <p:sldId id="536" r:id="rId11"/>
-    <p:sldId id="537" r:id="rId12"/>
-    <p:sldId id="557" r:id="rId13"/>
-    <p:sldId id="540" r:id="rId14"/>
-    <p:sldId id="541" r:id="rId15"/>
-    <p:sldId id="700" r:id="rId16"/>
-    <p:sldId id="701" r:id="rId18"/>
-    <p:sldId id="702" r:id="rId19"/>
-    <p:sldId id="703" r:id="rId20"/>
-    <p:sldId id="704" r:id="rId21"/>
-    <p:sldId id="671" r:id="rId22"/>
-    <p:sldId id="672" r:id="rId23"/>
-    <p:sldId id="705" r:id="rId24"/>
-    <p:sldId id="706" r:id="rId25"/>
-    <p:sldId id="707" r:id="rId26"/>
-    <p:sldId id="708" r:id="rId27"/>
-    <p:sldId id="709" r:id="rId28"/>
-    <p:sldId id="710" r:id="rId29"/>
-    <p:sldId id="567" r:id="rId30"/>
-    <p:sldId id="741" r:id="rId31"/>
-    <p:sldId id="742" r:id="rId32"/>
-    <p:sldId id="743" r:id="rId33"/>
-    <p:sldId id="744" r:id="rId34"/>
-    <p:sldId id="745" r:id="rId35"/>
-    <p:sldId id="746" r:id="rId36"/>
-    <p:sldId id="747" r:id="rId37"/>
-    <p:sldId id="748" r:id="rId38"/>
-    <p:sldId id="749" r:id="rId39"/>
-    <p:sldId id="750" r:id="rId40"/>
-    <p:sldId id="751" r:id="rId41"/>
-    <p:sldId id="752" r:id="rId42"/>
-    <p:sldId id="753" r:id="rId43"/>
-    <p:sldId id="754" r:id="rId44"/>
-    <p:sldId id="755" r:id="rId45"/>
-    <p:sldId id="756" r:id="rId46"/>
-    <p:sldId id="757" r:id="rId47"/>
-    <p:sldId id="758" r:id="rId48"/>
-    <p:sldId id="759" r:id="rId49"/>
-    <p:sldId id="760" r:id="rId50"/>
-    <p:sldId id="762" r:id="rId51"/>
-    <p:sldId id="763" r:id="rId52"/>
-    <p:sldId id="764" r:id="rId53"/>
-    <p:sldId id="765" r:id="rId54"/>
-    <p:sldId id="766" r:id="rId55"/>
-    <p:sldId id="767" r:id="rId56"/>
-    <p:sldId id="768" r:id="rId57"/>
-    <p:sldId id="771" r:id="rId58"/>
-    <p:sldId id="789" r:id="rId59"/>
-    <p:sldId id="790" r:id="rId60"/>
-    <p:sldId id="791" r:id="rId61"/>
-    <p:sldId id="772" r:id="rId62"/>
-    <p:sldId id="773" r:id="rId63"/>
-    <p:sldId id="774" r:id="rId64"/>
-    <p:sldId id="785" r:id="rId65"/>
-    <p:sldId id="731" r:id="rId66"/>
-    <p:sldId id="732" r:id="rId67"/>
-    <p:sldId id="634" r:id="rId68"/>
+    <p:sldId id="625" r:id="rId2"/>
+    <p:sldId id="667" r:id="rId3"/>
+    <p:sldId id="552" r:id="rId4"/>
+    <p:sldId id="670" r:id="rId5"/>
+    <p:sldId id="669" r:id="rId6"/>
+    <p:sldId id="581" r:id="rId7"/>
+    <p:sldId id="534" r:id="rId8"/>
+    <p:sldId id="578" r:id="rId9"/>
+    <p:sldId id="536" r:id="rId10"/>
+    <p:sldId id="537" r:id="rId11"/>
+    <p:sldId id="557" r:id="rId12"/>
+    <p:sldId id="540" r:id="rId13"/>
+    <p:sldId id="541" r:id="rId14"/>
+    <p:sldId id="700" r:id="rId15"/>
+    <p:sldId id="701" r:id="rId16"/>
+    <p:sldId id="702" r:id="rId17"/>
+    <p:sldId id="703" r:id="rId18"/>
+    <p:sldId id="704" r:id="rId19"/>
+    <p:sldId id="671" r:id="rId20"/>
+    <p:sldId id="672" r:id="rId21"/>
+    <p:sldId id="705" r:id="rId22"/>
+    <p:sldId id="706" r:id="rId23"/>
+    <p:sldId id="707" r:id="rId24"/>
+    <p:sldId id="708" r:id="rId25"/>
+    <p:sldId id="709" r:id="rId26"/>
+    <p:sldId id="710" r:id="rId27"/>
+    <p:sldId id="567" r:id="rId28"/>
+    <p:sldId id="741" r:id="rId29"/>
+    <p:sldId id="742" r:id="rId30"/>
+    <p:sldId id="743" r:id="rId31"/>
+    <p:sldId id="744" r:id="rId32"/>
+    <p:sldId id="745" r:id="rId33"/>
+    <p:sldId id="746" r:id="rId34"/>
+    <p:sldId id="747" r:id="rId35"/>
+    <p:sldId id="748" r:id="rId36"/>
+    <p:sldId id="749" r:id="rId37"/>
+    <p:sldId id="750" r:id="rId38"/>
+    <p:sldId id="751" r:id="rId39"/>
+    <p:sldId id="752" r:id="rId40"/>
+    <p:sldId id="753" r:id="rId41"/>
+    <p:sldId id="754" r:id="rId42"/>
+    <p:sldId id="755" r:id="rId43"/>
+    <p:sldId id="756" r:id="rId44"/>
+    <p:sldId id="757" r:id="rId45"/>
+    <p:sldId id="758" r:id="rId46"/>
+    <p:sldId id="759" r:id="rId47"/>
+    <p:sldId id="760" r:id="rId48"/>
+    <p:sldId id="762" r:id="rId49"/>
+    <p:sldId id="763" r:id="rId50"/>
+    <p:sldId id="764" r:id="rId51"/>
+    <p:sldId id="765" r:id="rId52"/>
+    <p:sldId id="766" r:id="rId53"/>
+    <p:sldId id="767" r:id="rId54"/>
+    <p:sldId id="768" r:id="rId55"/>
+    <p:sldId id="771" r:id="rId56"/>
+    <p:sldId id="789" r:id="rId57"/>
+    <p:sldId id="790" r:id="rId58"/>
+    <p:sldId id="791" r:id="rId59"/>
+    <p:sldId id="772" r:id="rId60"/>
+    <p:sldId id="773" r:id="rId61"/>
+    <p:sldId id="774" r:id="rId62"/>
+    <p:sldId id="785" r:id="rId63"/>
+    <p:sldId id="731" r:id="rId64"/>
+    <p:sldId id="732" r:id="rId65"/>
+    <p:sldId id="634" r:id="rId66"/>
   </p:sldIdLst>
   <p:sldSz cx="9144000" cy="6858000" type="screen4x3"/>
   <p:notesSz cx="6858000" cy="9144000"/>
@@ -171,6 +171,22 @@
       </a:defRPr>
     </a:lvl9pPr>
   </p:defaultTextStyle>
+  <p:extLst>
+    <p:ext uri="{EFAFB233-063F-42B5-8137-9DF3F51BA10A}">
+      <p15:sldGuideLst xmlns:p15="http://schemas.microsoft.com/office/powerpoint/2012/main">
+        <p15:guide id="1" orient="horz" pos="2159">
+          <p15:clr>
+            <a:srgbClr val="A4A3A4"/>
+          </p15:clr>
+        </p15:guide>
+        <p15:guide id="2" pos="2946">
+          <p15:clr>
+            <a:srgbClr val="A4A3A4"/>
+          </p15:clr>
+        </p15:guide>
+      </p15:sldGuideLst>
+    </p:ext>
+  </p:extLst>
 </p:presentation>
 </file>
 
@@ -263,6 +279,7 @@
           <a:p>
             <a:fld id="{6123DD06-80E0-4FE6-81F6-66C068209E61}" type="datetimeFigureOut">
               <a:rPr lang="zh-CN" altLang="en-US" smtClean="0"/>
+              <a:t>2020-6-1</a:t>
             </a:fld>
             <a:endParaRPr lang="zh-CN" altLang="en-US"/>
           </a:p>
@@ -331,7 +348,6 @@
               <a:rPr lang="zh-CN" altLang="en-US" smtClean="0"/>
               <a:t>单击此处编辑母版文本样式</a:t>
             </a:r>
-            <a:endParaRPr lang="zh-CN" altLang="en-US" smtClean="0"/>
           </a:p>
           <a:p>
             <a:pPr lvl="1"/>
@@ -339,7 +355,6 @@
               <a:rPr lang="zh-CN" altLang="en-US" smtClean="0"/>
               <a:t>第二级</a:t>
             </a:r>
-            <a:endParaRPr lang="zh-CN" altLang="en-US" smtClean="0"/>
           </a:p>
           <a:p>
             <a:pPr lvl="2"/>
@@ -347,7 +362,6 @@
               <a:rPr lang="zh-CN" altLang="en-US" smtClean="0"/>
               <a:t>第三级</a:t>
             </a:r>
-            <a:endParaRPr lang="zh-CN" altLang="en-US" smtClean="0"/>
           </a:p>
           <a:p>
             <a:pPr lvl="3"/>
@@ -355,7 +369,6 @@
               <a:rPr lang="zh-CN" altLang="en-US" smtClean="0"/>
               <a:t>第四级</a:t>
             </a:r>
-            <a:endParaRPr lang="zh-CN" altLang="en-US" smtClean="0"/>
           </a:p>
           <a:p>
             <a:pPr lvl="4"/>
@@ -427,12 +440,18 @@
           <a:p>
             <a:fld id="{0979F713-E591-4BAA-98DC-A77FB579BE6A}" type="slidenum">
               <a:rPr lang="zh-CN" altLang="en-US" smtClean="0"/>
+              <a:t>‹#›</a:t>
             </a:fld>
             <a:endParaRPr lang="zh-CN" altLang="en-US"/>
           </a:p>
         </p:txBody>
       </p:sp>
     </p:spTree>
+    <p:extLst>
+      <p:ext uri="{BB962C8B-B14F-4D97-AF65-F5344CB8AC3E}">
+        <p14:creationId xmlns:p14="http://schemas.microsoft.com/office/powerpoint/2010/main" val="1113549221"/>
+      </p:ext>
+    </p:extLst>
   </p:cSld>
   <p:clrMap bg1="lt1" tx1="dk1" bg2="lt2" tx2="dk2" accent1="accent1" accent2="accent2" accent3="accent3" accent4="accent4" accent5="accent5" accent6="accent6" hlink="hlink" folHlink="folHlink"/>
   <p:notesStyle>
@@ -595,12 +614,18 @@
           <a:p>
             <a:fld id="{8A53DB7F-D4F4-4AE4-B28C-F74E3E8373DA}" type="slidenum">
               <a:rPr lang="zh-CN" altLang="en-US" smtClean="0"/>
+              <a:t>14</a:t>
             </a:fld>
             <a:endParaRPr lang="zh-CN" altLang="en-US"/>
           </a:p>
         </p:txBody>
       </p:sp>
     </p:spTree>
+    <p:extLst>
+      <p:ext uri="{BB962C8B-B14F-4D97-AF65-F5344CB8AC3E}">
+        <p14:creationId xmlns:p14="http://schemas.microsoft.com/office/powerpoint/2010/main" val="1539604206"/>
+      </p:ext>
+    </p:extLst>
   </p:cSld>
   <p:clrMapOvr>
     <a:masterClrMapping/>
@@ -673,12 +698,18 @@
           <a:p>
             <a:fld id="{8A53DB7F-D4F4-4AE4-B28C-F74E3E8373DA}" type="slidenum">
               <a:rPr lang="zh-CN" altLang="en-US" smtClean="0"/>
+              <a:t>25</a:t>
             </a:fld>
             <a:endParaRPr lang="zh-CN" altLang="en-US"/>
           </a:p>
         </p:txBody>
       </p:sp>
     </p:spTree>
+    <p:extLst>
+      <p:ext uri="{BB962C8B-B14F-4D97-AF65-F5344CB8AC3E}">
+        <p14:creationId xmlns:p14="http://schemas.microsoft.com/office/powerpoint/2010/main" val="2122121757"/>
+      </p:ext>
+    </p:extLst>
   </p:cSld>
   <p:clrMapOvr>
     <a:masterClrMapping/>
@@ -751,12 +782,18 @@
           <a:p>
             <a:fld id="{8A53DB7F-D4F4-4AE4-B28C-F74E3E8373DA}" type="slidenum">
               <a:rPr lang="zh-CN" altLang="en-US" smtClean="0"/>
+              <a:t>26</a:t>
             </a:fld>
             <a:endParaRPr lang="zh-CN" altLang="en-US"/>
           </a:p>
         </p:txBody>
       </p:sp>
     </p:spTree>
+    <p:extLst>
+      <p:ext uri="{BB962C8B-B14F-4D97-AF65-F5344CB8AC3E}">
+        <p14:creationId xmlns:p14="http://schemas.microsoft.com/office/powerpoint/2010/main" val="2138703544"/>
+      </p:ext>
+    </p:extLst>
   </p:cSld>
   <p:clrMapOvr>
     <a:masterClrMapping/>
@@ -829,12 +866,18 @@
           <a:p>
             <a:fld id="{8A53DB7F-D4F4-4AE4-B28C-F74E3E8373DA}" type="slidenum">
               <a:rPr lang="zh-CN" altLang="en-US" smtClean="0"/>
+              <a:t>15</a:t>
             </a:fld>
             <a:endParaRPr lang="zh-CN" altLang="en-US"/>
           </a:p>
         </p:txBody>
       </p:sp>
     </p:spTree>
+    <p:extLst>
+      <p:ext uri="{BB962C8B-B14F-4D97-AF65-F5344CB8AC3E}">
+        <p14:creationId xmlns:p14="http://schemas.microsoft.com/office/powerpoint/2010/main" val="2080564125"/>
+      </p:ext>
+    </p:extLst>
   </p:cSld>
   <p:clrMapOvr>
     <a:masterClrMapping/>
@@ -907,12 +950,18 @@
           <a:p>
             <a:fld id="{8A53DB7F-D4F4-4AE4-B28C-F74E3E8373DA}" type="slidenum">
               <a:rPr lang="zh-CN" altLang="en-US" smtClean="0"/>
+              <a:t>16</a:t>
             </a:fld>
             <a:endParaRPr lang="zh-CN" altLang="en-US"/>
           </a:p>
         </p:txBody>
       </p:sp>
     </p:spTree>
+    <p:extLst>
+      <p:ext uri="{BB962C8B-B14F-4D97-AF65-F5344CB8AC3E}">
+        <p14:creationId xmlns:p14="http://schemas.microsoft.com/office/powerpoint/2010/main" val="2900546285"/>
+      </p:ext>
+    </p:extLst>
   </p:cSld>
   <p:clrMapOvr>
     <a:masterClrMapping/>
@@ -985,12 +1034,18 @@
           <a:p>
             <a:fld id="{8A53DB7F-D4F4-4AE4-B28C-F74E3E8373DA}" type="slidenum">
               <a:rPr lang="zh-CN" altLang="en-US" smtClean="0"/>
+              <a:t>17</a:t>
             </a:fld>
             <a:endParaRPr lang="zh-CN" altLang="en-US"/>
           </a:p>
         </p:txBody>
       </p:sp>
     </p:spTree>
+    <p:extLst>
+      <p:ext uri="{BB962C8B-B14F-4D97-AF65-F5344CB8AC3E}">
+        <p14:creationId xmlns:p14="http://schemas.microsoft.com/office/powerpoint/2010/main" val="2311524674"/>
+      </p:ext>
+    </p:extLst>
   </p:cSld>
   <p:clrMapOvr>
     <a:masterClrMapping/>
@@ -1063,12 +1118,18 @@
           <a:p>
             <a:fld id="{8A53DB7F-D4F4-4AE4-B28C-F74E3E8373DA}" type="slidenum">
               <a:rPr lang="zh-CN" altLang="en-US" smtClean="0"/>
+              <a:t>18</a:t>
             </a:fld>
             <a:endParaRPr lang="zh-CN" altLang="en-US"/>
           </a:p>
         </p:txBody>
       </p:sp>
     </p:spTree>
+    <p:extLst>
+      <p:ext uri="{BB962C8B-B14F-4D97-AF65-F5344CB8AC3E}">
+        <p14:creationId xmlns:p14="http://schemas.microsoft.com/office/powerpoint/2010/main" val="1817097853"/>
+      </p:ext>
+    </p:extLst>
   </p:cSld>
   <p:clrMapOvr>
     <a:masterClrMapping/>
@@ -1141,12 +1202,18 @@
           <a:p>
             <a:fld id="{8A53DB7F-D4F4-4AE4-B28C-F74E3E8373DA}" type="slidenum">
               <a:rPr lang="zh-CN" altLang="en-US" smtClean="0"/>
+              <a:t>21</a:t>
             </a:fld>
             <a:endParaRPr lang="zh-CN" altLang="en-US"/>
           </a:p>
         </p:txBody>
       </p:sp>
     </p:spTree>
+    <p:extLst>
+      <p:ext uri="{BB962C8B-B14F-4D97-AF65-F5344CB8AC3E}">
+        <p14:creationId xmlns:p14="http://schemas.microsoft.com/office/powerpoint/2010/main" val="1514532051"/>
+      </p:ext>
+    </p:extLst>
   </p:cSld>
   <p:clrMapOvr>
     <a:masterClrMapping/>
@@ -1219,12 +1286,18 @@
           <a:p>
             <a:fld id="{8A53DB7F-D4F4-4AE4-B28C-F74E3E8373DA}" type="slidenum">
               <a:rPr lang="zh-CN" altLang="en-US" smtClean="0"/>
+              <a:t>22</a:t>
             </a:fld>
             <a:endParaRPr lang="zh-CN" altLang="en-US"/>
           </a:p>
         </p:txBody>
       </p:sp>
     </p:spTree>
+    <p:extLst>
+      <p:ext uri="{BB962C8B-B14F-4D97-AF65-F5344CB8AC3E}">
+        <p14:creationId xmlns:p14="http://schemas.microsoft.com/office/powerpoint/2010/main" val="3468594638"/>
+      </p:ext>
+    </p:extLst>
   </p:cSld>
   <p:clrMapOvr>
     <a:masterClrMapping/>
@@ -1297,12 +1370,18 @@
           <a:p>
             <a:fld id="{8A53DB7F-D4F4-4AE4-B28C-F74E3E8373DA}" type="slidenum">
               <a:rPr lang="zh-CN" altLang="en-US" smtClean="0"/>
+              <a:t>23</a:t>
             </a:fld>
             <a:endParaRPr lang="zh-CN" altLang="en-US"/>
           </a:p>
         </p:txBody>
       </p:sp>
     </p:spTree>
+    <p:extLst>
+      <p:ext uri="{BB962C8B-B14F-4D97-AF65-F5344CB8AC3E}">
+        <p14:creationId xmlns:p14="http://schemas.microsoft.com/office/powerpoint/2010/main" val="585274126"/>
+      </p:ext>
+    </p:extLst>
   </p:cSld>
   <p:clrMapOvr>
     <a:masterClrMapping/>
@@ -1375,12 +1454,18 @@
           <a:p>
             <a:fld id="{8A53DB7F-D4F4-4AE4-B28C-F74E3E8373DA}" type="slidenum">
               <a:rPr lang="zh-CN" altLang="en-US" smtClean="0"/>
+              <a:t>24</a:t>
             </a:fld>
             <a:endParaRPr lang="zh-CN" altLang="en-US"/>
           </a:p>
         </p:txBody>
       </p:sp>
     </p:spTree>
+    <p:extLst>
+      <p:ext uri="{BB962C8B-B14F-4D97-AF65-F5344CB8AC3E}">
+        <p14:creationId xmlns:p14="http://schemas.microsoft.com/office/powerpoint/2010/main" val="2770732659"/>
+      </p:ext>
+    </p:extLst>
   </p:cSld>
   <p:clrMapOvr>
     <a:masterClrMapping/>
@@ -1689,6 +1774,7 @@
         </p:spPr>
         <p:txBody>
           <a:bodyPr vert="horz" wrap="square" lIns="91440" tIns="45720" rIns="91440" bIns="45720" numCol="1" anchor="ctr" anchorCtr="0" compatLnSpc="1"/>
+          <a:lstStyle/>
           <a:p>
             <a:pPr algn="r" fontAlgn="base"/>
             <a:fld id="{9A0DB2DC-4C9A-4742-B13C-FB6460FD3503}" type="slidenum">
@@ -1697,8 +1783,9 @@
                 <a:ea typeface="Arial Unicode MS" pitchFamily="34" charset="-122"/>
                 <a:cs typeface="+mn-cs"/>
               </a:rPr>
+              <a:t>‹#›</a:t>
             </a:fld>
-            <a:endParaRPr lang="zh-CN" altLang="en-US" strike="noStrike" noProof="1" dirty="0"/>
+            <a:endParaRPr lang="zh-CN" altLang="en-US" strike="noStrike" noProof="1"/>
           </a:p>
         </p:txBody>
       </p:sp>
@@ -1918,7 +2005,6 @@
               <a:rPr lang="zh-CN" altLang="en-US" strike="noStrike" noProof="1" smtClean="0"/>
               <a:t>单击此处编辑母版文本样式</a:t>
             </a:r>
-            <a:endParaRPr lang="zh-CN" altLang="en-US" strike="noStrike" noProof="1" smtClean="0"/>
           </a:p>
         </p:txBody>
       </p:sp>
@@ -1935,6 +2021,7 @@
         <p:spPr/>
         <p:txBody>
           <a:bodyPr/>
+          <a:lstStyle/>
           <a:p>
             <a:pPr marL="0" marR="0" lvl="0" indent="0" algn="l" defTabSz="914400" rtl="0" eaLnBrk="0" fontAlgn="base" latinLnBrk="0" hangingPunct="0">
               <a:lnSpc>
@@ -1984,6 +2071,7 @@
         <p:spPr/>
         <p:txBody>
           <a:bodyPr/>
+          <a:lstStyle/>
           <a:p>
             <a:pPr marL="0" marR="0" lvl="0" indent="0" algn="ctr" defTabSz="914400" rtl="0" eaLnBrk="0" fontAlgn="base" latinLnBrk="0" hangingPunct="0">
               <a:lnSpc>
@@ -2033,6 +2121,7 @@
         <p:spPr/>
         <p:txBody>
           <a:bodyPr/>
+          <a:lstStyle/>
           <a:p>
             <a:pPr lvl="0" fontAlgn="base"/>
             <a:fld id="{9A0DB2DC-4C9A-4742-B13C-FB6460FD3503}" type="slidenum">
@@ -2041,8 +2130,9 @@
                 <a:ea typeface="Arial Unicode MS" pitchFamily="34" charset="-122"/>
                 <a:cs typeface="+mn-cs"/>
               </a:rPr>
+              <a:t>‹#›</a:t>
             </a:fld>
-            <a:endParaRPr lang="zh-CN" altLang="en-US" strike="noStrike" noProof="1" dirty="0">
+            <a:endParaRPr lang="zh-CN" altLang="en-US" strike="noStrike" noProof="1">
               <a:latin typeface="Arial" panose="020B0604020202020204" pitchFamily="34" charset="0"/>
             </a:endParaRPr>
           </a:p>
@@ -2121,7 +2211,6 @@
               <a:rPr lang="zh-CN" altLang="en-US" strike="noStrike" noProof="1" smtClean="0"/>
               <a:t>单击此处编辑母版文本样式</a:t>
             </a:r>
-            <a:endParaRPr lang="zh-CN" altLang="en-US" strike="noStrike" noProof="1" smtClean="0"/>
           </a:p>
           <a:p>
             <a:pPr lvl="1" fontAlgn="base"/>
@@ -2129,7 +2218,6 @@
               <a:rPr lang="zh-CN" altLang="en-US" strike="noStrike" noProof="1" smtClean="0"/>
               <a:t>第二级</a:t>
             </a:r>
-            <a:endParaRPr lang="zh-CN" altLang="en-US" strike="noStrike" noProof="1" smtClean="0"/>
           </a:p>
           <a:p>
             <a:pPr lvl="2" fontAlgn="base"/>
@@ -2137,7 +2225,6 @@
               <a:rPr lang="zh-CN" altLang="en-US" strike="noStrike" noProof="1" smtClean="0"/>
               <a:t>第三级</a:t>
             </a:r>
-            <a:endParaRPr lang="zh-CN" altLang="en-US" strike="noStrike" noProof="1" smtClean="0"/>
           </a:p>
           <a:p>
             <a:pPr lvl="3" fontAlgn="base"/>
@@ -2145,7 +2232,6 @@
               <a:rPr lang="zh-CN" altLang="en-US" strike="noStrike" noProof="1" smtClean="0"/>
               <a:t>第四级</a:t>
             </a:r>
-            <a:endParaRPr lang="zh-CN" altLang="en-US" strike="noStrike" noProof="1" smtClean="0"/>
           </a:p>
           <a:p>
             <a:pPr lvl="4" fontAlgn="base"/>
@@ -2170,6 +2256,7 @@
         <p:spPr/>
         <p:txBody>
           <a:bodyPr/>
+          <a:lstStyle/>
           <a:p>
             <a:pPr marL="0" marR="0" lvl="0" indent="0" algn="l" defTabSz="914400" rtl="0" eaLnBrk="0" fontAlgn="base" latinLnBrk="0" hangingPunct="0">
               <a:lnSpc>
@@ -2219,6 +2306,7 @@
         <p:spPr/>
         <p:txBody>
           <a:bodyPr/>
+          <a:lstStyle/>
           <a:p>
             <a:pPr marL="0" marR="0" lvl="0" indent="0" algn="ctr" defTabSz="914400" rtl="0" eaLnBrk="0" fontAlgn="base" latinLnBrk="0" hangingPunct="0">
               <a:lnSpc>
@@ -2268,6 +2356,7 @@
         <p:spPr/>
         <p:txBody>
           <a:bodyPr/>
+          <a:lstStyle/>
           <a:p>
             <a:pPr lvl="0" fontAlgn="base"/>
             <a:fld id="{9A0DB2DC-4C9A-4742-B13C-FB6460FD3503}" type="slidenum">
@@ -2276,8 +2365,9 @@
                 <a:ea typeface="Arial Unicode MS" pitchFamily="34" charset="-122"/>
                 <a:cs typeface="+mn-cs"/>
               </a:rPr>
+              <a:t>‹#›</a:t>
             </a:fld>
-            <a:endParaRPr lang="zh-CN" altLang="en-US" strike="noStrike" noProof="1" dirty="0">
+            <a:endParaRPr lang="zh-CN" altLang="en-US" strike="noStrike" noProof="1">
               <a:latin typeface="Arial" panose="020B0604020202020204" pitchFamily="34" charset="0"/>
             </a:endParaRPr>
           </a:p>
@@ -2366,7 +2456,6 @@
               <a:rPr lang="zh-CN" altLang="en-US" strike="noStrike" noProof="1" smtClean="0"/>
               <a:t>单击此处编辑母版文本样式</a:t>
             </a:r>
-            <a:endParaRPr lang="zh-CN" altLang="en-US" strike="noStrike" noProof="1" smtClean="0"/>
           </a:p>
           <a:p>
             <a:pPr lvl="1" fontAlgn="base"/>
@@ -2374,7 +2463,6 @@
               <a:rPr lang="zh-CN" altLang="en-US" strike="noStrike" noProof="1" smtClean="0"/>
               <a:t>第二级</a:t>
             </a:r>
-            <a:endParaRPr lang="zh-CN" altLang="en-US" strike="noStrike" noProof="1" smtClean="0"/>
           </a:p>
           <a:p>
             <a:pPr lvl="2" fontAlgn="base"/>
@@ -2382,7 +2470,6 @@
               <a:rPr lang="zh-CN" altLang="en-US" strike="noStrike" noProof="1" smtClean="0"/>
               <a:t>第三级</a:t>
             </a:r>
-            <a:endParaRPr lang="zh-CN" altLang="en-US" strike="noStrike" noProof="1" smtClean="0"/>
           </a:p>
           <a:p>
             <a:pPr lvl="3" fontAlgn="base"/>
@@ -2390,7 +2477,6 @@
               <a:rPr lang="zh-CN" altLang="en-US" strike="noStrike" noProof="1" smtClean="0"/>
               <a:t>第四级</a:t>
             </a:r>
-            <a:endParaRPr lang="zh-CN" altLang="en-US" strike="noStrike" noProof="1" smtClean="0"/>
           </a:p>
           <a:p>
             <a:pPr lvl="4" fontAlgn="base"/>
@@ -2415,6 +2501,7 @@
         <p:spPr/>
         <p:txBody>
           <a:bodyPr/>
+          <a:lstStyle/>
           <a:p>
             <a:pPr marL="0" marR="0" lvl="0" indent="0" algn="l" defTabSz="914400" rtl="0" eaLnBrk="0" fontAlgn="base" latinLnBrk="0" hangingPunct="0">
               <a:lnSpc>
@@ -2464,6 +2551,7 @@
         <p:spPr/>
         <p:txBody>
           <a:bodyPr/>
+          <a:lstStyle/>
           <a:p>
             <a:pPr marL="0" marR="0" lvl="0" indent="0" algn="ctr" defTabSz="914400" rtl="0" eaLnBrk="0" fontAlgn="base" latinLnBrk="0" hangingPunct="0">
               <a:lnSpc>
@@ -2513,6 +2601,7 @@
         <p:spPr/>
         <p:txBody>
           <a:bodyPr/>
+          <a:lstStyle/>
           <a:p>
             <a:pPr lvl="0" fontAlgn="base"/>
             <a:fld id="{9A0DB2DC-4C9A-4742-B13C-FB6460FD3503}" type="slidenum">
@@ -2521,8 +2610,9 @@
                 <a:ea typeface="Arial Unicode MS" pitchFamily="34" charset="-122"/>
                 <a:cs typeface="+mn-cs"/>
               </a:rPr>
+              <a:t>‹#›</a:t>
             </a:fld>
-            <a:endParaRPr lang="zh-CN" altLang="en-US" strike="noStrike" noProof="1" dirty="0">
+            <a:endParaRPr lang="zh-CN" altLang="en-US" strike="noStrike" noProof="1">
               <a:latin typeface="Arial" panose="020B0604020202020204" pitchFamily="34" charset="0"/>
             </a:endParaRPr>
           </a:p>
@@ -4063,6 +4153,7 @@
         </p:spPr>
         <p:txBody>
           <a:bodyPr vert="horz" wrap="square" lIns="91440" tIns="45720" rIns="91440" bIns="45720" numCol="1" anchor="ctr" anchorCtr="0" compatLnSpc="1"/>
+          <a:lstStyle/>
           <a:p>
             <a:pPr algn="r" fontAlgn="base"/>
             <a:fld id="{9A0DB2DC-4C9A-4742-B13C-FB6460FD3503}" type="slidenum">
@@ -4074,8 +4165,9 @@
                 <a:ea typeface="Arial Unicode MS" pitchFamily="34" charset="-122"/>
                 <a:cs typeface="+mn-cs"/>
               </a:rPr>
+              <a:t>‹#›</a:t>
             </a:fld>
-            <a:endParaRPr lang="en-US" altLang="zh-CN" sz="1300" b="1" strike="noStrike" noProof="1" dirty="0">
+            <a:endParaRPr lang="en-US" altLang="zh-CN" sz="1300" b="1" strike="noStrike" noProof="1">
               <a:solidFill>
                 <a:schemeClr val="bg1"/>
               </a:solidFill>
@@ -4287,6 +4379,7 @@
         <p:spPr/>
         <p:txBody>
           <a:bodyPr/>
+          <a:lstStyle/>
           <a:p>
             <a:pPr marL="0" marR="0" lvl="0" indent="0" algn="l" defTabSz="914400" rtl="0" eaLnBrk="0" fontAlgn="base" latinLnBrk="0" hangingPunct="0">
               <a:lnSpc>
@@ -4336,6 +4429,7 @@
         <p:spPr/>
         <p:txBody>
           <a:bodyPr/>
+          <a:lstStyle/>
           <a:p>
             <a:pPr marL="0" marR="0" lvl="0" indent="0" algn="ctr" defTabSz="914400" rtl="0" eaLnBrk="0" fontAlgn="base" latinLnBrk="0" hangingPunct="0">
               <a:lnSpc>
@@ -4385,6 +4479,7 @@
         <p:spPr/>
         <p:txBody>
           <a:bodyPr/>
+          <a:lstStyle/>
           <a:p>
             <a:pPr lvl="0" fontAlgn="base"/>
             <a:fld id="{9A0DB2DC-4C9A-4742-B13C-FB6460FD3503}" type="slidenum">
@@ -4393,8 +4488,9 @@
                 <a:ea typeface="Arial Unicode MS" pitchFamily="34" charset="-122"/>
                 <a:cs typeface="+mn-cs"/>
               </a:rPr>
+              <a:t>‹#›</a:t>
             </a:fld>
-            <a:endParaRPr lang="zh-CN" altLang="en-US" strike="noStrike" noProof="1" dirty="0">
+            <a:endParaRPr lang="zh-CN" altLang="en-US" strike="noStrike" noProof="1">
               <a:latin typeface="Arial" panose="020B0604020202020204" pitchFamily="34" charset="0"/>
             </a:endParaRPr>
           </a:p>
@@ -4480,6 +4576,7 @@
         <p:spPr/>
         <p:txBody>
           <a:bodyPr/>
+          <a:lstStyle/>
           <a:p>
             <a:pPr marL="0" marR="0" lvl="0" indent="0" algn="l" defTabSz="914400" rtl="0" eaLnBrk="0" fontAlgn="base" latinLnBrk="0" hangingPunct="0">
               <a:lnSpc>
@@ -4529,6 +4626,7 @@
         <p:spPr/>
         <p:txBody>
           <a:bodyPr/>
+          <a:lstStyle/>
           <a:p>
             <a:pPr marL="0" marR="0" lvl="0" indent="0" algn="ctr" defTabSz="914400" rtl="0" eaLnBrk="0" fontAlgn="base" latinLnBrk="0" hangingPunct="0">
               <a:lnSpc>
@@ -4578,6 +4676,7 @@
         <p:spPr/>
         <p:txBody>
           <a:bodyPr/>
+          <a:lstStyle/>
           <a:p>
             <a:pPr lvl="0" fontAlgn="base"/>
             <a:fld id="{9A0DB2DC-4C9A-4742-B13C-FB6460FD3503}" type="slidenum">
@@ -4586,8 +4685,9 @@
                 <a:ea typeface="Arial Unicode MS" pitchFamily="34" charset="-122"/>
                 <a:cs typeface="+mn-cs"/>
               </a:rPr>
+              <a:t>‹#›</a:t>
             </a:fld>
-            <a:endParaRPr lang="zh-CN" altLang="en-US" strike="noStrike" noProof="1" dirty="0">
+            <a:endParaRPr lang="zh-CN" altLang="en-US" strike="noStrike" noProof="1">
               <a:latin typeface="Arial" panose="020B0604020202020204" pitchFamily="34" charset="0"/>
             </a:endParaRPr>
           </a:p>
@@ -4673,6 +4773,7 @@
         <p:spPr/>
         <p:txBody>
           <a:bodyPr/>
+          <a:lstStyle/>
           <a:p>
             <a:pPr marL="0" marR="0" lvl="0" indent="0" algn="l" defTabSz="914400" rtl="0" eaLnBrk="0" fontAlgn="base" latinLnBrk="0" hangingPunct="0">
               <a:lnSpc>
@@ -4722,6 +4823,7 @@
         <p:spPr/>
         <p:txBody>
           <a:bodyPr/>
+          <a:lstStyle/>
           <a:p>
             <a:pPr marL="0" marR="0" lvl="0" indent="0" algn="ctr" defTabSz="914400" rtl="0" eaLnBrk="0" fontAlgn="base" latinLnBrk="0" hangingPunct="0">
               <a:lnSpc>
@@ -4771,6 +4873,7 @@
         <p:spPr/>
         <p:txBody>
           <a:bodyPr/>
+          <a:lstStyle/>
           <a:p>
             <a:pPr lvl="0" fontAlgn="base"/>
             <a:fld id="{9A0DB2DC-4C9A-4742-B13C-FB6460FD3503}" type="slidenum">
@@ -4779,8 +4882,9 @@
                 <a:ea typeface="Arial Unicode MS" pitchFamily="34" charset="-122"/>
                 <a:cs typeface="+mn-cs"/>
               </a:rPr>
+              <a:t>‹#›</a:t>
             </a:fld>
-            <a:endParaRPr lang="zh-CN" altLang="en-US" strike="noStrike" noProof="1" dirty="0">
+            <a:endParaRPr lang="zh-CN" altLang="en-US" strike="noStrike" noProof="1">
               <a:latin typeface="Arial" panose="020B0604020202020204" pitchFamily="34" charset="0"/>
             </a:endParaRPr>
           </a:p>
@@ -4866,6 +4970,7 @@
         <p:spPr/>
         <p:txBody>
           <a:bodyPr/>
+          <a:lstStyle/>
           <a:p>
             <a:pPr marL="0" marR="0" lvl="0" indent="0" algn="l" defTabSz="914400" rtl="0" eaLnBrk="0" fontAlgn="base" latinLnBrk="0" hangingPunct="0">
               <a:lnSpc>
@@ -4915,6 +5020,7 @@
         <p:spPr/>
         <p:txBody>
           <a:bodyPr/>
+          <a:lstStyle/>
           <a:p>
             <a:pPr marL="0" marR="0" lvl="0" indent="0" algn="ctr" defTabSz="914400" rtl="0" eaLnBrk="0" fontAlgn="base" latinLnBrk="0" hangingPunct="0">
               <a:lnSpc>
@@ -4964,6 +5070,7 @@
         <p:spPr/>
         <p:txBody>
           <a:bodyPr/>
+          <a:lstStyle/>
           <a:p>
             <a:pPr lvl="0" fontAlgn="base"/>
             <a:fld id="{9A0DB2DC-4C9A-4742-B13C-FB6460FD3503}" type="slidenum">
@@ -4972,8 +5079,9 @@
                 <a:ea typeface="Arial Unicode MS" pitchFamily="34" charset="-122"/>
                 <a:cs typeface="+mn-cs"/>
               </a:rPr>
+              <a:t>‹#›</a:t>
             </a:fld>
-            <a:endParaRPr lang="zh-CN" altLang="en-US" strike="noStrike" noProof="1" dirty="0">
+            <a:endParaRPr lang="zh-CN" altLang="en-US" strike="noStrike" noProof="1">
               <a:latin typeface="Arial" panose="020B0604020202020204" pitchFamily="34" charset="0"/>
             </a:endParaRPr>
           </a:p>
@@ -5059,6 +5167,7 @@
         <p:spPr/>
         <p:txBody>
           <a:bodyPr/>
+          <a:lstStyle/>
           <a:p>
             <a:pPr marL="0" marR="0" lvl="0" indent="0" algn="l" defTabSz="914400" rtl="0" eaLnBrk="0" fontAlgn="base" latinLnBrk="0" hangingPunct="0">
               <a:lnSpc>
@@ -5108,6 +5217,7 @@
         <p:spPr/>
         <p:txBody>
           <a:bodyPr/>
+          <a:lstStyle/>
           <a:p>
             <a:pPr marL="0" marR="0" lvl="0" indent="0" algn="ctr" defTabSz="914400" rtl="0" eaLnBrk="0" fontAlgn="base" latinLnBrk="0" hangingPunct="0">
               <a:lnSpc>
@@ -5157,6 +5267,7 @@
         <p:spPr/>
         <p:txBody>
           <a:bodyPr/>
+          <a:lstStyle/>
           <a:p>
             <a:pPr lvl="0" fontAlgn="base"/>
             <a:fld id="{9A0DB2DC-4C9A-4742-B13C-FB6460FD3503}" type="slidenum">
@@ -5165,8 +5276,9 @@
                 <a:ea typeface="Arial Unicode MS" pitchFamily="34" charset="-122"/>
                 <a:cs typeface="+mn-cs"/>
               </a:rPr>
+              <a:t>‹#›</a:t>
             </a:fld>
-            <a:endParaRPr lang="zh-CN" altLang="en-US" strike="noStrike" noProof="1" dirty="0">
+            <a:endParaRPr lang="zh-CN" altLang="en-US" strike="noStrike" noProof="1">
               <a:latin typeface="Arial" panose="020B0604020202020204" pitchFamily="34" charset="0"/>
             </a:endParaRPr>
           </a:p>
@@ -5252,6 +5364,7 @@
         <p:spPr/>
         <p:txBody>
           <a:bodyPr/>
+          <a:lstStyle/>
           <a:p>
             <a:pPr marL="0" marR="0" lvl="0" indent="0" algn="l" defTabSz="914400" rtl="0" eaLnBrk="0" fontAlgn="base" latinLnBrk="0" hangingPunct="0">
               <a:lnSpc>
@@ -5301,6 +5414,7 @@
         <p:spPr/>
         <p:txBody>
           <a:bodyPr/>
+          <a:lstStyle/>
           <a:p>
             <a:pPr marL="0" marR="0" lvl="0" indent="0" algn="ctr" defTabSz="914400" rtl="0" eaLnBrk="0" fontAlgn="base" latinLnBrk="0" hangingPunct="0">
               <a:lnSpc>
@@ -5350,6 +5464,7 @@
         <p:spPr/>
         <p:txBody>
           <a:bodyPr/>
+          <a:lstStyle/>
           <a:p>
             <a:pPr lvl="0" fontAlgn="base"/>
             <a:fld id="{9A0DB2DC-4C9A-4742-B13C-FB6460FD3503}" type="slidenum">
@@ -5358,8 +5473,9 @@
                 <a:ea typeface="Arial Unicode MS" pitchFamily="34" charset="-122"/>
                 <a:cs typeface="+mn-cs"/>
               </a:rPr>
+              <a:t>‹#›</a:t>
             </a:fld>
-            <a:endParaRPr lang="zh-CN" altLang="en-US" strike="noStrike" noProof="1" dirty="0">
+            <a:endParaRPr lang="zh-CN" altLang="en-US" strike="noStrike" noProof="1">
               <a:latin typeface="Arial" panose="020B0604020202020204" pitchFamily="34" charset="0"/>
             </a:endParaRPr>
           </a:p>
@@ -5419,7 +5535,6 @@
               <a:rPr lang="zh-CN" altLang="en-US" strike="noStrike" noProof="1" smtClean="0"/>
               <a:t>单击此处编辑母版文本样式</a:t>
             </a:r>
-            <a:endParaRPr lang="zh-CN" altLang="en-US" strike="noStrike" noProof="1" smtClean="0"/>
           </a:p>
           <a:p>
             <a:pPr lvl="1" fontAlgn="base"/>
@@ -5427,7 +5542,6 @@
               <a:rPr lang="zh-CN" altLang="en-US" strike="noStrike" noProof="1" smtClean="0"/>
               <a:t>第二级</a:t>
             </a:r>
-            <a:endParaRPr lang="zh-CN" altLang="en-US" strike="noStrike" noProof="1" smtClean="0"/>
           </a:p>
           <a:p>
             <a:pPr lvl="2" fontAlgn="base"/>
@@ -5435,7 +5549,6 @@
               <a:rPr lang="zh-CN" altLang="en-US" strike="noStrike" noProof="1" smtClean="0"/>
               <a:t>第三级</a:t>
             </a:r>
-            <a:endParaRPr lang="zh-CN" altLang="en-US" strike="noStrike" noProof="1" smtClean="0"/>
           </a:p>
           <a:p>
             <a:pPr lvl="3" fontAlgn="base"/>
@@ -5443,7 +5556,6 @@
               <a:rPr lang="zh-CN" altLang="en-US" strike="noStrike" noProof="1" smtClean="0"/>
               <a:t>第四级</a:t>
             </a:r>
-            <a:endParaRPr lang="zh-CN" altLang="en-US" strike="noStrike" noProof="1" smtClean="0"/>
           </a:p>
           <a:p>
             <a:pPr lvl="4" fontAlgn="base"/>
@@ -5468,6 +5580,7 @@
         <p:spPr/>
         <p:txBody>
           <a:bodyPr/>
+          <a:lstStyle/>
           <a:p>
             <a:pPr marL="0" marR="0" lvl="0" indent="0" algn="l" defTabSz="914400" rtl="0" eaLnBrk="0" fontAlgn="base" latinLnBrk="0" hangingPunct="0">
               <a:lnSpc>
@@ -5517,6 +5630,7 @@
         <p:spPr/>
         <p:txBody>
           <a:bodyPr/>
+          <a:lstStyle/>
           <a:p>
             <a:pPr marL="0" marR="0" lvl="0" indent="0" algn="ctr" defTabSz="914400" rtl="0" eaLnBrk="0" fontAlgn="base" latinLnBrk="0" hangingPunct="0">
               <a:lnSpc>
@@ -5566,6 +5680,7 @@
         <p:spPr/>
         <p:txBody>
           <a:bodyPr/>
+          <a:lstStyle/>
           <a:p>
             <a:pPr lvl="0" fontAlgn="base"/>
             <a:fld id="{9A0DB2DC-4C9A-4742-B13C-FB6460FD3503}" type="slidenum">
@@ -5574,8 +5689,9 @@
                 <a:ea typeface="Arial Unicode MS" pitchFamily="34" charset="-122"/>
                 <a:cs typeface="+mn-cs"/>
               </a:rPr>
+              <a:t>‹#›</a:t>
             </a:fld>
-            <a:endParaRPr lang="zh-CN" altLang="en-US" strike="noStrike" noProof="1" dirty="0">
+            <a:endParaRPr lang="zh-CN" altLang="en-US" strike="noStrike" noProof="1">
               <a:latin typeface="Arial" panose="020B0604020202020204" pitchFamily="34" charset="0"/>
             </a:endParaRPr>
           </a:p>
@@ -5661,6 +5777,7 @@
         <p:spPr/>
         <p:txBody>
           <a:bodyPr/>
+          <a:lstStyle/>
           <a:p>
             <a:pPr marL="0" marR="0" lvl="0" indent="0" algn="l" defTabSz="914400" rtl="0" eaLnBrk="0" fontAlgn="base" latinLnBrk="0" hangingPunct="0">
               <a:lnSpc>
@@ -5710,6 +5827,7 @@
         <p:spPr/>
         <p:txBody>
           <a:bodyPr/>
+          <a:lstStyle/>
           <a:p>
             <a:pPr marL="0" marR="0" lvl="0" indent="0" algn="ctr" defTabSz="914400" rtl="0" eaLnBrk="0" fontAlgn="base" latinLnBrk="0" hangingPunct="0">
               <a:lnSpc>
@@ -5759,6 +5877,7 @@
         <p:spPr/>
         <p:txBody>
           <a:bodyPr/>
+          <a:lstStyle/>
           <a:p>
             <a:pPr lvl="0" fontAlgn="base"/>
             <a:fld id="{9A0DB2DC-4C9A-4742-B13C-FB6460FD3503}" type="slidenum">
@@ -5767,8 +5886,9 @@
                 <a:ea typeface="Arial Unicode MS" pitchFamily="34" charset="-122"/>
                 <a:cs typeface="+mn-cs"/>
               </a:rPr>
+              <a:t>‹#›</a:t>
             </a:fld>
-            <a:endParaRPr lang="zh-CN" altLang="en-US" strike="noStrike" noProof="1" dirty="0">
+            <a:endParaRPr lang="zh-CN" altLang="en-US" strike="noStrike" noProof="1">
               <a:latin typeface="Arial" panose="020B0604020202020204" pitchFamily="34" charset="0"/>
             </a:endParaRPr>
           </a:p>
@@ -5948,8 +6068,9 @@
                 <a:ea typeface="Arial Unicode MS" pitchFamily="34" charset="-122"/>
                 <a:cs typeface="+mn-cs"/>
               </a:rPr>
+              <a:t>‹#›</a:t>
             </a:fld>
-            <a:endParaRPr lang="zh-CN" altLang="en-US" strike="noStrike" noProof="1" dirty="0">
+            <a:endParaRPr lang="zh-CN" altLang="en-US" strike="noStrike" noProof="1">
               <a:latin typeface="Arial" panose="020B0604020202020204" pitchFamily="34" charset="0"/>
             </a:endParaRPr>
           </a:p>
@@ -6128,8 +6249,9 @@
                 <a:ea typeface="Arial Unicode MS" pitchFamily="34" charset="-122"/>
                 <a:cs typeface="+mn-cs"/>
               </a:rPr>
+              <a:t>‹#›</a:t>
             </a:fld>
-            <a:endParaRPr lang="zh-CN" altLang="en-US" strike="noStrike" noProof="1" dirty="0">
+            <a:endParaRPr lang="zh-CN" altLang="en-US" strike="noStrike" noProof="1">
               <a:latin typeface="Arial" panose="020B0604020202020204" pitchFamily="34" charset="0"/>
             </a:endParaRPr>
           </a:p>
@@ -6308,8 +6430,9 @@
                 <a:ea typeface="Arial Unicode MS" pitchFamily="34" charset="-122"/>
                 <a:cs typeface="+mn-cs"/>
               </a:rPr>
+              <a:t>‹#›</a:t>
             </a:fld>
-            <a:endParaRPr lang="zh-CN" altLang="en-US" strike="noStrike" noProof="1" dirty="0">
+            <a:endParaRPr lang="zh-CN" altLang="en-US" strike="noStrike" noProof="1">
               <a:latin typeface="Arial" panose="020B0604020202020204" pitchFamily="34" charset="0"/>
             </a:endParaRPr>
           </a:p>
@@ -6488,8 +6611,9 @@
                 <a:ea typeface="Arial Unicode MS" pitchFamily="34" charset="-122"/>
                 <a:cs typeface="+mn-cs"/>
               </a:rPr>
+              <a:t>‹#›</a:t>
             </a:fld>
-            <a:endParaRPr lang="zh-CN" altLang="en-US" strike="noStrike" noProof="1" dirty="0">
+            <a:endParaRPr lang="zh-CN" altLang="en-US" strike="noStrike" noProof="1">
               <a:latin typeface="Arial" panose="020B0604020202020204" pitchFamily="34" charset="0"/>
             </a:endParaRPr>
           </a:p>
@@ -6668,8 +6792,9 @@
                 <a:ea typeface="Arial Unicode MS" pitchFamily="34" charset="-122"/>
                 <a:cs typeface="+mn-cs"/>
               </a:rPr>
+              <a:t>‹#›</a:t>
             </a:fld>
-            <a:endParaRPr lang="zh-CN" altLang="en-US" strike="noStrike" noProof="1" dirty="0">
+            <a:endParaRPr lang="zh-CN" altLang="en-US" strike="noStrike" noProof="1">
               <a:latin typeface="Arial" panose="020B0604020202020204" pitchFamily="34" charset="0"/>
             </a:endParaRPr>
           </a:p>
@@ -6848,8 +6973,9 @@
                 <a:ea typeface="Arial Unicode MS" pitchFamily="34" charset="-122"/>
                 <a:cs typeface="+mn-cs"/>
               </a:rPr>
+              <a:t>‹#›</a:t>
             </a:fld>
-            <a:endParaRPr lang="zh-CN" altLang="en-US" strike="noStrike" noProof="1" dirty="0">
+            <a:endParaRPr lang="zh-CN" altLang="en-US" strike="noStrike" noProof="1">
               <a:latin typeface="Arial" panose="020B0604020202020204" pitchFamily="34" charset="0"/>
             </a:endParaRPr>
           </a:p>
@@ -7028,8 +7154,9 @@
                 <a:ea typeface="Arial Unicode MS" pitchFamily="34" charset="-122"/>
                 <a:cs typeface="+mn-cs"/>
               </a:rPr>
+              <a:t>‹#›</a:t>
             </a:fld>
-            <a:endParaRPr lang="zh-CN" altLang="en-US" strike="noStrike" noProof="1" dirty="0">
+            <a:endParaRPr lang="zh-CN" altLang="en-US" strike="noStrike" noProof="1">
               <a:latin typeface="Arial" panose="020B0604020202020204" pitchFamily="34" charset="0"/>
             </a:endParaRPr>
           </a:p>
@@ -7208,8 +7335,9 @@
                 <a:ea typeface="Arial Unicode MS" pitchFamily="34" charset="-122"/>
                 <a:cs typeface="+mn-cs"/>
               </a:rPr>
+              <a:t>‹#›</a:t>
             </a:fld>
-            <a:endParaRPr lang="zh-CN" altLang="en-US" strike="noStrike" noProof="1" dirty="0">
+            <a:endParaRPr lang="zh-CN" altLang="en-US" strike="noStrike" noProof="1">
               <a:latin typeface="Arial" panose="020B0604020202020204" pitchFamily="34" charset="0"/>
             </a:endParaRPr>
           </a:p>
@@ -7388,8 +7516,9 @@
                 <a:ea typeface="Arial Unicode MS" pitchFamily="34" charset="-122"/>
                 <a:cs typeface="+mn-cs"/>
               </a:rPr>
+              <a:t>‹#›</a:t>
             </a:fld>
-            <a:endParaRPr lang="zh-CN" altLang="en-US" strike="noStrike" noProof="1" dirty="0">
+            <a:endParaRPr lang="zh-CN" altLang="en-US" strike="noStrike" noProof="1">
               <a:latin typeface="Arial" panose="020B0604020202020204" pitchFamily="34" charset="0"/>
             </a:endParaRPr>
           </a:p>
@@ -7978,7 +8107,6 @@
               <a:rPr lang="zh-CN" altLang="en-US" strike="noStrike" noProof="1" smtClean="0"/>
               <a:t>单击此处编辑母版文本样式</a:t>
             </a:r>
-            <a:endParaRPr lang="zh-CN" altLang="en-US" strike="noStrike" noProof="1" smtClean="0"/>
           </a:p>
           <a:p>
             <a:pPr lvl="1" fontAlgn="base"/>
@@ -7986,7 +8114,6 @@
               <a:rPr lang="zh-CN" altLang="en-US" strike="noStrike" noProof="1" smtClean="0"/>
               <a:t>第二级</a:t>
             </a:r>
-            <a:endParaRPr lang="zh-CN" altLang="en-US" strike="noStrike" noProof="1" smtClean="0"/>
           </a:p>
           <a:p>
             <a:pPr lvl="2" fontAlgn="base"/>
@@ -7994,7 +8121,6 @@
               <a:rPr lang="zh-CN" altLang="en-US" strike="noStrike" noProof="1" smtClean="0"/>
               <a:t>第三级</a:t>
             </a:r>
-            <a:endParaRPr lang="zh-CN" altLang="en-US" strike="noStrike" noProof="1" smtClean="0"/>
           </a:p>
           <a:p>
             <a:pPr lvl="3" fontAlgn="base"/>
@@ -8002,7 +8128,6 @@
               <a:rPr lang="zh-CN" altLang="en-US" strike="noStrike" noProof="1" smtClean="0"/>
               <a:t>第四级</a:t>
             </a:r>
-            <a:endParaRPr lang="zh-CN" altLang="en-US" strike="noStrike" noProof="1" smtClean="0"/>
           </a:p>
           <a:p>
             <a:pPr lvl="4" fontAlgn="base"/>
@@ -8159,6 +8284,7 @@
         </p:spPr>
         <p:txBody>
           <a:bodyPr vert="horz" wrap="square" lIns="91440" tIns="45720" rIns="91440" bIns="45720" numCol="1" anchor="ctr" anchorCtr="0" compatLnSpc="1"/>
+          <a:lstStyle/>
           <a:p>
             <a:pPr algn="r" fontAlgn="base"/>
             <a:fld id="{9A0DB2DC-4C9A-4742-B13C-FB6460FD3503}" type="slidenum">
@@ -8167,8 +8293,9 @@
                 <a:ea typeface="Arial Unicode MS" pitchFamily="34" charset="-122"/>
                 <a:cs typeface="+mn-cs"/>
               </a:rPr>
+              <a:t>‹#›</a:t>
             </a:fld>
-            <a:endParaRPr lang="zh-CN" altLang="en-US" strike="noStrike" noProof="1" dirty="0"/>
+            <a:endParaRPr lang="zh-CN" altLang="en-US" strike="noStrike" noProof="1"/>
           </a:p>
         </p:txBody>
       </p:sp>
@@ -8346,8 +8473,9 @@
                 <a:ea typeface="Arial Unicode MS" pitchFamily="34" charset="-122"/>
                 <a:cs typeface="+mn-cs"/>
               </a:rPr>
+              <a:t>‹#›</a:t>
             </a:fld>
-            <a:endParaRPr lang="zh-CN" altLang="en-US" strike="noStrike" noProof="1" dirty="0">
+            <a:endParaRPr lang="zh-CN" altLang="en-US" strike="noStrike" noProof="1">
               <a:latin typeface="Arial" panose="020B0604020202020204" pitchFamily="34" charset="0"/>
             </a:endParaRPr>
           </a:p>
@@ -8526,8 +8654,9 @@
                 <a:ea typeface="Arial Unicode MS" pitchFamily="34" charset="-122"/>
                 <a:cs typeface="+mn-cs"/>
               </a:rPr>
+              <a:t>‹#›</a:t>
             </a:fld>
-            <a:endParaRPr lang="zh-CN" altLang="en-US" strike="noStrike" noProof="1" dirty="0">
+            <a:endParaRPr lang="zh-CN" altLang="en-US" strike="noStrike" noProof="1">
               <a:latin typeface="Arial" panose="020B0604020202020204" pitchFamily="34" charset="0"/>
             </a:endParaRPr>
           </a:p>
@@ -8706,8 +8835,9 @@
                 <a:ea typeface="Arial Unicode MS" pitchFamily="34" charset="-122"/>
                 <a:cs typeface="+mn-cs"/>
               </a:rPr>
+              <a:t>‹#›</a:t>
             </a:fld>
-            <a:endParaRPr lang="zh-CN" altLang="en-US" strike="noStrike" noProof="1" dirty="0">
+            <a:endParaRPr lang="zh-CN" altLang="en-US" strike="noStrike" noProof="1">
               <a:latin typeface="Arial" panose="020B0604020202020204" pitchFamily="34" charset="0"/>
             </a:endParaRPr>
           </a:p>
@@ -8886,8 +9016,9 @@
                 <a:ea typeface="Arial Unicode MS" pitchFamily="34" charset="-122"/>
                 <a:cs typeface="+mn-cs"/>
               </a:rPr>
+              <a:t>‹#›</a:t>
             </a:fld>
-            <a:endParaRPr lang="zh-CN" altLang="en-US" strike="noStrike" noProof="1" dirty="0">
+            <a:endParaRPr lang="zh-CN" altLang="en-US" strike="noStrike" noProof="1">
               <a:latin typeface="Arial" panose="020B0604020202020204" pitchFamily="34" charset="0"/>
             </a:endParaRPr>
           </a:p>
@@ -9066,8 +9197,9 @@
                 <a:ea typeface="Arial Unicode MS" pitchFamily="34" charset="-122"/>
                 <a:cs typeface="+mn-cs"/>
               </a:rPr>
+              <a:t>‹#›</a:t>
             </a:fld>
-            <a:endParaRPr lang="zh-CN" altLang="en-US" strike="noStrike" noProof="1" dirty="0">
+            <a:endParaRPr lang="zh-CN" altLang="en-US" strike="noStrike" noProof="1">
               <a:latin typeface="Arial" panose="020B0604020202020204" pitchFamily="34" charset="0"/>
             </a:endParaRPr>
           </a:p>
@@ -9246,8 +9378,9 @@
                 <a:ea typeface="Arial Unicode MS" pitchFamily="34" charset="-122"/>
                 <a:cs typeface="+mn-cs"/>
               </a:rPr>
+              <a:t>‹#›</a:t>
             </a:fld>
-            <a:endParaRPr lang="zh-CN" altLang="en-US" strike="noStrike" noProof="1" dirty="0">
+            <a:endParaRPr lang="zh-CN" altLang="en-US" strike="noStrike" noProof="1">
               <a:latin typeface="Arial" panose="020B0604020202020204" pitchFamily="34" charset="0"/>
             </a:endParaRPr>
           </a:p>
@@ -9426,8 +9559,9 @@
                 <a:ea typeface="Arial Unicode MS" pitchFamily="34" charset="-122"/>
                 <a:cs typeface="+mn-cs"/>
               </a:rPr>
+              <a:t>‹#›</a:t>
             </a:fld>
-            <a:endParaRPr lang="zh-CN" altLang="en-US" strike="noStrike" noProof="1" dirty="0">
+            <a:endParaRPr lang="zh-CN" altLang="en-US" strike="noStrike" noProof="1">
               <a:latin typeface="Arial" panose="020B0604020202020204" pitchFamily="34" charset="0"/>
             </a:endParaRPr>
           </a:p>
@@ -9606,8 +9740,9 @@
                 <a:ea typeface="Arial Unicode MS" pitchFamily="34" charset="-122"/>
                 <a:cs typeface="+mn-cs"/>
               </a:rPr>
+              <a:t>‹#›</a:t>
             </a:fld>
-            <a:endParaRPr lang="zh-CN" altLang="en-US" strike="noStrike" noProof="1" dirty="0">
+            <a:endParaRPr lang="zh-CN" altLang="en-US" strike="noStrike" noProof="1">
               <a:latin typeface="Arial" panose="020B0604020202020204" pitchFamily="34" charset="0"/>
             </a:endParaRPr>
           </a:p>
@@ -9786,8 +9921,9 @@
                 <a:ea typeface="Arial Unicode MS" pitchFamily="34" charset="-122"/>
                 <a:cs typeface="+mn-cs"/>
               </a:rPr>
+              <a:t>‹#›</a:t>
             </a:fld>
-            <a:endParaRPr lang="zh-CN" altLang="en-US" strike="noStrike" noProof="1" dirty="0">
+            <a:endParaRPr lang="zh-CN" altLang="en-US" strike="noStrike" noProof="1">
               <a:latin typeface="Arial" panose="020B0604020202020204" pitchFamily="34" charset="0"/>
             </a:endParaRPr>
           </a:p>
@@ -9966,8 +10102,9 @@
                 <a:ea typeface="Arial Unicode MS" pitchFamily="34" charset="-122"/>
                 <a:cs typeface="+mn-cs"/>
               </a:rPr>
+              <a:t>‹#›</a:t>
             </a:fld>
-            <a:endParaRPr lang="zh-CN" altLang="en-US" strike="noStrike" noProof="1" dirty="0">
+            <a:endParaRPr lang="zh-CN" altLang="en-US" strike="noStrike" noProof="1">
               <a:latin typeface="Arial" panose="020B0604020202020204" pitchFamily="34" charset="0"/>
             </a:endParaRPr>
           </a:p>
@@ -10150,7 +10287,6 @@
               <a:rPr lang="zh-CN" altLang="en-US" strike="noStrike" noProof="1" smtClean="0"/>
               <a:t>单击此处编辑母版文本样式</a:t>
             </a:r>
-            <a:endParaRPr lang="zh-CN" altLang="en-US" strike="noStrike" noProof="1" smtClean="0"/>
           </a:p>
         </p:txBody>
       </p:sp>
@@ -10167,6 +10303,7 @@
         <p:spPr/>
         <p:txBody>
           <a:bodyPr/>
+          <a:lstStyle/>
           <a:p>
             <a:pPr marL="0" marR="0" lvl="0" indent="0" algn="l" defTabSz="914400" rtl="0" eaLnBrk="0" fontAlgn="base" latinLnBrk="0" hangingPunct="0">
               <a:lnSpc>
@@ -10216,6 +10353,7 @@
         <p:spPr/>
         <p:txBody>
           <a:bodyPr/>
+          <a:lstStyle/>
           <a:p>
             <a:pPr marL="0" marR="0" lvl="0" indent="0" algn="ctr" defTabSz="914400" rtl="0" eaLnBrk="0" fontAlgn="base" latinLnBrk="0" hangingPunct="0">
               <a:lnSpc>
@@ -10265,6 +10403,7 @@
         <p:spPr/>
         <p:txBody>
           <a:bodyPr/>
+          <a:lstStyle/>
           <a:p>
             <a:pPr lvl="0" fontAlgn="base"/>
             <a:fld id="{9A0DB2DC-4C9A-4742-B13C-FB6460FD3503}" type="slidenum">
@@ -10273,8 +10412,9 @@
                 <a:ea typeface="Arial Unicode MS" pitchFamily="34" charset="-122"/>
                 <a:cs typeface="+mn-cs"/>
               </a:rPr>
+              <a:t>‹#›</a:t>
             </a:fld>
-            <a:endParaRPr lang="zh-CN" altLang="en-US" strike="noStrike" noProof="1" dirty="0">
+            <a:endParaRPr lang="zh-CN" altLang="en-US" strike="noStrike" noProof="1">
               <a:latin typeface="Arial" panose="020B0604020202020204" pitchFamily="34" charset="0"/>
             </a:endParaRPr>
           </a:p>
@@ -10454,8 +10594,9 @@
                 <a:ea typeface="Arial Unicode MS" pitchFamily="34" charset="-122"/>
                 <a:cs typeface="+mn-cs"/>
               </a:rPr>
+              <a:t>‹#›</a:t>
             </a:fld>
-            <a:endParaRPr lang="zh-CN" altLang="en-US" strike="noStrike" noProof="1" dirty="0">
+            <a:endParaRPr lang="zh-CN" altLang="en-US" strike="noStrike" noProof="1">
               <a:latin typeface="Arial" panose="020B0604020202020204" pitchFamily="34" charset="0"/>
             </a:endParaRPr>
           </a:p>
@@ -10634,8 +10775,9 @@
                 <a:ea typeface="Arial Unicode MS" pitchFamily="34" charset="-122"/>
                 <a:cs typeface="+mn-cs"/>
               </a:rPr>
+              <a:t>‹#›</a:t>
             </a:fld>
-            <a:endParaRPr lang="zh-CN" altLang="en-US" strike="noStrike" noProof="1" dirty="0">
+            <a:endParaRPr lang="zh-CN" altLang="en-US" strike="noStrike" noProof="1">
               <a:latin typeface="Arial" panose="020B0604020202020204" pitchFamily="34" charset="0"/>
             </a:endParaRPr>
           </a:p>
@@ -10814,8 +10956,9 @@
                 <a:ea typeface="Arial Unicode MS" pitchFamily="34" charset="-122"/>
                 <a:cs typeface="+mn-cs"/>
               </a:rPr>
+              <a:t>‹#›</a:t>
             </a:fld>
-            <a:endParaRPr lang="zh-CN" altLang="en-US" strike="noStrike" noProof="1" dirty="0">
+            <a:endParaRPr lang="zh-CN" altLang="en-US" strike="noStrike" noProof="1">
               <a:latin typeface="Arial" panose="020B0604020202020204" pitchFamily="34" charset="0"/>
             </a:endParaRPr>
           </a:p>
@@ -10994,8 +11137,9 @@
                 <a:ea typeface="Arial Unicode MS" pitchFamily="34" charset="-122"/>
                 <a:cs typeface="+mn-cs"/>
               </a:rPr>
+              <a:t>‹#›</a:t>
             </a:fld>
-            <a:endParaRPr lang="zh-CN" altLang="en-US" strike="noStrike" noProof="1" dirty="0">
+            <a:endParaRPr lang="zh-CN" altLang="en-US" strike="noStrike" noProof="1">
               <a:latin typeface="Arial" panose="020B0604020202020204" pitchFamily="34" charset="0"/>
             </a:endParaRPr>
           </a:p>
@@ -11174,8 +11318,9 @@
                 <a:ea typeface="Arial Unicode MS" pitchFamily="34" charset="-122"/>
                 <a:cs typeface="+mn-cs"/>
               </a:rPr>
+              <a:t>‹#›</a:t>
             </a:fld>
-            <a:endParaRPr lang="zh-CN" altLang="en-US" strike="noStrike" noProof="1" dirty="0">
+            <a:endParaRPr lang="zh-CN" altLang="en-US" strike="noStrike" noProof="1">
               <a:latin typeface="Arial" panose="020B0604020202020204" pitchFamily="34" charset="0"/>
             </a:endParaRPr>
           </a:p>
@@ -11354,8 +11499,9 @@
                 <a:ea typeface="Arial Unicode MS" pitchFamily="34" charset="-122"/>
                 <a:cs typeface="+mn-cs"/>
               </a:rPr>
+              <a:t>‹#›</a:t>
             </a:fld>
-            <a:endParaRPr lang="zh-CN" altLang="en-US" strike="noStrike" noProof="1" dirty="0">
+            <a:endParaRPr lang="zh-CN" altLang="en-US" strike="noStrike" noProof="1">
               <a:latin typeface="Arial" panose="020B0604020202020204" pitchFamily="34" charset="0"/>
             </a:endParaRPr>
           </a:p>
@@ -11534,8 +11680,9 @@
                 <a:ea typeface="Arial Unicode MS" pitchFamily="34" charset="-122"/>
                 <a:cs typeface="+mn-cs"/>
               </a:rPr>
+              <a:t>‹#›</a:t>
             </a:fld>
-            <a:endParaRPr lang="zh-CN" altLang="en-US" strike="noStrike" noProof="1" dirty="0">
+            <a:endParaRPr lang="zh-CN" altLang="en-US" strike="noStrike" noProof="1">
               <a:latin typeface="Arial" panose="020B0604020202020204" pitchFamily="34" charset="0"/>
             </a:endParaRPr>
           </a:p>
@@ -11714,8 +11861,9 @@
                 <a:ea typeface="Arial Unicode MS" pitchFamily="34" charset="-122"/>
                 <a:cs typeface="+mn-cs"/>
               </a:rPr>
+              <a:t>‹#›</a:t>
             </a:fld>
-            <a:endParaRPr lang="zh-CN" altLang="en-US" strike="noStrike" noProof="1" dirty="0">
+            <a:endParaRPr lang="zh-CN" altLang="en-US" strike="noStrike" noProof="1">
               <a:latin typeface="Arial" panose="020B0604020202020204" pitchFamily="34" charset="0"/>
             </a:endParaRPr>
           </a:p>
@@ -11894,8 +12042,9 @@
                 <a:ea typeface="Arial Unicode MS" pitchFamily="34" charset="-122"/>
                 <a:cs typeface="+mn-cs"/>
               </a:rPr>
+              <a:t>‹#›</a:t>
             </a:fld>
-            <a:endParaRPr lang="zh-CN" altLang="en-US" strike="noStrike" noProof="1" dirty="0">
+            <a:endParaRPr lang="zh-CN" altLang="en-US" strike="noStrike" noProof="1">
               <a:latin typeface="Arial" panose="020B0604020202020204" pitchFamily="34" charset="0"/>
             </a:endParaRPr>
           </a:p>
@@ -12074,8 +12223,9 @@
                 <a:ea typeface="Arial Unicode MS" pitchFamily="34" charset="-122"/>
                 <a:cs typeface="+mn-cs"/>
               </a:rPr>
+              <a:t>‹#›</a:t>
             </a:fld>
-            <a:endParaRPr lang="zh-CN" altLang="en-US" strike="noStrike" noProof="1" dirty="0">
+            <a:endParaRPr lang="zh-CN" altLang="en-US" strike="noStrike" noProof="1">
               <a:latin typeface="Arial" panose="020B0604020202020204" pitchFamily="34" charset="0"/>
             </a:endParaRPr>
           </a:p>
@@ -12158,7 +12308,6 @@
               <a:rPr lang="zh-CN" altLang="en-US" strike="noStrike" noProof="1" smtClean="0"/>
               <a:t>单击此处编辑母版文本样式</a:t>
             </a:r>
-            <a:endParaRPr lang="zh-CN" altLang="en-US" strike="noStrike" noProof="1" smtClean="0"/>
           </a:p>
           <a:p>
             <a:pPr lvl="1" fontAlgn="base"/>
@@ -12166,7 +12315,6 @@
               <a:rPr lang="zh-CN" altLang="en-US" strike="noStrike" noProof="1" smtClean="0"/>
               <a:t>第二级</a:t>
             </a:r>
-            <a:endParaRPr lang="zh-CN" altLang="en-US" strike="noStrike" noProof="1" smtClean="0"/>
           </a:p>
           <a:p>
             <a:pPr lvl="2" fontAlgn="base"/>
@@ -12174,7 +12322,6 @@
               <a:rPr lang="zh-CN" altLang="en-US" strike="noStrike" noProof="1" smtClean="0"/>
               <a:t>第三级</a:t>
             </a:r>
-            <a:endParaRPr lang="zh-CN" altLang="en-US" strike="noStrike" noProof="1" smtClean="0"/>
           </a:p>
           <a:p>
             <a:pPr lvl="3" fontAlgn="base"/>
@@ -12182,7 +12329,6 @@
               <a:rPr lang="zh-CN" altLang="en-US" strike="noStrike" noProof="1" smtClean="0"/>
               <a:t>第四级</a:t>
             </a:r>
-            <a:endParaRPr lang="zh-CN" altLang="en-US" strike="noStrike" noProof="1" smtClean="0"/>
           </a:p>
           <a:p>
             <a:pPr lvl="4" fontAlgn="base"/>
@@ -12219,7 +12365,6 @@
               <a:rPr lang="zh-CN" altLang="en-US" strike="noStrike" noProof="1" smtClean="0"/>
               <a:t>单击此处编辑母版文本样式</a:t>
             </a:r>
-            <a:endParaRPr lang="zh-CN" altLang="en-US" strike="noStrike" noProof="1" smtClean="0"/>
           </a:p>
           <a:p>
             <a:pPr lvl="1" fontAlgn="base"/>
@@ -12227,7 +12372,6 @@
               <a:rPr lang="zh-CN" altLang="en-US" strike="noStrike" noProof="1" smtClean="0"/>
               <a:t>第二级</a:t>
             </a:r>
-            <a:endParaRPr lang="zh-CN" altLang="en-US" strike="noStrike" noProof="1" smtClean="0"/>
           </a:p>
           <a:p>
             <a:pPr lvl="2" fontAlgn="base"/>
@@ -12235,7 +12379,6 @@
               <a:rPr lang="zh-CN" altLang="en-US" strike="noStrike" noProof="1" smtClean="0"/>
               <a:t>第三级</a:t>
             </a:r>
-            <a:endParaRPr lang="zh-CN" altLang="en-US" strike="noStrike" noProof="1" smtClean="0"/>
           </a:p>
           <a:p>
             <a:pPr lvl="3" fontAlgn="base"/>
@@ -12243,7 +12386,6 @@
               <a:rPr lang="zh-CN" altLang="en-US" strike="noStrike" noProof="1" smtClean="0"/>
               <a:t>第四级</a:t>
             </a:r>
-            <a:endParaRPr lang="zh-CN" altLang="en-US" strike="noStrike" noProof="1" smtClean="0"/>
           </a:p>
           <a:p>
             <a:pPr lvl="4" fontAlgn="base"/>
@@ -12268,6 +12410,7 @@
         <p:spPr/>
         <p:txBody>
           <a:bodyPr/>
+          <a:lstStyle/>
           <a:p>
             <a:pPr marL="0" marR="0" lvl="0" indent="0" algn="l" defTabSz="914400" rtl="0" eaLnBrk="0" fontAlgn="base" latinLnBrk="0" hangingPunct="0">
               <a:lnSpc>
@@ -12317,6 +12460,7 @@
         <p:spPr/>
         <p:txBody>
           <a:bodyPr/>
+          <a:lstStyle/>
           <a:p>
             <a:pPr marL="0" marR="0" lvl="0" indent="0" algn="ctr" defTabSz="914400" rtl="0" eaLnBrk="0" fontAlgn="base" latinLnBrk="0" hangingPunct="0">
               <a:lnSpc>
@@ -12366,6 +12510,7 @@
         <p:spPr/>
         <p:txBody>
           <a:bodyPr/>
+          <a:lstStyle/>
           <a:p>
             <a:pPr lvl="0" fontAlgn="base"/>
             <a:fld id="{9A0DB2DC-4C9A-4742-B13C-FB6460FD3503}" type="slidenum">
@@ -12374,8 +12519,9 @@
                 <a:ea typeface="Arial Unicode MS" pitchFamily="34" charset="-122"/>
                 <a:cs typeface="+mn-cs"/>
               </a:rPr>
+              <a:t>‹#›</a:t>
             </a:fld>
-            <a:endParaRPr lang="zh-CN" altLang="en-US" strike="noStrike" noProof="1" dirty="0">
+            <a:endParaRPr lang="zh-CN" altLang="en-US" strike="noStrike" noProof="1">
               <a:latin typeface="Arial" panose="020B0604020202020204" pitchFamily="34" charset="0"/>
             </a:endParaRPr>
           </a:p>
@@ -12555,8 +12701,9 @@
                 <a:ea typeface="Arial Unicode MS" pitchFamily="34" charset="-122"/>
                 <a:cs typeface="+mn-cs"/>
               </a:rPr>
+              <a:t>‹#›</a:t>
             </a:fld>
-            <a:endParaRPr lang="zh-CN" altLang="en-US" strike="noStrike" noProof="1" dirty="0">
+            <a:endParaRPr lang="zh-CN" altLang="en-US" strike="noStrike" noProof="1">
               <a:latin typeface="Arial" panose="020B0604020202020204" pitchFamily="34" charset="0"/>
             </a:endParaRPr>
           </a:p>
@@ -12735,8 +12882,9 @@
                 <a:ea typeface="Arial Unicode MS" pitchFamily="34" charset="-122"/>
                 <a:cs typeface="+mn-cs"/>
               </a:rPr>
+              <a:t>‹#›</a:t>
             </a:fld>
-            <a:endParaRPr lang="zh-CN" altLang="en-US" strike="noStrike" noProof="1" dirty="0">
+            <a:endParaRPr lang="zh-CN" altLang="en-US" strike="noStrike" noProof="1">
               <a:latin typeface="Arial" panose="020B0604020202020204" pitchFamily="34" charset="0"/>
             </a:endParaRPr>
           </a:p>
@@ -12915,8 +13063,9 @@
                 <a:ea typeface="Arial Unicode MS" pitchFamily="34" charset="-122"/>
                 <a:cs typeface="+mn-cs"/>
               </a:rPr>
+              <a:t>‹#›</a:t>
             </a:fld>
-            <a:endParaRPr lang="zh-CN" altLang="en-US" strike="noStrike" noProof="1" dirty="0">
+            <a:endParaRPr lang="zh-CN" altLang="en-US" strike="noStrike" noProof="1">
               <a:latin typeface="Arial" panose="020B0604020202020204" pitchFamily="34" charset="0"/>
             </a:endParaRPr>
           </a:p>
@@ -13095,8 +13244,9 @@
                 <a:ea typeface="Arial Unicode MS" pitchFamily="34" charset="-122"/>
                 <a:cs typeface="+mn-cs"/>
               </a:rPr>
+              <a:t>‹#›</a:t>
             </a:fld>
-            <a:endParaRPr lang="zh-CN" altLang="en-US" strike="noStrike" noProof="1" dirty="0">
+            <a:endParaRPr lang="zh-CN" altLang="en-US" strike="noStrike" noProof="1">
               <a:latin typeface="Arial" panose="020B0604020202020204" pitchFamily="34" charset="0"/>
             </a:endParaRPr>
           </a:p>
@@ -13275,8 +13425,9 @@
                 <a:ea typeface="Arial Unicode MS" pitchFamily="34" charset="-122"/>
                 <a:cs typeface="+mn-cs"/>
               </a:rPr>
+              <a:t>‹#›</a:t>
             </a:fld>
-            <a:endParaRPr lang="zh-CN" altLang="en-US" strike="noStrike" noProof="1" dirty="0">
+            <a:endParaRPr lang="zh-CN" altLang="en-US" strike="noStrike" noProof="1">
               <a:latin typeface="Arial" panose="020B0604020202020204" pitchFamily="34" charset="0"/>
             </a:endParaRPr>
           </a:p>
@@ -13455,8 +13606,9 @@
                 <a:ea typeface="Arial Unicode MS" pitchFamily="34" charset="-122"/>
                 <a:cs typeface="+mn-cs"/>
               </a:rPr>
+              <a:t>‹#›</a:t>
             </a:fld>
-            <a:endParaRPr lang="zh-CN" altLang="en-US" strike="noStrike" noProof="1" dirty="0">
+            <a:endParaRPr lang="zh-CN" altLang="en-US" strike="noStrike" noProof="1">
               <a:latin typeface="Arial" panose="020B0604020202020204" pitchFamily="34" charset="0"/>
             </a:endParaRPr>
           </a:p>
@@ -13635,8 +13787,9 @@
                 <a:ea typeface="Arial Unicode MS" pitchFamily="34" charset="-122"/>
                 <a:cs typeface="+mn-cs"/>
               </a:rPr>
+              <a:t>‹#›</a:t>
             </a:fld>
-            <a:endParaRPr lang="zh-CN" altLang="en-US" strike="noStrike" noProof="1" dirty="0">
+            <a:endParaRPr lang="zh-CN" altLang="en-US" strike="noStrike" noProof="1">
               <a:latin typeface="Arial" panose="020B0604020202020204" pitchFamily="34" charset="0"/>
             </a:endParaRPr>
           </a:p>
@@ -13815,8 +13968,9 @@
                 <a:ea typeface="Arial Unicode MS" pitchFamily="34" charset="-122"/>
                 <a:cs typeface="+mn-cs"/>
               </a:rPr>
+              <a:t>‹#›</a:t>
             </a:fld>
-            <a:endParaRPr lang="zh-CN" altLang="en-US" strike="noStrike" noProof="1" dirty="0">
+            <a:endParaRPr lang="zh-CN" altLang="en-US" strike="noStrike" noProof="1">
               <a:latin typeface="Arial" panose="020B0604020202020204" pitchFamily="34" charset="0"/>
             </a:endParaRPr>
           </a:p>
@@ -13995,8 +14149,9 @@
                 <a:ea typeface="Arial Unicode MS" pitchFamily="34" charset="-122"/>
                 <a:cs typeface="+mn-cs"/>
               </a:rPr>
+              <a:t>‹#›</a:t>
             </a:fld>
-            <a:endParaRPr lang="zh-CN" altLang="en-US" strike="noStrike" noProof="1" dirty="0">
+            <a:endParaRPr lang="zh-CN" altLang="en-US" strike="noStrike" noProof="1">
               <a:latin typeface="Arial" panose="020B0604020202020204" pitchFamily="34" charset="0"/>
             </a:endParaRPr>
           </a:p>
@@ -14175,8 +14330,9 @@
                 <a:ea typeface="Arial Unicode MS" pitchFamily="34" charset="-122"/>
                 <a:cs typeface="+mn-cs"/>
               </a:rPr>
+              <a:t>‹#›</a:t>
             </a:fld>
-            <a:endParaRPr lang="zh-CN" altLang="en-US" strike="noStrike" noProof="1" dirty="0">
+            <a:endParaRPr lang="zh-CN" altLang="en-US" strike="noStrike" noProof="1">
               <a:latin typeface="Arial" panose="020B0604020202020204" pitchFamily="34" charset="0"/>
             </a:endParaRPr>
           </a:p>
@@ -14301,7 +14457,6 @@
               <a:rPr lang="zh-CN" altLang="en-US" strike="noStrike" noProof="1" smtClean="0"/>
               <a:t>单击此处编辑母版文本样式</a:t>
             </a:r>
-            <a:endParaRPr lang="zh-CN" altLang="en-US" strike="noStrike" noProof="1" smtClean="0"/>
           </a:p>
         </p:txBody>
       </p:sp>
@@ -14330,7 +14485,6 @@
               <a:rPr lang="zh-CN" altLang="en-US" strike="noStrike" noProof="1" smtClean="0"/>
               <a:t>单击此处编辑母版文本样式</a:t>
             </a:r>
-            <a:endParaRPr lang="zh-CN" altLang="en-US" strike="noStrike" noProof="1" smtClean="0"/>
           </a:p>
           <a:p>
             <a:pPr lvl="1" fontAlgn="base"/>
@@ -14338,7 +14492,6 @@
               <a:rPr lang="zh-CN" altLang="en-US" strike="noStrike" noProof="1" smtClean="0"/>
               <a:t>第二级</a:t>
             </a:r>
-            <a:endParaRPr lang="zh-CN" altLang="en-US" strike="noStrike" noProof="1" smtClean="0"/>
           </a:p>
           <a:p>
             <a:pPr lvl="2" fontAlgn="base"/>
@@ -14346,7 +14499,6 @@
               <a:rPr lang="zh-CN" altLang="en-US" strike="noStrike" noProof="1" smtClean="0"/>
               <a:t>第三级</a:t>
             </a:r>
-            <a:endParaRPr lang="zh-CN" altLang="en-US" strike="noStrike" noProof="1" smtClean="0"/>
           </a:p>
           <a:p>
             <a:pPr lvl="3" fontAlgn="base"/>
@@ -14354,7 +14506,6 @@
               <a:rPr lang="zh-CN" altLang="en-US" strike="noStrike" noProof="1" smtClean="0"/>
               <a:t>第四级</a:t>
             </a:r>
-            <a:endParaRPr lang="zh-CN" altLang="en-US" strike="noStrike" noProof="1" smtClean="0"/>
           </a:p>
           <a:p>
             <a:pPr lvl="4" fontAlgn="base"/>
@@ -14428,7 +14579,6 @@
               <a:rPr lang="zh-CN" altLang="en-US" strike="noStrike" noProof="1" smtClean="0"/>
               <a:t>单击此处编辑母版文本样式</a:t>
             </a:r>
-            <a:endParaRPr lang="zh-CN" altLang="en-US" strike="noStrike" noProof="1" smtClean="0"/>
           </a:p>
         </p:txBody>
       </p:sp>
@@ -14457,7 +14607,6 @@
               <a:rPr lang="zh-CN" altLang="en-US" strike="noStrike" noProof="1" smtClean="0"/>
               <a:t>单击此处编辑母版文本样式</a:t>
             </a:r>
-            <a:endParaRPr lang="zh-CN" altLang="en-US" strike="noStrike" noProof="1" smtClean="0"/>
           </a:p>
           <a:p>
             <a:pPr lvl="1" fontAlgn="base"/>
@@ -14465,7 +14614,6 @@
               <a:rPr lang="zh-CN" altLang="en-US" strike="noStrike" noProof="1" smtClean="0"/>
               <a:t>第二级</a:t>
             </a:r>
-            <a:endParaRPr lang="zh-CN" altLang="en-US" strike="noStrike" noProof="1" smtClean="0"/>
           </a:p>
           <a:p>
             <a:pPr lvl="2" fontAlgn="base"/>
@@ -14473,7 +14621,6 @@
               <a:rPr lang="zh-CN" altLang="en-US" strike="noStrike" noProof="1" smtClean="0"/>
               <a:t>第三级</a:t>
             </a:r>
-            <a:endParaRPr lang="zh-CN" altLang="en-US" strike="noStrike" noProof="1" smtClean="0"/>
           </a:p>
           <a:p>
             <a:pPr lvl="3" fontAlgn="base"/>
@@ -14481,7 +14628,6 @@
               <a:rPr lang="zh-CN" altLang="en-US" strike="noStrike" noProof="1" smtClean="0"/>
               <a:t>第四级</a:t>
             </a:r>
-            <a:endParaRPr lang="zh-CN" altLang="en-US" strike="noStrike" noProof="1" smtClean="0"/>
           </a:p>
           <a:p>
             <a:pPr lvl="4" fontAlgn="base"/>
@@ -14506,6 +14652,7 @@
         <p:spPr/>
         <p:txBody>
           <a:bodyPr/>
+          <a:lstStyle/>
           <a:p>
             <a:pPr marL="0" marR="0" lvl="0" indent="0" algn="l" defTabSz="914400" rtl="0" eaLnBrk="0" fontAlgn="base" latinLnBrk="0" hangingPunct="0">
               <a:lnSpc>
@@ -14555,6 +14702,7 @@
         <p:spPr/>
         <p:txBody>
           <a:bodyPr/>
+          <a:lstStyle/>
           <a:p>
             <a:pPr marL="0" marR="0" lvl="0" indent="0" algn="ctr" defTabSz="914400" rtl="0" eaLnBrk="0" fontAlgn="base" latinLnBrk="0" hangingPunct="0">
               <a:lnSpc>
@@ -14604,6 +14752,7 @@
         <p:spPr/>
         <p:txBody>
           <a:bodyPr/>
+          <a:lstStyle/>
           <a:p>
             <a:pPr lvl="0" fontAlgn="base"/>
             <a:fld id="{9A0DB2DC-4C9A-4742-B13C-FB6460FD3503}" type="slidenum">
@@ -14612,8 +14761,9 @@
                 <a:ea typeface="Arial Unicode MS" pitchFamily="34" charset="-122"/>
                 <a:cs typeface="+mn-cs"/>
               </a:rPr>
+              <a:t>‹#›</a:t>
             </a:fld>
-            <a:endParaRPr lang="zh-CN" altLang="en-US" strike="noStrike" noProof="1" dirty="0">
+            <a:endParaRPr lang="zh-CN" altLang="en-US" strike="noStrike" noProof="1">
               <a:latin typeface="Arial" panose="020B0604020202020204" pitchFamily="34" charset="0"/>
             </a:endParaRPr>
           </a:p>
@@ -14793,8 +14943,9 @@
                 <a:ea typeface="Arial Unicode MS" pitchFamily="34" charset="-122"/>
                 <a:cs typeface="+mn-cs"/>
               </a:rPr>
+              <a:t>‹#›</a:t>
             </a:fld>
-            <a:endParaRPr lang="zh-CN" altLang="en-US" strike="noStrike" noProof="1" dirty="0">
+            <a:endParaRPr lang="zh-CN" altLang="en-US" strike="noStrike" noProof="1">
               <a:latin typeface="Arial" panose="020B0604020202020204" pitchFamily="34" charset="0"/>
             </a:endParaRPr>
           </a:p>
@@ -14862,6 +15013,7 @@
           <a:p>
             <a:fld id="{B8795048-91B6-49DA-A9A5-3C4B5CC254B5}" type="slidenum">
               <a:rPr lang="zh-CN" altLang="en-US" smtClean="0"/>
+              <a:t>‹#›</a:t>
             </a:fld>
             <a:endParaRPr lang="zh-CN" altLang="en-US"/>
           </a:p>
@@ -15070,6 +15222,7 @@
         </p:spPr>
         <p:txBody>
           <a:bodyPr vert="horz" wrap="square" lIns="91440" tIns="45720" rIns="91440" bIns="45720" numCol="1" anchor="ctr" anchorCtr="0" compatLnSpc="1"/>
+          <a:lstStyle/>
           <a:p>
             <a:pPr algn="r" fontAlgn="base"/>
             <a:fld id="{9A0DB2DC-4C9A-4742-B13C-FB6460FD3503}" type="slidenum">
@@ -15078,8 +15231,9 @@
                 <a:ea typeface="Arial Unicode MS" pitchFamily="34" charset="-122"/>
                 <a:cs typeface="+mn-cs"/>
               </a:rPr>
+              <a:t>‹#›</a:t>
             </a:fld>
-            <a:endParaRPr lang="zh-CN" altLang="en-US" strike="noStrike" noProof="1" dirty="0"/>
+            <a:endParaRPr lang="zh-CN" altLang="en-US" strike="noStrike" noProof="1"/>
           </a:p>
         </p:txBody>
       </p:sp>
@@ -15174,21 +15328,6 @@
               </a:rPr>
               <a:t>谢    谢</a:t>
             </a:r>
-            <a:endParaRPr kumimoji="0" lang="zh-CN" altLang="en-US" sz="8000" b="1" i="0" u="none" strike="noStrike" kern="1200" cap="none" spc="0" normalizeH="0" baseline="0" noProof="0">
-              <a:ln>
-                <a:noFill/>
-              </a:ln>
-              <a:solidFill>
-                <a:srgbClr val="538C2E"/>
-              </a:solidFill>
-              <a:effectLst/>
-              <a:uLnTx/>
-              <a:uFillTx/>
-              <a:latin typeface="微软雅黑" panose="020B0503020204020204" charset="-122"/>
-              <a:ea typeface="微软雅黑" panose="020B0503020204020204" charset="-122"/>
-              <a:cs typeface="Arial Unicode MS" pitchFamily="34" charset="-122"/>
-              <a:sym typeface="+mn-ea"/>
-            </a:endParaRPr>
           </a:p>
         </p:txBody>
       </p:sp>
@@ -15337,6 +15476,7 @@
         </p:spPr>
         <p:txBody>
           <a:bodyPr vert="horz" wrap="square" lIns="91440" tIns="45720" rIns="91440" bIns="45720" numCol="1" anchor="ctr" anchorCtr="0" compatLnSpc="1"/>
+          <a:lstStyle/>
           <a:p>
             <a:pPr algn="r" fontAlgn="base"/>
             <a:fld id="{9A0DB2DC-4C9A-4742-B13C-FB6460FD3503}" type="slidenum">
@@ -15345,8 +15485,9 @@
                 <a:ea typeface="Arial Unicode MS" pitchFamily="34" charset="-122"/>
                 <a:cs typeface="+mn-cs"/>
               </a:rPr>
+              <a:t>‹#›</a:t>
             </a:fld>
-            <a:endParaRPr lang="zh-CN" altLang="en-US" strike="noStrike" noProof="1" dirty="0"/>
+            <a:endParaRPr lang="zh-CN" altLang="en-US" strike="noStrike" noProof="1"/>
           </a:p>
         </p:txBody>
       </p:sp>
@@ -15465,7 +15606,6 @@
               <a:rPr lang="zh-CN" altLang="en-US" strike="noStrike" noProof="1" smtClean="0"/>
               <a:t>单击此处编辑母版文本样式</a:t>
             </a:r>
-            <a:endParaRPr lang="zh-CN" altLang="en-US" strike="noStrike" noProof="1" smtClean="0"/>
           </a:p>
           <a:p>
             <a:pPr lvl="1" fontAlgn="base"/>
@@ -15473,7 +15613,6 @@
               <a:rPr lang="zh-CN" altLang="en-US" strike="noStrike" noProof="1" smtClean="0"/>
               <a:t>第二级</a:t>
             </a:r>
-            <a:endParaRPr lang="zh-CN" altLang="en-US" strike="noStrike" noProof="1" smtClean="0"/>
           </a:p>
           <a:p>
             <a:pPr lvl="2" fontAlgn="base"/>
@@ -15481,7 +15620,6 @@
               <a:rPr lang="zh-CN" altLang="en-US" strike="noStrike" noProof="1" smtClean="0"/>
               <a:t>第三级</a:t>
             </a:r>
-            <a:endParaRPr lang="zh-CN" altLang="en-US" strike="noStrike" noProof="1" smtClean="0"/>
           </a:p>
           <a:p>
             <a:pPr lvl="3" fontAlgn="base"/>
@@ -15489,7 +15627,6 @@
               <a:rPr lang="zh-CN" altLang="en-US" strike="noStrike" noProof="1" smtClean="0"/>
               <a:t>第四级</a:t>
             </a:r>
-            <a:endParaRPr lang="zh-CN" altLang="en-US" strike="noStrike" noProof="1" smtClean="0"/>
           </a:p>
           <a:p>
             <a:pPr lvl="4" fontAlgn="base"/>
@@ -15563,7 +15700,6 @@
               <a:rPr lang="zh-CN" altLang="en-US" strike="noStrike" noProof="1" smtClean="0"/>
               <a:t>单击此处编辑母版文本样式</a:t>
             </a:r>
-            <a:endParaRPr lang="zh-CN" altLang="en-US" strike="noStrike" noProof="1" smtClean="0"/>
           </a:p>
         </p:txBody>
       </p:sp>
@@ -15580,6 +15716,7 @@
         <p:spPr/>
         <p:txBody>
           <a:bodyPr/>
+          <a:lstStyle/>
           <a:p>
             <a:pPr marL="0" marR="0" lvl="0" indent="0" algn="l" defTabSz="914400" rtl="0" eaLnBrk="0" fontAlgn="base" latinLnBrk="0" hangingPunct="0">
               <a:lnSpc>
@@ -15629,6 +15766,7 @@
         <p:spPr/>
         <p:txBody>
           <a:bodyPr/>
+          <a:lstStyle/>
           <a:p>
             <a:pPr marL="0" marR="0" lvl="0" indent="0" algn="ctr" defTabSz="914400" rtl="0" eaLnBrk="0" fontAlgn="base" latinLnBrk="0" hangingPunct="0">
               <a:lnSpc>
@@ -15678,6 +15816,7 @@
         <p:spPr/>
         <p:txBody>
           <a:bodyPr/>
+          <a:lstStyle/>
           <a:p>
             <a:pPr lvl="0" fontAlgn="base"/>
             <a:fld id="{9A0DB2DC-4C9A-4742-B13C-FB6460FD3503}" type="slidenum">
@@ -15686,8 +15825,9 @@
                 <a:ea typeface="Arial Unicode MS" pitchFamily="34" charset="-122"/>
                 <a:cs typeface="+mn-cs"/>
               </a:rPr>
+              <a:t>‹#›</a:t>
             </a:fld>
-            <a:endParaRPr lang="zh-CN" altLang="en-US" strike="noStrike" noProof="1" dirty="0">
+            <a:endParaRPr lang="zh-CN" altLang="en-US" strike="noStrike" noProof="1">
               <a:latin typeface="Arial" panose="020B0604020202020204" pitchFamily="34" charset="0"/>
             </a:endParaRPr>
           </a:p>
@@ -15708,10 +15848,10 @@
 <file path=ppt/slideMasters/slideMaster1.xml><?xml version="1.0" encoding="utf-8"?>
 <p:sldMaster xmlns:a="http://schemas.openxmlformats.org/drawingml/2006/main" xmlns:r="http://schemas.openxmlformats.org/officeDocument/2006/relationships" xmlns:p="http://schemas.openxmlformats.org/presentationml/2006/main" preserve="1">
   <p:cSld>
-    <p:bg bwMode="white">
+    <p:bg>
       <p:bgPr>
         <a:blipFill dpi="0" rotWithShape="1">
-          <a:blip r:embed="rId62" cstate="print">
+          <a:blip r:embed="rId63" cstate="print">
             <a:lum/>
           </a:blip>
           <a:srcRect/>
@@ -15728,7 +15868,14 @@
         <p:cNvGrpSpPr/>
         <p:nvPr/>
       </p:nvGrpSpPr>
-      <p:grpSpPr/>
+      <p:grpSpPr>
+        <a:xfrm>
+          <a:off x="0" y="0"/>
+          <a:ext cx="0" cy="0"/>
+          <a:chOff x="0" y="0"/>
+          <a:chExt cx="0" cy="0"/>
+        </a:xfrm>
+      </p:grpSpPr>
       <p:sp>
         <p:nvSpPr>
           <p:cNvPr id="1026" name="标题占位符 1"/>
@@ -15754,13 +15901,13 @@
         </p:spPr>
         <p:txBody>
           <a:bodyPr anchor="ctr"/>
+          <a:lstStyle/>
           <a:p>
             <a:pPr lvl="0"/>
             <a:r>
               <a:rPr lang="zh-CN" altLang="en-US" dirty="0"/>
               <a:t>单击此处编辑母版标题样式</a:t>
             </a:r>
-            <a:endParaRPr lang="zh-CN" altLang="en-US" dirty="0"/>
           </a:p>
         </p:txBody>
       </p:sp>
@@ -15789,13 +15936,13 @@
         </p:spPr>
         <p:txBody>
           <a:bodyPr anchor="t"/>
+          <a:lstStyle/>
           <a:p>
             <a:pPr lvl="0" indent="-228600"/>
             <a:r>
               <a:rPr lang="zh-CN" altLang="en-US" dirty="0"/>
               <a:t>单击此处编辑母版文本样式</a:t>
             </a:r>
-            <a:endParaRPr lang="zh-CN" altLang="en-US" dirty="0"/>
           </a:p>
           <a:p>
             <a:pPr lvl="1" indent="-228600"/>
@@ -15803,7 +15950,6 @@
               <a:rPr lang="zh-CN" altLang="en-US" dirty="0"/>
               <a:t>第二级</a:t>
             </a:r>
-            <a:endParaRPr lang="zh-CN" altLang="en-US" dirty="0"/>
           </a:p>
           <a:p>
             <a:pPr lvl="2" indent="-228600"/>
@@ -15811,7 +15957,6 @@
               <a:rPr lang="zh-CN" altLang="en-US" dirty="0"/>
               <a:t>第三级</a:t>
             </a:r>
-            <a:endParaRPr lang="zh-CN" altLang="en-US" dirty="0"/>
           </a:p>
           <a:p>
             <a:pPr lvl="3" indent="-228600"/>
@@ -15819,7 +15964,6 @@
               <a:rPr lang="zh-CN" altLang="en-US" dirty="0"/>
               <a:t>第四级</a:t>
             </a:r>
-            <a:endParaRPr lang="zh-CN" altLang="en-US" dirty="0"/>
           </a:p>
           <a:p>
             <a:pPr lvl="4" indent="-228600"/>
@@ -15827,7 +15971,6 @@
               <a:rPr lang="zh-CN" altLang="en-US" dirty="0"/>
               <a:t>第五级</a:t>
             </a:r>
-            <a:endParaRPr lang="zh-CN" altLang="en-US" dirty="0"/>
           </a:p>
         </p:txBody>
       </p:sp>
@@ -16011,8 +16154,9 @@
                 <a:ea typeface="Arial Unicode MS" pitchFamily="34" charset="-122"/>
                 <a:cs typeface="+mn-cs"/>
               </a:rPr>
+              <a:t>‹#›</a:t>
             </a:fld>
-            <a:endParaRPr lang="zh-CN" altLang="en-US" strike="noStrike" noProof="1" dirty="0">
+            <a:endParaRPr lang="zh-CN" altLang="en-US" strike="noStrike" noProof="1">
               <a:latin typeface="Arial" panose="020B0604020202020204" pitchFamily="34" charset="0"/>
             </a:endParaRPr>
           </a:p>
@@ -16618,15 +16762,6 @@
               </a:rPr>
               <a:t>Java语言概述和IDEA使用</a:t>
             </a:r>
-            <a:endParaRPr sz="4050" b="1" dirty="0">
-              <a:ln w="0"/>
-              <a:solidFill>
-                <a:schemeClr val="accent1"/>
-              </a:solidFill>
-              <a:latin typeface="微软雅黑" panose="020B0503020204020204" pitchFamily="82" charset="2"/>
-              <a:ea typeface="微软雅黑" panose="020B0503020204020204" pitchFamily="82" charset="2"/>
-              <a:sym typeface="+mn-ea"/>
-            </a:endParaRPr>
           </a:p>
         </p:txBody>
       </p:sp>
@@ -16764,13 +16899,6 @@
               </a:rPr>
               <a:t>不再使用的内存空间应回收—— 垃圾回收。 </a:t>
             </a:r>
-            <a:endParaRPr lang="zh-CN" altLang="en-US" sz="2400" dirty="0">
-              <a:solidFill>
-                <a:schemeClr val="tx1"/>
-              </a:solidFill>
-              <a:ea typeface="宋体" panose="02010600030101010101" pitchFamily="2" charset="-122"/>
-              <a:cs typeface="Times New Roman" panose="02020603050405020304" pitchFamily="18" charset="0"/>
-            </a:endParaRPr>
           </a:p>
           <a:p>
             <a:pPr>
@@ -16922,13 +17050,6 @@
               </a:rPr>
               <a:t>。</a:t>
             </a:r>
-            <a:endParaRPr lang="zh-CN" altLang="en-US" sz="2400" dirty="0" smtClean="0">
-              <a:solidFill>
-                <a:schemeClr val="tx1"/>
-              </a:solidFill>
-              <a:ea typeface="宋体" panose="02010600030101010101" pitchFamily="2" charset="-122"/>
-              <a:cs typeface="Times New Roman" panose="02020603050405020304" pitchFamily="18" charset="0"/>
-            </a:endParaRPr>
           </a:p>
         </p:txBody>
       </p:sp>
@@ -17040,7 +17161,7 @@
               </a:rPr>
               <a:t>JRE</a:t>
             </a:r>
-            <a:br>
+            <a:r>
               <a:rPr lang="en-US" altLang="zh-CN" sz="2800" b="1" dirty="0" smtClean="0">
                 <a:solidFill>
                   <a:srgbClr val="C00000"/>
@@ -17049,7 +17170,29 @@
                 <a:ea typeface="宋体" panose="02010600030101010101" pitchFamily="2" charset="-122"/>
                 <a:cs typeface="Times New Roman" panose="02020603050405020304" pitchFamily="18" charset="0"/>
               </a:rPr>
+              <a:t/>
+            </a:r>
+            <a:br>
+              <a:rPr lang="en-US" altLang="zh-CN" sz="2800" b="1" dirty="0" smtClean="0">
+                <a:solidFill>
+                  <a:srgbClr val="C00000"/>
+                </a:solidFill>
+                <a:latin typeface="+mn-lt"/>
+                <a:ea typeface="宋体" panose="02010600030101010101" pitchFamily="2" charset="-122"/>
+                <a:cs typeface="Times New Roman" panose="02020603050405020304" pitchFamily="18" charset="0"/>
+              </a:rPr>
             </a:br>
+            <a:r>
+              <a:rPr lang="en-US" altLang="zh-CN" sz="2800" b="1" dirty="0" smtClean="0">
+                <a:solidFill>
+                  <a:srgbClr val="C00000"/>
+                </a:solidFill>
+                <a:latin typeface="+mn-lt"/>
+                <a:ea typeface="宋体" panose="02010600030101010101" pitchFamily="2" charset="-122"/>
+                <a:cs typeface="Times New Roman" panose="02020603050405020304" pitchFamily="18" charset="0"/>
+              </a:rPr>
+              <a:t/>
+            </a:r>
             <a:br>
               <a:rPr lang="en-US" altLang="zh-CN" sz="2800" b="1" dirty="0" smtClean="0">
                 <a:solidFill>
@@ -17159,6 +17302,22 @@
                 <a:sym typeface="Calibri" charset="0"/>
               </a:rPr>
               <a:t>it    Java开发工具包)</a:t>
+            </a:r>
+            <a:r>
+              <a:rPr kumimoji="0" lang="zh-CN" altLang="en-US" sz="2800" b="1" i="0" u="none" strike="noStrike" cap="none" normalizeH="0" baseline="0" dirty="0" smtClean="0">
+                <a:ln>
+                  <a:noFill/>
+                </a:ln>
+                <a:solidFill>
+                  <a:schemeClr val="tx1"/>
+                </a:solidFill>
+                <a:effectLst/>
+                <a:latin typeface="Calibri" charset="0"/>
+                <a:ea typeface="Arial Unicode MS" pitchFamily="34" charset="-122"/>
+                <a:cs typeface="Arial Unicode MS" pitchFamily="34" charset="-122"/>
+                <a:sym typeface="Calibri" charset="0"/>
+              </a:rPr>
+              <a:t/>
             </a:r>
             <a:br>
               <a:rPr kumimoji="0" lang="zh-CN" altLang="en-US" sz="2800" b="1" i="0" u="none" strike="noStrike" cap="none" normalizeH="0" baseline="0" dirty="0" smtClean="0">
@@ -17420,6 +17579,19 @@
               </a:rPr>
               <a:t>ava运行环境 jre=java虚拟机+核心类库。</a:t>
             </a:r>
+            <a:r>
+              <a:rPr kumimoji="0" lang="zh-CN" altLang="en-US" sz="2800" i="0" u="none" strike="noStrike" cap="none" normalizeH="0" baseline="0" dirty="0" smtClean="0">
+                <a:ln>
+                  <a:noFill/>
+                </a:ln>
+                <a:effectLst/>
+                <a:latin typeface="Calibri" charset="0"/>
+                <a:ea typeface="宋体" panose="02010600030101010101" pitchFamily="2" charset="-122"/>
+                <a:cs typeface="Arial Unicode MS" pitchFamily="34" charset="-122"/>
+                <a:sym typeface="Calibri" charset="0"/>
+              </a:rPr>
+              <a:t/>
+            </a:r>
             <a:br>
               <a:rPr kumimoji="0" lang="zh-CN" altLang="en-US" sz="2800" i="0" u="none" strike="noStrike" cap="none" normalizeH="0" baseline="0" dirty="0" smtClean="0">
                 <a:ln>
@@ -17470,6 +17642,19 @@
                 <a:sym typeface="Calibri" charset="0"/>
               </a:rPr>
             </a:br>
+            <a:r>
+              <a:rPr lang="zh-CN" altLang="en-US" sz="2800" dirty="0" smtClean="0">
+                <a:ln>
+                  <a:noFill/>
+                </a:ln>
+                <a:effectLst/>
+                <a:latin typeface="Calibri" charset="0"/>
+                <a:ea typeface="宋体" panose="02010600030101010101" pitchFamily="2" charset="-122"/>
+                <a:cs typeface="Arial Unicode MS" pitchFamily="34" charset="-122"/>
+                <a:sym typeface="Calibri" charset="0"/>
+              </a:rPr>
+              <a:t/>
+            </a:r>
             <a:br>
               <a:rPr lang="zh-CN" altLang="en-US" sz="2800" dirty="0" smtClean="0">
                 <a:ln>
@@ -17506,6 +17691,19 @@
               </a:rPr>
               <a:t>使用JDK的开发工具完成的java程序，交给JRE去运行。由JVM来保证跨平台</a:t>
             </a:r>
+            <a:r>
+              <a:rPr kumimoji="0" lang="zh-CN" altLang="en-US" sz="2800" i="0" u="none" strike="noStrike" cap="none" normalizeH="0" baseline="0" dirty="0" smtClean="0">
+                <a:ln>
+                  <a:noFill/>
+                </a:ln>
+                <a:effectLst/>
+                <a:latin typeface="Calibri" charset="0"/>
+                <a:ea typeface="宋体" panose="02010600030101010101" pitchFamily="2" charset="-122"/>
+                <a:cs typeface="Arial Unicode MS" pitchFamily="34" charset="-122"/>
+                <a:sym typeface="Calibri" charset="0"/>
+              </a:rPr>
+              <a:t/>
+            </a:r>
             <a:br>
               <a:rPr kumimoji="0" lang="zh-CN" altLang="en-US" sz="2800" i="0" u="none" strike="noStrike" cap="none" normalizeH="0" baseline="0" dirty="0" smtClean="0">
                 <a:ln>
@@ -17533,6 +17731,22 @@
                 <a:sym typeface="Calibri" charset="0"/>
               </a:rPr>
               <a:t>	</a:t>
+            </a:r>
+            <a:r>
+              <a:rPr kumimoji="0" lang="zh-CN" altLang="en-US" sz="2800" b="1" i="0" u="none" strike="noStrike" cap="none" normalizeH="0" baseline="0" dirty="0" smtClean="0">
+                <a:ln>
+                  <a:noFill/>
+                </a:ln>
+                <a:solidFill>
+                  <a:schemeClr val="tx1"/>
+                </a:solidFill>
+                <a:effectLst/>
+                <a:latin typeface="Calibri" charset="0"/>
+                <a:ea typeface="Arial Unicode MS" pitchFamily="34" charset="-122"/>
+                <a:cs typeface="Arial Unicode MS" pitchFamily="34" charset="-122"/>
+                <a:sym typeface="Calibri" charset="0"/>
+              </a:rPr>
+              <a:t/>
             </a:r>
             <a:br>
               <a:rPr kumimoji="0" lang="zh-CN" altLang="en-US" sz="2800" b="1" i="0" u="none" strike="noStrike" cap="none" normalizeH="0" baseline="0" dirty="0" smtClean="0">
@@ -17682,7 +17896,7 @@
           <p:nvPr/>
         </p:nvPicPr>
         <p:blipFill>
-          <a:blip r:embed="rId1"/>
+          <a:blip r:embed="rId2"/>
           <a:stretch>
             <a:fillRect/>
           </a:stretch>
@@ -17780,14 +17994,6 @@
               </a:rPr>
               <a:t>JDK</a:t>
             </a:r>
-            <a:endParaRPr lang="en-US" altLang="zh-CN" sz="2800" b="1" dirty="0" smtClean="0">
-              <a:solidFill>
-                <a:schemeClr val="tx1"/>
-              </a:solidFill>
-              <a:latin typeface="+mn-lt"/>
-              <a:ea typeface="宋体" panose="02010600030101010101" pitchFamily="2" charset="-122"/>
-              <a:cs typeface="Times New Roman" panose="02020603050405020304" pitchFamily="18" charset="0"/>
-            </a:endParaRPr>
           </a:p>
         </p:txBody>
       </p:sp>
@@ -17809,7 +18015,7 @@
         </p:spPr>
         <p:txBody>
           <a:bodyPr>
-            <a:normAutofit lnSpcReduction="20000"/>
+            <a:normAutofit lnSpcReduction="10000"/>
           </a:bodyPr>
           <a:lstStyle/>
           <a:p>
@@ -17856,13 +18062,6 @@
               </a:rPr>
               <a:t>www.oracle.com</a:t>
             </a:r>
-            <a:endParaRPr lang="en-US" altLang="zh-CN" dirty="0" smtClean="0">
-              <a:solidFill>
-                <a:schemeClr val="tx1"/>
-              </a:solidFill>
-              <a:ea typeface="宋体" panose="02010600030101010101" pitchFamily="2" charset="-122"/>
-              <a:cs typeface="Times New Roman" panose="02020603050405020304" pitchFamily="18" charset="0"/>
-            </a:endParaRPr>
           </a:p>
           <a:p>
             <a:pPr lvl="1" indent="0">
@@ -17882,13 +18081,6 @@
               </a:rPr>
               <a:t>java.sun.com</a:t>
             </a:r>
-            <a:endParaRPr lang="en-US" altLang="zh-CN" dirty="0" smtClean="0">
-              <a:solidFill>
-                <a:schemeClr val="tx1"/>
-              </a:solidFill>
-              <a:ea typeface="宋体" panose="02010600030101010101" pitchFamily="2" charset="-122"/>
-              <a:cs typeface="Times New Roman" panose="02020603050405020304" pitchFamily="18" charset="0"/>
-            </a:endParaRPr>
           </a:p>
           <a:p>
             <a:pPr marL="0" indent="0">
@@ -17918,13 +18110,6 @@
               </a:rPr>
               <a:t>JDK</a:t>
             </a:r>
-            <a:endParaRPr lang="en-US" altLang="zh-CN" dirty="0" smtClean="0">
-              <a:solidFill>
-                <a:schemeClr val="tx1"/>
-              </a:solidFill>
-              <a:ea typeface="宋体" panose="02010600030101010101" pitchFamily="2" charset="-122"/>
-              <a:cs typeface="Times New Roman" panose="02020603050405020304" pitchFamily="18" charset="0"/>
-            </a:endParaRPr>
           </a:p>
           <a:p>
             <a:pPr lvl="1" indent="0">
@@ -17944,13 +18129,6 @@
               </a:rPr>
               <a:t>傻瓜式安装，下一步即可。</a:t>
             </a:r>
-            <a:endParaRPr lang="zh-CN" altLang="en-US" dirty="0" smtClean="0">
-              <a:solidFill>
-                <a:schemeClr val="tx1"/>
-              </a:solidFill>
-              <a:ea typeface="宋体" panose="02010600030101010101" pitchFamily="2" charset="-122"/>
-              <a:cs typeface="Times New Roman" panose="02020603050405020304" pitchFamily="18" charset="0"/>
-            </a:endParaRPr>
           </a:p>
           <a:p>
             <a:pPr lvl="1" indent="0">
@@ -17970,13 +18148,6 @@
               </a:rPr>
               <a:t>建议：安装路径不要有中文或者特殊符号。</a:t>
             </a:r>
-            <a:endParaRPr lang="zh-CN" altLang="en-US" dirty="0" smtClean="0">
-              <a:solidFill>
-                <a:schemeClr val="tx1"/>
-              </a:solidFill>
-              <a:ea typeface="宋体" panose="02010600030101010101" pitchFamily="2" charset="-122"/>
-              <a:cs typeface="Times New Roman" panose="02020603050405020304" pitchFamily="18" charset="0"/>
-            </a:endParaRPr>
           </a:p>
           <a:p>
             <a:pPr marL="457200" lvl="1" indent="0">
@@ -18070,6 +18241,7 @@
             </a:scene3d>
             <a:sp3d contourW="12700"/>
           </a:bodyPr>
+          <a:lstStyle/>
           <a:p>
             <a:pPr algn="l"/>
             <a:r>
@@ -18134,6 +18306,7 @@
           <a:bodyPr wrap="square" rtlCol="0" anchor="t">
             <a:spAutoFit/>
           </a:bodyPr>
+          <a:lstStyle/>
           <a:p>
             <a:pPr lvl="1">
               <a:lnSpc>
@@ -18177,7 +18350,7 @@
           <p:nvPr/>
         </p:nvPicPr>
         <p:blipFill>
-          <a:blip r:embed="rId1"/>
+          <a:blip r:embed="rId3"/>
           <a:stretch>
             <a:fillRect/>
           </a:stretch>
@@ -18201,7 +18374,7 @@
           <p:nvPr/>
         </p:nvPicPr>
         <p:blipFill>
-          <a:blip r:embed="rId2"/>
+          <a:blip r:embed="rId4"/>
           <a:stretch>
             <a:fillRect/>
           </a:stretch>
@@ -18269,6 +18442,7 @@
             </a:scene3d>
             <a:sp3d contourW="12700"/>
           </a:bodyPr>
+          <a:lstStyle/>
           <a:p>
             <a:pPr algn="l"/>
             <a:r>
@@ -18333,6 +18507,7 @@
           <a:bodyPr wrap="square" rtlCol="0" anchor="t">
             <a:spAutoFit/>
           </a:bodyPr>
+          <a:lstStyle/>
           <a:p>
             <a:pPr lvl="1">
               <a:lnSpc>
@@ -18359,13 +18534,6 @@
               </a:rPr>
               <a:t>、安装路径我们选择默认的，当然，我们也可也修改安装路径，但一定要记得安装路径，这里我们选择默认的。点击下一步。</a:t>
             </a:r>
-            <a:endParaRPr lang="zh-CN" altLang="en-US" dirty="0" smtClean="0">
-              <a:solidFill>
-                <a:schemeClr val="tx1"/>
-              </a:solidFill>
-              <a:ea typeface="宋体" panose="02010600030101010101" pitchFamily="2" charset="-122"/>
-              <a:cs typeface="Times New Roman" panose="02020603050405020304" pitchFamily="18" charset="0"/>
-            </a:endParaRPr>
           </a:p>
         </p:txBody>
       </p:sp>
@@ -18378,7 +18546,7 @@
           <p:nvPr/>
         </p:nvPicPr>
         <p:blipFill>
-          <a:blip r:embed="rId1"/>
+          <a:blip r:embed="rId3"/>
           <a:stretch>
             <a:fillRect/>
           </a:stretch>
@@ -18446,6 +18614,7 @@
             </a:scene3d>
             <a:sp3d contourW="12700"/>
           </a:bodyPr>
+          <a:lstStyle/>
           <a:p>
             <a:pPr algn="l"/>
             <a:r>
@@ -18510,6 +18679,7 @@
           <a:bodyPr wrap="square" rtlCol="0" anchor="t">
             <a:spAutoFit/>
           </a:bodyPr>
+          <a:lstStyle/>
           <a:p>
             <a:pPr lvl="1">
               <a:lnSpc>
@@ -18536,13 +18706,6 @@
               </a:rPr>
               <a:t>、等待安装完成</a:t>
             </a:r>
-            <a:endParaRPr lang="zh-CN" altLang="en-US" dirty="0" smtClean="0">
-              <a:solidFill>
-                <a:schemeClr val="tx1"/>
-              </a:solidFill>
-              <a:ea typeface="宋体" panose="02010600030101010101" pitchFamily="2" charset="-122"/>
-              <a:cs typeface="Times New Roman" panose="02020603050405020304" pitchFamily="18" charset="0"/>
-            </a:endParaRPr>
           </a:p>
         </p:txBody>
       </p:sp>
@@ -18555,7 +18718,7 @@
           <p:nvPr/>
         </p:nvPicPr>
         <p:blipFill>
-          <a:blip r:embed="rId1"/>
+          <a:blip r:embed="rId3"/>
           <a:stretch>
             <a:fillRect/>
           </a:stretch>
@@ -18623,6 +18786,7 @@
             </a:scene3d>
             <a:sp3d contourW="12700"/>
           </a:bodyPr>
+          <a:lstStyle/>
           <a:p>
             <a:pPr algn="l"/>
             <a:r>
@@ -18687,6 +18851,7 @@
           <a:bodyPr wrap="square" rtlCol="0" anchor="t">
             <a:spAutoFit/>
           </a:bodyPr>
+          <a:lstStyle/>
           <a:p>
             <a:pPr lvl="1">
               <a:lnSpc>
@@ -18763,13 +18928,6 @@
               </a:rPr>
               <a:t>”</a:t>
             </a:r>
-            <a:endParaRPr lang="en-US" altLang="zh-CN" dirty="0" smtClean="0">
-              <a:solidFill>
-                <a:schemeClr val="tx1"/>
-              </a:solidFill>
-              <a:ea typeface="宋体" panose="02010600030101010101" pitchFamily="2" charset="-122"/>
-              <a:cs typeface="Times New Roman" panose="02020603050405020304" pitchFamily="18" charset="0"/>
-            </a:endParaRPr>
           </a:p>
         </p:txBody>
       </p:sp>
@@ -18782,7 +18940,7 @@
           <p:nvPr/>
         </p:nvPicPr>
         <p:blipFill>
-          <a:blip r:embed="rId1"/>
+          <a:blip r:embed="rId3"/>
           <a:stretch>
             <a:fillRect/>
           </a:stretch>
@@ -18850,6 +19008,7 @@
             </a:scene3d>
             <a:sp3d contourW="12700"/>
           </a:bodyPr>
+          <a:lstStyle/>
           <a:p>
             <a:pPr algn="l"/>
             <a:r>
@@ -18914,6 +19073,7 @@
           <a:bodyPr wrap="square" rtlCol="0" anchor="t">
             <a:spAutoFit/>
           </a:bodyPr>
+          <a:lstStyle/>
           <a:p>
             <a:pPr lvl="1">
               <a:lnSpc>
@@ -18950,13 +19110,6 @@
               </a:rPr>
               <a:t>安装就完成</a:t>
             </a:r>
-            <a:endParaRPr dirty="0" smtClean="0">
-              <a:solidFill>
-                <a:schemeClr val="tx1"/>
-              </a:solidFill>
-              <a:ea typeface="宋体" panose="02010600030101010101" pitchFamily="2" charset="-122"/>
-              <a:cs typeface="Times New Roman" panose="02020603050405020304" pitchFamily="18" charset="0"/>
-            </a:endParaRPr>
           </a:p>
         </p:txBody>
       </p:sp>
@@ -18969,7 +19122,7 @@
           <p:nvPr/>
         </p:nvPicPr>
         <p:blipFill>
-          <a:blip r:embed="rId1"/>
+          <a:blip r:embed="rId3"/>
           <a:stretch>
             <a:fillRect/>
           </a:stretch>
@@ -19004,7 +19157,14 @@
         <p:cNvGrpSpPr/>
         <p:nvPr/>
       </p:nvGrpSpPr>
-      <p:grpSpPr/>
+      <p:grpSpPr>
+        <a:xfrm>
+          <a:off x="0" y="0"/>
+          <a:ext cx="0" cy="0"/>
+          <a:chOff x="0" y="0"/>
+          <a:chExt cx="0" cy="0"/>
+        </a:xfrm>
+      </p:grpSpPr>
       <p:sp>
         <p:nvSpPr>
           <p:cNvPr id="2" name="文本占位符 1"/>
@@ -19060,20 +19220,6 @@
               </a:rPr>
               <a:t>环境变量设置</a:t>
             </a:r>
-            <a:endParaRPr kumimoji="0" lang="zh-CN" altLang="en-US" sz="3600" b="0" i="0" u="none" strike="noStrike" kern="1200" cap="none" spc="0" normalizeH="0" baseline="0" noProof="0">
-              <a:ln>
-                <a:noFill/>
-              </a:ln>
-              <a:solidFill>
-                <a:schemeClr val="tx1"/>
-              </a:solidFill>
-              <a:effectLst/>
-              <a:uLnTx/>
-              <a:uFillTx/>
-              <a:latin typeface="+mn-lt"/>
-              <a:ea typeface="造字工房悦黑（非商用）常规体" pitchFamily="2" charset="-122"/>
-              <a:cs typeface="+mn-cs"/>
-            </a:endParaRPr>
           </a:p>
           <a:p>
             <a:pPr marL="0" marR="0" lvl="0" indent="0" algn="l" defTabSz="914400" rtl="0" eaLnBrk="1" fontAlgn="auto" latinLnBrk="0" hangingPunct="1">
@@ -19329,7 +19475,7 @@
               <a:buNone/>
               <a:defRPr/>
             </a:pPr>
-            <a:br>
+            <a:r>
               <a:rPr kumimoji="0" lang="zh-CN" altLang="en-US" sz="2400" b="0" i="0" u="none" strike="noStrike" kern="1200" cap="none" spc="0" normalizeH="0" baseline="0" noProof="0" smtClean="0">
                 <a:ln>
                   <a:noFill/>
@@ -19344,9 +19490,10 @@
                 <a:ea typeface="造字工房悦黑（非商用）常规体" pitchFamily="2" charset="-122"/>
                 <a:cs typeface="造字工房悦黑（非商用）常规体"/>
               </a:rPr>
-            </a:br>
-            <a:r>
-              <a:rPr kumimoji="0" lang="en-US" altLang="zh-CN" sz="2400" b="0" i="0" u="none" strike="noStrike" kern="1200" cap="none" spc="0" normalizeH="0" baseline="0" noProof="0" smtClean="0">
+              <a:t/>
+            </a:r>
+            <a:br>
+              <a:rPr kumimoji="0" lang="zh-CN" altLang="en-US" sz="2400" b="0" i="0" u="none" strike="noStrike" kern="1200" cap="none" spc="0" normalizeH="0" baseline="0" noProof="0" smtClean="0">
                 <a:ln>
                   <a:noFill/>
                 </a:ln>
@@ -19360,10 +19507,9 @@
                 <a:ea typeface="造字工房悦黑（非商用）常规体" pitchFamily="2" charset="-122"/>
                 <a:cs typeface="造字工房悦黑（非商用）常规体"/>
               </a:rPr>
-              <a:t>(2)</a:t>
-            </a:r>
-            <a:r>
-              <a:rPr kumimoji="0" lang="zh-CN" altLang="en-US" sz="2400" b="0" i="0" u="none" strike="noStrike" kern="1200" cap="none" spc="0" normalizeH="0" baseline="0" noProof="0" smtClean="0">
+            </a:br>
+            <a:r>
+              <a:rPr kumimoji="0" lang="en-US" altLang="zh-CN" sz="2400" b="0" i="0" u="none" strike="noStrike" kern="1200" cap="none" spc="0" normalizeH="0" baseline="0" noProof="0" smtClean="0">
                 <a:ln>
                   <a:noFill/>
                 </a:ln>
@@ -19377,10 +19523,10 @@
                 <a:ea typeface="造字工房悦黑（非商用）常规体" pitchFamily="2" charset="-122"/>
                 <a:cs typeface="造字工房悦黑（非商用）常规体"/>
               </a:rPr>
-              <a:t>编辑</a:t>
-            </a:r>
-            <a:r>
-              <a:rPr kumimoji="0" lang="en-US" altLang="zh-CN" sz="2400" b="0" i="0" u="none" strike="noStrike" kern="1200" cap="none" spc="0" normalizeH="0" baseline="0" noProof="0" smtClean="0">
+              <a:t>(2)</a:t>
+            </a:r>
+            <a:r>
+              <a:rPr kumimoji="0" lang="zh-CN" altLang="en-US" sz="2400" b="0" i="0" u="none" strike="noStrike" kern="1200" cap="none" spc="0" normalizeH="0" baseline="0" noProof="0" smtClean="0">
                 <a:ln>
                   <a:noFill/>
                 </a:ln>
@@ -19394,10 +19540,10 @@
                 <a:ea typeface="造字工房悦黑（非商用）常规体" pitchFamily="2" charset="-122"/>
                 <a:cs typeface="造字工房悦黑（非商用）常规体"/>
               </a:rPr>
-              <a:t>-&gt;</a:t>
-            </a:r>
-            <a:r>
-              <a:rPr kumimoji="0" lang="zh-CN" altLang="en-US" sz="2400" b="0" i="0" u="none" strike="noStrike" kern="1200" cap="none" spc="0" normalizeH="0" baseline="0" noProof="0" smtClean="0">
+              <a:t>编辑</a:t>
+            </a:r>
+            <a:r>
+              <a:rPr kumimoji="0" lang="en-US" altLang="zh-CN" sz="2400" b="0" i="0" u="none" strike="noStrike" kern="1200" cap="none" spc="0" normalizeH="0" baseline="0" noProof="0" smtClean="0">
                 <a:ln>
                   <a:noFill/>
                 </a:ln>
@@ -19411,10 +19557,10 @@
                 <a:ea typeface="造字工房悦黑（非商用）常规体" pitchFamily="2" charset="-122"/>
                 <a:cs typeface="造字工房悦黑（非商用）常规体"/>
               </a:rPr>
-              <a:t>变量名</a:t>
-            </a:r>
-            <a:r>
-              <a:rPr kumimoji="0" lang="en-US" altLang="zh-CN" sz="2400" b="0" i="0" u="none" strike="noStrike" kern="1200" cap="none" spc="0" normalizeH="0" baseline="0" noProof="0" smtClean="0">
+              <a:t>-&gt;</a:t>
+            </a:r>
+            <a:r>
+              <a:rPr kumimoji="0" lang="zh-CN" altLang="en-US" sz="2400" b="0" i="0" u="none" strike="noStrike" kern="1200" cap="none" spc="0" normalizeH="0" baseline="0" noProof="0" smtClean="0">
                 <a:ln>
                   <a:noFill/>
                 </a:ln>
@@ -19428,10 +19574,10 @@
                 <a:ea typeface="造字工房悦黑（非商用）常规体" pitchFamily="2" charset="-122"/>
                 <a:cs typeface="造字工房悦黑（非商用）常规体"/>
               </a:rPr>
-              <a:t>"Path"</a:t>
-            </a:r>
-            <a:r>
-              <a:rPr kumimoji="0" lang="zh-CN" altLang="en-US" sz="2400" b="0" i="0" u="none" strike="noStrike" kern="1200" cap="none" spc="0" normalizeH="0" baseline="0" noProof="0" smtClean="0">
+              <a:t>变量名</a:t>
+            </a:r>
+            <a:r>
+              <a:rPr kumimoji="0" lang="en-US" altLang="zh-CN" sz="2400" b="0" i="0" u="none" strike="noStrike" kern="1200" cap="none" spc="0" normalizeH="0" baseline="0" noProof="0" smtClean="0">
                 <a:ln>
                   <a:noFill/>
                 </a:ln>
@@ -19445,10 +19591,10 @@
                 <a:ea typeface="造字工房悦黑（非商用）常规体" pitchFamily="2" charset="-122"/>
                 <a:cs typeface="造字工房悦黑（非商用）常规体"/>
               </a:rPr>
-              <a:t>，在原变量值的最后面加上“</a:t>
-            </a:r>
-            <a:r>
-              <a:rPr kumimoji="0" lang="en-US" altLang="zh-CN" sz="2400" b="0" i="0" u="none" strike="noStrike" kern="1200" cap="none" spc="0" normalizeH="0" baseline="0" noProof="0" smtClean="0">
+              <a:t>"Path"</a:t>
+            </a:r>
+            <a:r>
+              <a:rPr kumimoji="0" lang="zh-CN" altLang="en-US" sz="2400" b="0" i="0" u="none" strike="noStrike" kern="1200" cap="none" spc="0" normalizeH="0" baseline="0" noProof="0" smtClean="0">
                 <a:ln>
                   <a:noFill/>
                 </a:ln>
@@ -19462,22 +19608,25 @@
                 <a:ea typeface="造字工房悦黑（非商用）常规体" pitchFamily="2" charset="-122"/>
                 <a:cs typeface="造字工房悦黑（非商用）常规体"/>
               </a:rPr>
+              <a:t>，在原变量值的最后面加上“</a:t>
+            </a:r>
+            <a:r>
+              <a:rPr kumimoji="0" lang="en-US" altLang="zh-CN" sz="2400" b="0" i="0" u="none" strike="noStrike" kern="1200" cap="none" spc="0" normalizeH="0" baseline="0" noProof="0" smtClean="0">
+                <a:ln>
+                  <a:noFill/>
+                </a:ln>
+                <a:solidFill>
+                  <a:schemeClr val="tx1"/>
+                </a:solidFill>
+                <a:effectLst/>
+                <a:uLnTx/>
+                <a:uFillTx/>
+                <a:latin typeface="+mn-lt"/>
+                <a:ea typeface="造字工房悦黑（非商用）常规体" pitchFamily="2" charset="-122"/>
+                <a:cs typeface="造字工房悦黑（非商用）常规体"/>
+              </a:rPr>
               <a:t>%JAVA_HOME%\bin”</a:t>
             </a:r>
-            <a:endParaRPr kumimoji="0" lang="en-US" altLang="zh-CN" sz="2400" b="0" i="0" u="none" strike="noStrike" kern="1200" cap="none" spc="0" normalizeH="0" baseline="0" noProof="0" smtClean="0">
-              <a:ln>
-                <a:noFill/>
-              </a:ln>
-              <a:solidFill>
-                <a:schemeClr val="tx1"/>
-              </a:solidFill>
-              <a:effectLst/>
-              <a:uLnTx/>
-              <a:uFillTx/>
-              <a:latin typeface="+mn-lt"/>
-              <a:ea typeface="造字工房悦黑（非商用）常规体" pitchFamily="2" charset="-122"/>
-              <a:cs typeface="造字工房悦黑（非商用）常规体"/>
-            </a:endParaRPr>
           </a:p>
           <a:p>
             <a:pPr marL="347980" marR="0" lvl="0" indent="-347980" algn="l" defTabSz="914400" rtl="0" eaLnBrk="1" fontAlgn="auto" latinLnBrk="0" hangingPunct="1">
@@ -19650,20 +19799,6 @@
               </a:rPr>
               <a:t>.;%JAVA_HOME%\lib”</a:t>
             </a:r>
-            <a:endParaRPr kumimoji="0" lang="en-US" altLang="zh-CN" sz="2400" b="0" i="0" u="none" strike="noStrike" kern="1200" cap="none" spc="0" normalizeH="0" baseline="0" noProof="0" smtClean="0">
-              <a:ln>
-                <a:noFill/>
-              </a:ln>
-              <a:solidFill>
-                <a:schemeClr val="tx1"/>
-              </a:solidFill>
-              <a:effectLst/>
-              <a:uLnTx/>
-              <a:uFillTx/>
-              <a:latin typeface="+mn-lt"/>
-              <a:ea typeface="造字工房悦黑（非商用）常规体" pitchFamily="2" charset="-122"/>
-              <a:cs typeface="造字工房悦黑（非商用）常规体"/>
-            </a:endParaRPr>
           </a:p>
         </p:txBody>
       </p:sp>
@@ -20067,7 +20202,7 @@
           <p:nvPr/>
         </p:nvPicPr>
         <p:blipFill>
-          <a:blip r:embed="rId1" cstate="print">
+          <a:blip r:embed="rId2" cstate="print">
             <a:extLst>
               <a:ext uri="{28A0092B-C50C-407E-A947-70E740481C1C}">
                 <a14:useLocalDpi xmlns:a14="http://schemas.microsoft.com/office/drawing/2010/main" val="0"/>
@@ -20093,13 +20228,13 @@
   <p:clrMapOvr>
     <a:masterClrMapping/>
   </p:clrMapOvr>
-  <mc:AlternateContent xmlns:mc="http://schemas.openxmlformats.org/markup-compatibility/2006">
-    <mc:Choice xmlns:p14="http://schemas.microsoft.com/office/powerpoint/2010/main" Requires="p14">
+  <mc:AlternateContent xmlns:mc="http://schemas.openxmlformats.org/markup-compatibility/2006" xmlns:p14="http://schemas.microsoft.com/office/powerpoint/2010/main">
+    <mc:Choice Requires="p14">
       <p:transition spd="med" p14:dur="699">
         <p:fade/>
       </p:transition>
     </mc:Choice>
-    <mc:Fallback>
+    <mc:Fallback xmlns="">
       <p:transition spd="med">
         <p:fade/>
       </p:transition>
@@ -20169,14 +20304,6 @@
               </a:rPr>
               <a:t>环境变量的作用</a:t>
             </a:r>
-            <a:endParaRPr lang="zh-CN" sz="4000" b="1" dirty="0" smtClean="0">
-              <a:solidFill>
-                <a:schemeClr val="tx1"/>
-              </a:solidFill>
-              <a:latin typeface="+mn-lt"/>
-              <a:ea typeface="宋体" panose="02010600030101010101" pitchFamily="2" charset="-122"/>
-              <a:cs typeface="Times New Roman" panose="02020603050405020304" pitchFamily="18" charset="0"/>
-            </a:endParaRPr>
           </a:p>
         </p:txBody>
       </p:sp>
@@ -20198,7 +20325,7 @@
         </p:spPr>
         <p:txBody>
           <a:bodyPr>
-            <a:normAutofit fontScale="80000"/>
+            <a:normAutofit fontScale="87500" lnSpcReduction="10000"/>
           </a:bodyPr>
           <a:lstStyle/>
           <a:p>
@@ -20219,13 +20346,6 @@
               </a:rPr>
               <a:t>1、classpath是用来找编译后的class文件的，操作系统或者编译器等会在这些目录下寻找对应的.class文件</a:t>
             </a:r>
-            <a:endParaRPr lang="zh-CN" altLang="en-US" dirty="0" smtClean="0">
-              <a:solidFill>
-                <a:schemeClr val="tx1"/>
-              </a:solidFill>
-              <a:ea typeface="宋体" panose="02010600030101010101" pitchFamily="2" charset="-122"/>
-              <a:cs typeface="Times New Roman" panose="02020603050405020304" pitchFamily="18" charset="0"/>
-            </a:endParaRPr>
           </a:p>
           <a:p>
             <a:pPr marL="0" indent="0">
@@ -20245,13 +20365,6 @@
               </a:rPr>
               <a:t>2、path时用来找命令行执行文件的，操作系统或者其他软件会在这些目录下找对应的命令行执行文件</a:t>
             </a:r>
-            <a:endParaRPr lang="zh-CN" altLang="en-US" dirty="0" smtClean="0">
-              <a:solidFill>
-                <a:schemeClr val="tx1"/>
-              </a:solidFill>
-              <a:ea typeface="宋体" panose="02010600030101010101" pitchFamily="2" charset="-122"/>
-              <a:cs typeface="Times New Roman" panose="02020603050405020304" pitchFamily="18" charset="0"/>
-            </a:endParaRPr>
           </a:p>
           <a:p>
             <a:pPr marL="0" indent="0">
@@ -20271,13 +20384,6 @@
               </a:rPr>
               <a:t>3、JAVA_HOME是用来找JDK的</a:t>
             </a:r>
-            <a:endParaRPr lang="zh-CN" altLang="en-US" dirty="0" smtClean="0">
-              <a:solidFill>
-                <a:schemeClr val="tx1"/>
-              </a:solidFill>
-              <a:ea typeface="宋体" panose="02010600030101010101" pitchFamily="2" charset="-122"/>
-              <a:cs typeface="Times New Roman" panose="02020603050405020304" pitchFamily="18" charset="0"/>
-            </a:endParaRPr>
           </a:p>
           <a:p>
             <a:pPr marL="457200" lvl="1" indent="0">
@@ -20371,6 +20477,7 @@
             </a:scene3d>
             <a:sp3d contourW="12700"/>
           </a:bodyPr>
+          <a:lstStyle/>
           <a:p>
             <a:pPr algn="l"/>
             <a:r>
@@ -20421,6 +20528,7 @@
           <a:bodyPr wrap="square" rtlCol="0" anchor="t">
             <a:spAutoFit/>
           </a:bodyPr>
+          <a:lstStyle/>
           <a:p>
             <a:pPr lvl="1">
               <a:lnSpc>
@@ -20467,13 +20575,6 @@
               </a:rPr>
               <a:t>--&gt;高级属性设置--&gt;环境变量</a:t>
             </a:r>
-            <a:endParaRPr lang="en-US" dirty="0" smtClean="0">
-              <a:solidFill>
-                <a:schemeClr val="tx1"/>
-              </a:solidFill>
-              <a:ea typeface="宋体" panose="02010600030101010101" pitchFamily="2" charset="-122"/>
-              <a:cs typeface="Times New Roman" panose="02020603050405020304" pitchFamily="18" charset="0"/>
-            </a:endParaRPr>
           </a:p>
         </p:txBody>
       </p:sp>
@@ -20486,7 +20587,7 @@
           <p:nvPr/>
         </p:nvPicPr>
         <p:blipFill>
-          <a:blip r:embed="rId1"/>
+          <a:blip r:embed="rId3"/>
           <a:stretch>
             <a:fillRect/>
           </a:stretch>
@@ -20510,7 +20611,7 @@
           <p:nvPr/>
         </p:nvPicPr>
         <p:blipFill>
-          <a:blip r:embed="rId2"/>
+          <a:blip r:embed="rId4"/>
           <a:stretch>
             <a:fillRect/>
           </a:stretch>
@@ -20578,6 +20679,7 @@
             </a:scene3d>
             <a:sp3d contourW="12700"/>
           </a:bodyPr>
+          <a:lstStyle/>
           <a:p>
             <a:pPr algn="l"/>
             <a:r>
@@ -20628,6 +20730,7 @@
           <a:bodyPr wrap="square" rtlCol="0" anchor="t">
             <a:spAutoFit/>
           </a:bodyPr>
+          <a:lstStyle/>
           <a:p>
             <a:pPr lvl="1">
               <a:lnSpc>
@@ -20664,13 +20767,6 @@
               </a:rPr>
               <a:t>环境变量”</a:t>
             </a:r>
-            <a:endParaRPr lang="en-US" dirty="0" smtClean="0">
-              <a:solidFill>
-                <a:schemeClr val="tx1"/>
-              </a:solidFill>
-              <a:ea typeface="宋体" panose="02010600030101010101" pitchFamily="2" charset="-122"/>
-              <a:cs typeface="Times New Roman" panose="02020603050405020304" pitchFamily="18" charset="0"/>
-            </a:endParaRPr>
           </a:p>
         </p:txBody>
       </p:sp>
@@ -20683,7 +20779,7 @@
           <p:nvPr/>
         </p:nvPicPr>
         <p:blipFill>
-          <a:blip r:embed="rId1"/>
+          <a:blip r:embed="rId3"/>
           <a:stretch>
             <a:fillRect/>
           </a:stretch>
@@ -20707,7 +20803,7 @@
           <p:nvPr/>
         </p:nvPicPr>
         <p:blipFill>
-          <a:blip r:embed="rId2"/>
+          <a:blip r:embed="rId4"/>
           <a:stretch>
             <a:fillRect/>
           </a:stretch>
@@ -20775,6 +20871,7 @@
             </a:scene3d>
             <a:sp3d contourW="12700"/>
           </a:bodyPr>
+          <a:lstStyle/>
           <a:p>
             <a:pPr algn="l"/>
             <a:r>
@@ -20825,6 +20922,7 @@
           <a:bodyPr wrap="square" rtlCol="0" anchor="t">
             <a:spAutoFit/>
           </a:bodyPr>
+          <a:lstStyle/>
           <a:p>
             <a:pPr lvl="1">
               <a:lnSpc>
@@ -20881,6 +20979,7 @@
           <a:bodyPr wrap="square" rtlCol="0" anchor="t">
             <a:spAutoFit/>
           </a:bodyPr>
+          <a:lstStyle/>
           <a:p>
             <a:pPr marL="0" marR="0" lvl="0" indent="0" algn="l" defTabSz="914400" rtl="0" eaLnBrk="1" fontAlgn="auto" latinLnBrk="0" hangingPunct="1">
               <a:lnSpc>
@@ -21102,7 +21201,7 @@
           <p:nvPr/>
         </p:nvPicPr>
         <p:blipFill>
-          <a:blip r:embed="rId1"/>
+          <a:blip r:embed="rId3"/>
           <a:stretch>
             <a:fillRect/>
           </a:stretch>
@@ -21126,7 +21225,7 @@
           <p:nvPr/>
         </p:nvPicPr>
         <p:blipFill>
-          <a:blip r:embed="rId2"/>
+          <a:blip r:embed="rId4"/>
           <a:stretch>
             <a:fillRect/>
           </a:stretch>
@@ -21194,6 +21293,7 @@
             </a:scene3d>
             <a:sp3d contourW="12700"/>
           </a:bodyPr>
+          <a:lstStyle/>
           <a:p>
             <a:pPr algn="l"/>
             <a:r>
@@ -21244,6 +21344,7 @@
           <a:bodyPr wrap="square" rtlCol="0" anchor="t">
             <a:spAutoFit/>
           </a:bodyPr>
+          <a:lstStyle/>
           <a:p>
             <a:pPr lvl="1">
               <a:lnSpc>
@@ -21300,6 +21401,7 @@
           <a:bodyPr wrap="square" rtlCol="0" anchor="t">
             <a:spAutoFit/>
           </a:bodyPr>
+          <a:lstStyle/>
           <a:p>
             <a:pPr marL="347980" marR="0" lvl="0" indent="-347980" algn="l" defTabSz="914400" rtl="0" eaLnBrk="1" fontAlgn="auto" latinLnBrk="0" hangingPunct="1">
               <a:lnSpc>
@@ -21403,17 +21505,6 @@
               </a:rPr>
               <a:t>，</a:t>
             </a:r>
-            <a:endParaRPr lang="zh-CN" altLang="en-US" sz="1500" noProof="0" smtClean="0">
-              <a:ln>
-                <a:noFill/>
-              </a:ln>
-              <a:effectLst/>
-              <a:uLnTx/>
-              <a:uFillTx/>
-              <a:ea typeface="造字工房悦黑（非商用）常规体" pitchFamily="2" charset="-122"/>
-              <a:cs typeface="造字工房悦黑（非商用）常规体"/>
-              <a:sym typeface="+mn-ea"/>
-            </a:endParaRPr>
           </a:p>
           <a:p>
             <a:pPr marL="347980" marR="0" lvl="0" indent="-347980" algn="l" defTabSz="914400" rtl="0" eaLnBrk="1" fontAlgn="auto" latinLnBrk="0" hangingPunct="1">
@@ -21522,7 +21613,7 @@
           <p:nvPr/>
         </p:nvPicPr>
         <p:blipFill>
-          <a:blip r:embed="rId1"/>
+          <a:blip r:embed="rId3"/>
           <a:stretch>
             <a:fillRect/>
           </a:stretch>
@@ -21546,7 +21637,7 @@
           <p:nvPr/>
         </p:nvPicPr>
         <p:blipFill>
-          <a:blip r:embed="rId2"/>
+          <a:blip r:embed="rId4"/>
           <a:stretch>
             <a:fillRect/>
           </a:stretch>
@@ -21614,6 +21705,7 @@
             </a:scene3d>
             <a:sp3d contourW="12700"/>
           </a:bodyPr>
+          <a:lstStyle/>
           <a:p>
             <a:pPr algn="l"/>
             <a:r>
@@ -21664,6 +21756,7 @@
           <a:bodyPr wrap="square" rtlCol="0" anchor="t">
             <a:spAutoFit/>
           </a:bodyPr>
+          <a:lstStyle/>
           <a:p>
             <a:pPr lvl="1">
               <a:lnSpc>
@@ -21720,6 +21813,7 @@
           <a:bodyPr wrap="square" rtlCol="0" anchor="t">
             <a:spAutoFit/>
           </a:bodyPr>
+          <a:lstStyle/>
           <a:p>
             <a:pPr marL="347980" marR="0" lvl="0" indent="-347980" algn="l" defTabSz="914400" rtl="0" eaLnBrk="1" fontAlgn="auto" latinLnBrk="0" hangingPunct="1">
               <a:lnSpc>
@@ -21840,20 +21934,6 @@
               </a:rPr>
               <a:t>.;%JAVA_HOME%\lib</a:t>
             </a:r>
-            <a:endParaRPr lang="en-US" altLang="zh-CN" sz="1500" noProof="0" smtClean="0">
-              <a:ln>
-                <a:noFill/>
-              </a:ln>
-              <a:solidFill>
-                <a:srgbClr val="FF0000"/>
-              </a:solidFill>
-              <a:effectLst/>
-              <a:uLnTx/>
-              <a:uFillTx/>
-              <a:ea typeface="造字工房悦黑（非商用）常规体" pitchFamily="2" charset="-122"/>
-              <a:cs typeface="造字工房悦黑（非商用）常规体"/>
-              <a:sym typeface="+mn-ea"/>
-            </a:endParaRPr>
           </a:p>
         </p:txBody>
       </p:sp>
@@ -21866,7 +21946,7 @@
           <p:nvPr/>
         </p:nvPicPr>
         <p:blipFill>
-          <a:blip r:embed="rId1"/>
+          <a:blip r:embed="rId3"/>
           <a:stretch>
             <a:fillRect/>
           </a:stretch>
@@ -21890,7 +21970,7 @@
           <p:nvPr/>
         </p:nvPicPr>
         <p:blipFill>
-          <a:blip r:embed="rId2"/>
+          <a:blip r:embed="rId4"/>
           <a:stretch>
             <a:fillRect/>
           </a:stretch>
@@ -21958,6 +22038,7 @@
             </a:scene3d>
             <a:sp3d contourW="12700"/>
           </a:bodyPr>
+          <a:lstStyle/>
           <a:p>
             <a:pPr algn="l"/>
             <a:r>
@@ -22008,6 +22089,7 @@
           <a:bodyPr wrap="square" rtlCol="0" anchor="t">
             <a:spAutoFit/>
           </a:bodyPr>
+          <a:lstStyle/>
           <a:p>
             <a:pPr lvl="1">
               <a:lnSpc>
@@ -22064,6 +22146,7 @@
           <a:bodyPr wrap="square" rtlCol="0" anchor="t">
             <a:spAutoFit/>
           </a:bodyPr>
+          <a:lstStyle/>
           <a:p>
             <a:pPr marL="347980" marR="0" lvl="0" indent="-347980" algn="l" defTabSz="914400" rtl="0" eaLnBrk="1" fontAlgn="auto" latinLnBrk="0" hangingPunct="1">
               <a:lnSpc>
@@ -22125,17 +22208,6 @@
               </a:rPr>
               <a:t>成功了</a:t>
             </a:r>
-            <a:endParaRPr sz="1500" noProof="0" smtClean="0">
-              <a:ln>
-                <a:noFill/>
-              </a:ln>
-              <a:effectLst/>
-              <a:uLnTx/>
-              <a:uFillTx/>
-              <a:ea typeface="造字工房悦黑（非商用）常规体" pitchFamily="2" charset="-122"/>
-              <a:cs typeface="造字工房悦黑（非商用）常规体"/>
-              <a:sym typeface="+mn-ea"/>
-            </a:endParaRPr>
           </a:p>
         </p:txBody>
       </p:sp>
@@ -22148,7 +22220,7 @@
           <p:nvPr/>
         </p:nvPicPr>
         <p:blipFill>
-          <a:blip r:embed="rId1"/>
+          <a:blip r:embed="rId3"/>
           <a:stretch>
             <a:fillRect/>
           </a:stretch>
@@ -22172,7 +22244,7 @@
           <p:nvPr/>
         </p:nvPicPr>
         <p:blipFill>
-          <a:blip r:embed="rId2"/>
+          <a:blip r:embed="rId4"/>
           <a:stretch>
             <a:fillRect/>
           </a:stretch>
@@ -22393,11 +22465,6 @@
               </a:rPr>
               <a:t>开发工具</a:t>
             </a:r>
-            <a:endParaRPr lang="zh-CN" altLang="en-US" sz="2800" b="1" dirty="0">
-              <a:latin typeface="+mn-lt"/>
-              <a:ea typeface="宋体" panose="02010600030101010101" pitchFamily="2" charset="-122"/>
-              <a:cs typeface="Times New Roman" panose="02020603050405020304" pitchFamily="18" charset="0"/>
-            </a:endParaRPr>
           </a:p>
         </p:txBody>
       </p:sp>
@@ -22771,11 +22838,6 @@
               </a:rPr>
               <a:t>IDEA                    Eclipse</a:t>
             </a:r>
-            <a:endParaRPr lang="en-US" altLang="zh-CN" sz="2400" dirty="0">
-              <a:latin typeface="微软雅黑" panose="020B0503020204020204" charset="-122"/>
-              <a:ea typeface="微软雅黑" panose="020B0503020204020204" charset="-122"/>
-              <a:cs typeface="微软雅黑" panose="020B0503020204020204" charset="-122"/>
-            </a:endParaRPr>
           </a:p>
           <a:p>
             <a:pPr eaLnBrk="1" hangingPunct="1">
@@ -22850,7 +22912,14 @@
         <p:cNvGrpSpPr/>
         <p:nvPr/>
       </p:nvGrpSpPr>
-      <p:grpSpPr/>
+      <p:grpSpPr>
+        <a:xfrm>
+          <a:off x="0" y="0"/>
+          <a:ext cx="0" cy="0"/>
+          <a:chOff x="0" y="0"/>
+          <a:chExt cx="0" cy="0"/>
+        </a:xfrm>
+      </p:grpSpPr>
       <p:sp>
         <p:nvSpPr>
           <p:cNvPr id="2" name="文本框 1"/>
@@ -22871,6 +22940,7 @@
           <a:bodyPr wrap="square" rtlCol="0">
             <a:spAutoFit/>
           </a:bodyPr>
+          <a:lstStyle/>
           <a:p>
             <a:r>
               <a:rPr sz="2400" dirty="0">
@@ -22882,13 +22952,6 @@
               </a:rPr>
               <a:t>JetBrains 公司</a:t>
             </a:r>
-            <a:endParaRPr sz="2400" dirty="0">
-              <a:solidFill>
-                <a:schemeClr val="tx1"/>
-              </a:solidFill>
-              <a:latin typeface="造字工房悦黑（非商用）常规体" pitchFamily="2" charset="-122"/>
-              <a:ea typeface="造字工房悦黑（非商用）常规体" pitchFamily="2" charset="-122"/>
-            </a:endParaRPr>
           </a:p>
           <a:p>
             <a:pPr>
@@ -22926,13 +22989,6 @@
               </a:rPr>
               <a:t>。</a:t>
             </a:r>
-            <a:endParaRPr lang="zh-CN" sz="2100" dirty="0">
-              <a:solidFill>
-                <a:schemeClr val="tx1"/>
-              </a:solidFill>
-              <a:latin typeface="造字工房悦黑（非商用）常规体" pitchFamily="2" charset="-122"/>
-              <a:ea typeface="造字工房悦黑（非商用）常规体" pitchFamily="2" charset="-122"/>
-            </a:endParaRPr>
           </a:p>
           <a:p>
             <a:pPr>
@@ -22960,13 +23016,6 @@
               </a:rPr>
               <a:t>相关产品：</a:t>
             </a:r>
-            <a:endParaRPr lang="zh-CN" altLang="en-US" sz="2100" dirty="0">
-              <a:solidFill>
-                <a:schemeClr val="tx1"/>
-              </a:solidFill>
-              <a:latin typeface="造字工房悦黑（非商用）常规体" pitchFamily="2" charset="-122"/>
-              <a:ea typeface="造字工房悦黑（非商用）常规体" pitchFamily="2" charset="-122"/>
-            </a:endParaRPr>
           </a:p>
           <a:p>
             <a:pPr>
@@ -22994,13 +23043,6 @@
               </a:rPr>
               <a:t>、IntelliJ IDEA：一套智慧型的Java整合开发工具</a:t>
             </a:r>
-            <a:endParaRPr lang="zh-CN" altLang="en-US" sz="2100" dirty="0">
-              <a:solidFill>
-                <a:schemeClr val="tx1"/>
-              </a:solidFill>
-              <a:latin typeface="造字工房悦黑（非商用）常规体" pitchFamily="2" charset="-122"/>
-              <a:ea typeface="造字工房悦黑（非商用）常规体" pitchFamily="2" charset="-122"/>
-            </a:endParaRPr>
           </a:p>
           <a:p>
             <a:pPr>
@@ -23028,13 +23070,6 @@
               </a:rPr>
               <a:t>、PyCharm：智能Python集成开发工具</a:t>
             </a:r>
-            <a:endParaRPr lang="zh-CN" altLang="en-US" sz="2100" dirty="0">
-              <a:solidFill>
-                <a:schemeClr val="tx1"/>
-              </a:solidFill>
-              <a:latin typeface="造字工房悦黑（非商用）常规体" pitchFamily="2" charset="-122"/>
-              <a:ea typeface="造字工房悦黑（非商用）常规体" pitchFamily="2" charset="-122"/>
-            </a:endParaRPr>
           </a:p>
           <a:p>
             <a:pPr>
@@ -23062,13 +23097,6 @@
               </a:rPr>
               <a:t>、WebStorm：智能HTML/CSS/JS开发工具</a:t>
             </a:r>
-            <a:endParaRPr lang="zh-CN" altLang="en-US" sz="2100" dirty="0">
-              <a:solidFill>
-                <a:schemeClr val="tx1"/>
-              </a:solidFill>
-              <a:latin typeface="造字工房悦黑（非商用）常规体" pitchFamily="2" charset="-122"/>
-              <a:ea typeface="造字工房悦黑（非商用）常规体" pitchFamily="2" charset="-122"/>
-            </a:endParaRPr>
           </a:p>
           <a:p>
             <a:pPr>
@@ -23096,13 +23124,6 @@
               </a:rPr>
               <a:t>、CLion：用于开发 C/C++</a:t>
             </a:r>
-            <a:endParaRPr lang="zh-CN" altLang="en-US" sz="2100" dirty="0">
-              <a:solidFill>
-                <a:schemeClr val="tx1"/>
-              </a:solidFill>
-              <a:latin typeface="造字工房悦黑（非商用）常规体" pitchFamily="2" charset="-122"/>
-              <a:ea typeface="造字工房悦黑（非商用）常规体" pitchFamily="2" charset="-122"/>
-            </a:endParaRPr>
           </a:p>
           <a:p>
             <a:pPr>
@@ -23130,13 +23151,6 @@
               </a:rPr>
               <a:t>、PhpStorm：用于开发 PHP</a:t>
             </a:r>
-            <a:endParaRPr lang="zh-CN" altLang="en-US" sz="2100" dirty="0">
-              <a:solidFill>
-                <a:schemeClr val="tx1"/>
-              </a:solidFill>
-              <a:latin typeface="造字工房悦黑（非商用）常规体" pitchFamily="2" charset="-122"/>
-              <a:ea typeface="造字工房悦黑（非商用）常规体" pitchFamily="2" charset="-122"/>
-            </a:endParaRPr>
           </a:p>
           <a:p>
             <a:endParaRPr sz="2100" dirty="0">
@@ -23173,13 +23187,13 @@
   <p:clrMapOvr>
     <a:masterClrMapping/>
   </p:clrMapOvr>
-  <mc:AlternateContent xmlns:mc="http://schemas.openxmlformats.org/markup-compatibility/2006">
-    <mc:Choice xmlns:p14="http://schemas.microsoft.com/office/powerpoint/2010/main" Requires="p14">
+  <mc:AlternateContent xmlns:mc="http://schemas.openxmlformats.org/markup-compatibility/2006" xmlns:p14="http://schemas.microsoft.com/office/powerpoint/2010/main">
+    <mc:Choice Requires="p14">
       <p:transition spd="med" p14:dur="699">
         <p:fade/>
       </p:transition>
     </mc:Choice>
-    <mc:Fallback>
+    <mc:Fallback xmlns="">
       <p:transition spd="med">
         <p:fade/>
       </p:transition>
@@ -23197,7 +23211,14 @@
         <p:cNvGrpSpPr/>
         <p:nvPr/>
       </p:nvGrpSpPr>
-      <p:grpSpPr/>
+      <p:grpSpPr>
+        <a:xfrm>
+          <a:off x="0" y="0"/>
+          <a:ext cx="0" cy="0"/>
+          <a:chOff x="0" y="0"/>
+          <a:chExt cx="0" cy="0"/>
+        </a:xfrm>
+      </p:grpSpPr>
       <p:sp>
         <p:nvSpPr>
           <p:cNvPr id="2" name="文本框 1"/>
@@ -23218,6 +23239,7 @@
           <a:bodyPr wrap="square" rtlCol="0">
             <a:spAutoFit/>
           </a:bodyPr>
+          <a:lstStyle/>
           <a:p>
             <a:r>
               <a:rPr sz="2400" dirty="0">
@@ -23273,6 +23295,8 @@
               </a:rPr>
               <a:t>IDEA，全称 IntelliJ IDEA，是 Java 语言的集成开发环境，IDEA 在业界被公认为是最好的 java 开发工具之一，尤其在智能代码助手、代码自动提示、重构、J2EE支持、Ant、JUnit、CVS 整合、代码审查、创新的 GUI 设计等方面的功能可以说是超常的。</a:t>
             </a:r>
+          </a:p>
+          <a:p>
             <a:endParaRPr sz="2100" dirty="0">
               <a:solidFill>
                 <a:schemeClr val="tx1"/>
@@ -23282,15 +23306,6 @@
             </a:endParaRPr>
           </a:p>
           <a:p>
-            <a:endParaRPr sz="2100" dirty="0">
-              <a:solidFill>
-                <a:schemeClr val="tx1"/>
-              </a:solidFill>
-              <a:latin typeface="造字工房悦黑（非商用）常规体" pitchFamily="2" charset="-122"/>
-              <a:ea typeface="造字工房悦黑（非商用）常规体" pitchFamily="2" charset="-122"/>
-            </a:endParaRPr>
-          </a:p>
-          <a:p>
             <a:r>
               <a:rPr lang="en-US" sz="2100" dirty="0">
                 <a:solidFill>
@@ -23316,13 +23331,13 @@
   <p:clrMapOvr>
     <a:masterClrMapping/>
   </p:clrMapOvr>
-  <mc:AlternateContent xmlns:mc="http://schemas.openxmlformats.org/markup-compatibility/2006">
-    <mc:Choice xmlns:p14="http://schemas.microsoft.com/office/powerpoint/2010/main" Requires="p14">
+  <mc:AlternateContent xmlns:mc="http://schemas.openxmlformats.org/markup-compatibility/2006" xmlns:p14="http://schemas.microsoft.com/office/powerpoint/2010/main">
+    <mc:Choice Requires="p14">
       <p:transition spd="med" p14:dur="699">
         <p:fade/>
       </p:transition>
     </mc:Choice>
-    <mc:Fallback>
+    <mc:Fallback xmlns="">
       <p:transition spd="med">
         <p:fade/>
       </p:transition>
@@ -23376,10 +23391,6 @@
               </a:rPr>
               <a:t>计算机语言发展</a:t>
             </a:r>
-            <a:endParaRPr lang="zh-CN" altLang="en-US" sz="4000" b="1" dirty="0">
-              <a:ea typeface="宋体" panose="02010600030101010101" pitchFamily="2" charset="-122"/>
-              <a:cs typeface="Times New Roman" panose="02020603050405020304" pitchFamily="18" charset="0"/>
-            </a:endParaRPr>
           </a:p>
         </p:txBody>
       </p:sp>
@@ -23590,7 +23601,7 @@
               <a:t>打孔机</a:t>
             </a:r>
             <a:r>
-              <a:rPr lang="en-US" altLang="zh-CN" sz="2400" dirty="0">
+              <a:rPr lang="en-US" altLang="zh-CN" sz="2400" dirty="0" smtClean="0">
                 <a:latin typeface="+mn-lt"/>
                 <a:ea typeface="宋体" panose="02010600030101010101" pitchFamily="2" charset="-122"/>
                 <a:cs typeface="Times New Roman" panose="02020603050405020304" pitchFamily="18" charset="0"/>
@@ -23598,7 +23609,7 @@
               <a:t>——</a:t>
             </a:r>
             <a:r>
-              <a:rPr lang="zh-CN" altLang="en-US" sz="2400" dirty="0">
+              <a:rPr lang="zh-CN" altLang="en-US" sz="2400" dirty="0" smtClean="0">
                 <a:latin typeface="+mn-lt"/>
                 <a:ea typeface="宋体" panose="02010600030101010101" pitchFamily="2" charset="-122"/>
                 <a:cs typeface="Times New Roman" panose="02020603050405020304" pitchFamily="18" charset="0"/>
@@ -23633,7 +23644,15 @@
                 <a:ea typeface="宋体" panose="02010600030101010101" pitchFamily="2" charset="-122"/>
                 <a:cs typeface="Times New Roman" panose="02020603050405020304" pitchFamily="18" charset="0"/>
               </a:rPr>
-              <a:t>代语言</a:t>
+              <a:t>代语</a:t>
+            </a:r>
+            <a:r>
+              <a:rPr lang="zh-CN" altLang="en-US" sz="2400" b="1" dirty="0" smtClean="0">
+                <a:latin typeface="+mn-lt"/>
+                <a:ea typeface="宋体" panose="02010600030101010101" pitchFamily="2" charset="-122"/>
+                <a:cs typeface="Times New Roman" panose="02020603050405020304" pitchFamily="18" charset="0"/>
+              </a:rPr>
+              <a:t>言</a:t>
             </a:r>
             <a:endParaRPr lang="en-US" sz="2400" dirty="0">
               <a:latin typeface="+mn-lt"/>
@@ -23687,11 +23706,6 @@
               </a:rPr>
               <a:t>三代语言</a:t>
             </a:r>
-            <a:endParaRPr lang="zh-CN" altLang="en-US" sz="2400" b="1" dirty="0">
-              <a:latin typeface="+mn-lt"/>
-              <a:ea typeface="宋体" panose="02010600030101010101" pitchFamily="2" charset="-122"/>
-              <a:cs typeface="Times New Roman" panose="02020603050405020304" pitchFamily="18" charset="0"/>
-            </a:endParaRPr>
           </a:p>
           <a:p>
             <a:pPr marL="1085850" lvl="1" indent="-342900" eaLnBrk="1" hangingPunct="1">
@@ -23898,7 +23912,14 @@
         <p:cNvGrpSpPr/>
         <p:nvPr/>
       </p:nvGrpSpPr>
-      <p:grpSpPr/>
+      <p:grpSpPr>
+        <a:xfrm>
+          <a:off x="0" y="0"/>
+          <a:ext cx="0" cy="0"/>
+          <a:chOff x="0" y="0"/>
+          <a:chExt cx="0" cy="0"/>
+        </a:xfrm>
+      </p:grpSpPr>
       <p:sp>
         <p:nvSpPr>
           <p:cNvPr id="2" name="文本框 1"/>
@@ -23919,6 +23940,7 @@
           <a:bodyPr wrap="square" rtlCol="0">
             <a:spAutoFit/>
           </a:bodyPr>
+          <a:lstStyle/>
           <a:p>
             <a:r>
               <a:rPr sz="2100" dirty="0">
@@ -23952,13 +23974,6 @@
               </a:rPr>
               <a:t>	</a:t>
             </a:r>
-            <a:endParaRPr lang="en-US" altLang="zh-CN" sz="2100" dirty="0">
-              <a:solidFill>
-                <a:schemeClr val="tx1"/>
-              </a:solidFill>
-              <a:latin typeface="造字工房悦黑（非商用）常规体" pitchFamily="2" charset="-122"/>
-              <a:ea typeface="造字工房悦黑（非商用）常规体" pitchFamily="2" charset="-122"/>
-            </a:endParaRPr>
           </a:p>
           <a:p>
             <a:pPr marL="12700">
@@ -24188,11 +24203,6 @@
               </a:rPr>
               <a:t>的范围广</a:t>
             </a:r>
-            <a:endParaRPr sz="2100" dirty="0">
-              <a:latin typeface="宋体" panose="02010600030101010101" pitchFamily="2" charset="-122"/>
-              <a:cs typeface="宋体" panose="02010600030101010101" pitchFamily="2" charset="-122"/>
-              <a:sym typeface="+mn-ea"/>
-            </a:endParaRPr>
           </a:p>
           <a:p>
             <a:pPr marL="12700">
@@ -24391,13 +24401,13 @@
   <p:clrMapOvr>
     <a:masterClrMapping/>
   </p:clrMapOvr>
-  <mc:AlternateContent xmlns:mc="http://schemas.openxmlformats.org/markup-compatibility/2006">
-    <mc:Choice xmlns:p14="http://schemas.microsoft.com/office/powerpoint/2010/main" Requires="p14">
+  <mc:AlternateContent xmlns:mc="http://schemas.openxmlformats.org/markup-compatibility/2006" xmlns:p14="http://schemas.microsoft.com/office/powerpoint/2010/main">
+    <mc:Choice Requires="p14">
       <p:transition spd="med" p14:dur="699">
         <p:fade/>
       </p:transition>
     </mc:Choice>
-    <mc:Fallback>
+    <mc:Fallback xmlns="">
       <p:transition spd="med">
         <p:fade/>
       </p:transition>
@@ -24415,7 +24425,14 @@
         <p:cNvGrpSpPr/>
         <p:nvPr/>
       </p:nvGrpSpPr>
-      <p:grpSpPr/>
+      <p:grpSpPr>
+        <a:xfrm>
+          <a:off x="0" y="0"/>
+          <a:ext cx="0" cy="0"/>
+          <a:chOff x="0" y="0"/>
+          <a:chExt cx="0" cy="0"/>
+        </a:xfrm>
+      </p:grpSpPr>
       <p:sp>
         <p:nvSpPr>
           <p:cNvPr id="2" name="文本框 1"/>
@@ -24436,6 +24453,7 @@
           <a:bodyPr wrap="square" rtlCol="0">
             <a:spAutoFit/>
           </a:bodyPr>
+          <a:lstStyle/>
           <a:p>
             <a:r>
               <a:rPr sz="2400" dirty="0">
@@ -24491,13 +24509,6 @@
               </a:rPr>
               <a:t>官网：https://www.jetbrains.com/</a:t>
             </a:r>
-            <a:endParaRPr lang="zh-CN" altLang="en-US" sz="2100" dirty="0">
-              <a:solidFill>
-                <a:schemeClr val="tx1"/>
-              </a:solidFill>
-              <a:latin typeface="造字工房悦黑（非商用）常规体" pitchFamily="2" charset="-122"/>
-              <a:ea typeface="造字工房悦黑（非商用）常规体" pitchFamily="2" charset="-122"/>
-            </a:endParaRPr>
           </a:p>
           <a:p>
             <a:pPr>
@@ -24841,11 +24852,6 @@
               </a:rPr>
               <a:t>，</a:t>
             </a:r>
-            <a:endParaRPr sz="2100" spc="-25" dirty="0">
-              <a:latin typeface="宋体" panose="02010600030101010101" pitchFamily="2" charset="-122"/>
-              <a:cs typeface="宋体" panose="02010600030101010101" pitchFamily="2" charset="-122"/>
-              <a:sym typeface="+mn-ea"/>
-            </a:endParaRPr>
           </a:p>
           <a:p>
             <a:pPr marL="12700">
@@ -25006,13 +25012,13 @@
   <p:clrMapOvr>
     <a:masterClrMapping/>
   </p:clrMapOvr>
-  <mc:AlternateContent xmlns:mc="http://schemas.openxmlformats.org/markup-compatibility/2006">
-    <mc:Choice xmlns:p14="http://schemas.microsoft.com/office/powerpoint/2010/main" Requires="p14">
+  <mc:AlternateContent xmlns:mc="http://schemas.openxmlformats.org/markup-compatibility/2006" xmlns:p14="http://schemas.microsoft.com/office/powerpoint/2010/main">
+    <mc:Choice Requires="p14">
       <p:transition spd="med" p14:dur="699">
         <p:fade/>
       </p:transition>
     </mc:Choice>
-    <mc:Fallback>
+    <mc:Fallback xmlns="">
       <p:transition spd="med">
         <p:fade/>
       </p:transition>
@@ -25030,7 +25036,14 @@
         <p:cNvGrpSpPr/>
         <p:nvPr/>
       </p:nvGrpSpPr>
-      <p:grpSpPr/>
+      <p:grpSpPr>
+        <a:xfrm>
+          <a:off x="0" y="0"/>
+          <a:ext cx="0" cy="0"/>
+          <a:chOff x="0" y="0"/>
+          <a:chExt cx="0" cy="0"/>
+        </a:xfrm>
+      </p:grpSpPr>
       <p:sp>
         <p:nvSpPr>
           <p:cNvPr id="2" name="文本框 1"/>
@@ -25051,6 +25064,7 @@
           <a:bodyPr wrap="square" rtlCol="0">
             <a:spAutoFit/>
           </a:bodyPr>
+          <a:lstStyle/>
           <a:p>
             <a:r>
               <a:rPr sz="2400" dirty="0">
@@ -25150,7 +25164,7 @@
             <a:avLst/>
           </a:prstGeom>
           <a:blipFill>
-            <a:blip r:embed="rId1" cstate="print"/>
+            <a:blip r:embed="rId2" cstate="print"/>
             <a:stretch>
               <a:fillRect/>
             </a:stretch>
@@ -25158,6 +25172,7 @@
         </p:spPr>
         <p:txBody>
           <a:bodyPr wrap="square" lIns="0" tIns="0" rIns="0" bIns="0" rtlCol="0"/>
+          <a:lstStyle/>
           <a:p>
             <a:endParaRPr sz="1350"/>
           </a:p>
@@ -25172,7 +25187,7 @@
           <p:nvPr/>
         </p:nvPicPr>
         <p:blipFill>
-          <a:blip r:embed="rId2"/>
+          <a:blip r:embed="rId3"/>
           <a:stretch>
             <a:fillRect/>
           </a:stretch>
@@ -25192,13 +25207,13 @@
   <p:clrMapOvr>
     <a:masterClrMapping/>
   </p:clrMapOvr>
-  <mc:AlternateContent xmlns:mc="http://schemas.openxmlformats.org/markup-compatibility/2006">
-    <mc:Choice xmlns:p14="http://schemas.microsoft.com/office/powerpoint/2010/main" Requires="p14">
+  <mc:AlternateContent xmlns:mc="http://schemas.openxmlformats.org/markup-compatibility/2006" xmlns:p14="http://schemas.microsoft.com/office/powerpoint/2010/main">
+    <mc:Choice Requires="p14">
       <p:transition spd="med" p14:dur="699">
         <p:fade/>
       </p:transition>
     </mc:Choice>
-    <mc:Fallback>
+    <mc:Fallback xmlns="">
       <p:transition spd="med">
         <p:fade/>
       </p:transition>
@@ -25216,7 +25231,14 @@
         <p:cNvGrpSpPr/>
         <p:nvPr/>
       </p:nvGrpSpPr>
-      <p:grpSpPr/>
+      <p:grpSpPr>
+        <a:xfrm>
+          <a:off x="0" y="0"/>
+          <a:ext cx="0" cy="0"/>
+          <a:chOff x="0" y="0"/>
+          <a:chExt cx="0" cy="0"/>
+        </a:xfrm>
+      </p:grpSpPr>
       <p:sp>
         <p:nvSpPr>
           <p:cNvPr id="2" name="文本框 1"/>
@@ -25237,6 +25259,7 @@
           <a:bodyPr wrap="square" rtlCol="0">
             <a:spAutoFit/>
           </a:bodyPr>
+          <a:lstStyle/>
           <a:p>
             <a:r>
               <a:rPr sz="2400" dirty="0">
@@ -25330,7 +25353,7 @@
           <p:nvPr/>
         </p:nvPicPr>
         <p:blipFill>
-          <a:blip r:embed="rId1" cstate="print"/>
+          <a:blip r:embed="rId2" cstate="print"/>
           <a:stretch>
             <a:fillRect/>
           </a:stretch>
@@ -25354,7 +25377,7 @@
           <p:nvPr/>
         </p:nvPicPr>
         <p:blipFill>
-          <a:blip r:embed="rId2" cstate="print"/>
+          <a:blip r:embed="rId3" cstate="print"/>
           <a:stretch>
             <a:fillRect/>
           </a:stretch>
@@ -25374,13 +25397,13 @@
   <p:clrMapOvr>
     <a:masterClrMapping/>
   </p:clrMapOvr>
-  <mc:AlternateContent xmlns:mc="http://schemas.openxmlformats.org/markup-compatibility/2006">
-    <mc:Choice xmlns:p14="http://schemas.microsoft.com/office/powerpoint/2010/main" Requires="p14">
+  <mc:AlternateContent xmlns:mc="http://schemas.openxmlformats.org/markup-compatibility/2006" xmlns:p14="http://schemas.microsoft.com/office/powerpoint/2010/main">
+    <mc:Choice Requires="p14">
       <p:transition spd="med" p14:dur="699">
         <p:fade/>
       </p:transition>
     </mc:Choice>
-    <mc:Fallback>
+    <mc:Fallback xmlns="">
       <p:transition spd="med">
         <p:fade/>
       </p:transition>
@@ -25398,7 +25421,14 @@
         <p:cNvGrpSpPr/>
         <p:nvPr/>
       </p:nvGrpSpPr>
-      <p:grpSpPr/>
+      <p:grpSpPr>
+        <a:xfrm>
+          <a:off x="0" y="0"/>
+          <a:ext cx="0" cy="0"/>
+          <a:chOff x="0" y="0"/>
+          <a:chExt cx="0" cy="0"/>
+        </a:xfrm>
+      </p:grpSpPr>
       <p:sp>
         <p:nvSpPr>
           <p:cNvPr id="2" name="文本框 1"/>
@@ -25419,6 +25449,7 @@
           <a:bodyPr wrap="square" rtlCol="0">
             <a:spAutoFit/>
           </a:bodyPr>
+          <a:lstStyle/>
           <a:p>
             <a:r>
               <a:rPr sz="2400" dirty="0">
@@ -25512,7 +25543,7 @@
           <p:nvPr/>
         </p:nvPicPr>
         <p:blipFill>
-          <a:blip r:embed="rId1" cstate="print"/>
+          <a:blip r:embed="rId2" cstate="print"/>
           <a:stretch>
             <a:fillRect/>
           </a:stretch>
@@ -25536,7 +25567,7 @@
           <p:nvPr/>
         </p:nvPicPr>
         <p:blipFill>
-          <a:blip r:embed="rId2" cstate="print"/>
+          <a:blip r:embed="rId3" cstate="print"/>
           <a:stretch>
             <a:fillRect/>
           </a:stretch>
@@ -25556,13 +25587,13 @@
   <p:clrMapOvr>
     <a:masterClrMapping/>
   </p:clrMapOvr>
-  <mc:AlternateContent xmlns:mc="http://schemas.openxmlformats.org/markup-compatibility/2006">
-    <mc:Choice xmlns:p14="http://schemas.microsoft.com/office/powerpoint/2010/main" Requires="p14">
+  <mc:AlternateContent xmlns:mc="http://schemas.openxmlformats.org/markup-compatibility/2006" xmlns:p14="http://schemas.microsoft.com/office/powerpoint/2010/main">
+    <mc:Choice Requires="p14">
       <p:transition spd="med" p14:dur="699">
         <p:fade/>
       </p:transition>
     </mc:Choice>
-    <mc:Fallback>
+    <mc:Fallback xmlns="">
       <p:transition spd="med">
         <p:fade/>
       </p:transition>
@@ -25580,7 +25611,14 @@
         <p:cNvGrpSpPr/>
         <p:nvPr/>
       </p:nvGrpSpPr>
-      <p:grpSpPr/>
+      <p:grpSpPr>
+        <a:xfrm>
+          <a:off x="0" y="0"/>
+          <a:ext cx="0" cy="0"/>
+          <a:chOff x="0" y="0"/>
+          <a:chExt cx="0" cy="0"/>
+        </a:xfrm>
+      </p:grpSpPr>
       <p:sp>
         <p:nvSpPr>
           <p:cNvPr id="2" name="文本框 1"/>
@@ -25601,6 +25639,7 @@
           <a:bodyPr wrap="square" rtlCol="0">
             <a:spAutoFit/>
           </a:bodyPr>
+          <a:lstStyle/>
           <a:p>
             <a:r>
               <a:rPr sz="2400" dirty="0">
@@ -25694,7 +25733,7 @@
           <p:nvPr/>
         </p:nvPicPr>
         <p:blipFill>
-          <a:blip r:embed="rId1" cstate="print"/>
+          <a:blip r:embed="rId2" cstate="print"/>
           <a:stretch>
             <a:fillRect/>
           </a:stretch>
@@ -25718,7 +25757,7 @@
           <p:nvPr/>
         </p:nvPicPr>
         <p:blipFill>
-          <a:blip r:embed="rId2" cstate="print"/>
+          <a:blip r:embed="rId3" cstate="print"/>
           <a:stretch>
             <a:fillRect/>
           </a:stretch>
@@ -25738,13 +25777,13 @@
   <p:clrMapOvr>
     <a:masterClrMapping/>
   </p:clrMapOvr>
-  <mc:AlternateContent xmlns:mc="http://schemas.openxmlformats.org/markup-compatibility/2006">
-    <mc:Choice xmlns:p14="http://schemas.microsoft.com/office/powerpoint/2010/main" Requires="p14">
+  <mc:AlternateContent xmlns:mc="http://schemas.openxmlformats.org/markup-compatibility/2006" xmlns:p14="http://schemas.microsoft.com/office/powerpoint/2010/main">
+    <mc:Choice Requires="p14">
       <p:transition spd="med" p14:dur="699">
         <p:fade/>
       </p:transition>
     </mc:Choice>
-    <mc:Fallback>
+    <mc:Fallback xmlns="">
       <p:transition spd="med">
         <p:fade/>
       </p:transition>
@@ -25762,7 +25801,14 @@
         <p:cNvGrpSpPr/>
         <p:nvPr/>
       </p:nvGrpSpPr>
-      <p:grpSpPr/>
+      <p:grpSpPr>
+        <a:xfrm>
+          <a:off x="0" y="0"/>
+          <a:ext cx="0" cy="0"/>
+          <a:chOff x="0" y="0"/>
+          <a:chExt cx="0" cy="0"/>
+        </a:xfrm>
+      </p:grpSpPr>
       <p:sp>
         <p:nvSpPr>
           <p:cNvPr id="2" name="文本框 1"/>
@@ -25783,6 +25829,7 @@
           <a:bodyPr wrap="square" rtlCol="0">
             <a:spAutoFit/>
           </a:bodyPr>
+          <a:lstStyle/>
           <a:p>
             <a:r>
               <a:rPr sz="2400" dirty="0">
@@ -25805,10 +25852,6 @@
               </a:rPr>
               <a:t>结构</a:t>
             </a:r>
-            <a:endParaRPr sz="2400" dirty="0">
-              <a:latin typeface="造字工房悦黑（非商用）常规体" pitchFamily="2" charset="-122"/>
-              <a:ea typeface="造字工房悦黑（非商用）常规体" pitchFamily="2" charset="-122"/>
-            </a:endParaRPr>
           </a:p>
           <a:p>
             <a:pPr>
@@ -25865,7 +25908,7 @@
           <p:nvPr/>
         </p:nvPicPr>
         <p:blipFill>
-          <a:blip r:embed="rId1"/>
+          <a:blip r:embed="rId2"/>
           <a:stretch>
             <a:fillRect/>
           </a:stretch>
@@ -25903,6 +25946,7 @@
           <a:bodyPr wrap="square">
             <a:spAutoFit/>
           </a:bodyPr>
+          <a:lstStyle/>
           <a:p>
             <a:pPr indent="0">
               <a:lnSpc>
@@ -25989,11 +26033,6 @@
               </a:rPr>
               <a:t>配置改坏了，没关系，删掉该目录，一切都会还原到默认。</a:t>
             </a:r>
-            <a:endParaRPr lang="zh-CN" b="0">
-              <a:latin typeface="微软雅黑" panose="020B0503020204020204" charset="-122"/>
-              <a:ea typeface="微软雅黑" panose="020B0503020204020204" charset="-122"/>
-              <a:cs typeface="微软雅黑" panose="020B0503020204020204" charset="-122"/>
-            </a:endParaRPr>
           </a:p>
           <a:p>
             <a:pPr indent="0">
@@ -26021,11 +26060,6 @@
               </a:rPr>
               <a:t>config 目录是 IntelliJ IDEA 个性化化配置目录，或者说是整个 IDE 设置目录</a:t>
             </a:r>
-            <a:endParaRPr lang="zh-CN" altLang="en-US">
-              <a:latin typeface="微软雅黑" panose="020B0503020204020204" charset="-122"/>
-              <a:ea typeface="微软雅黑" panose="020B0503020204020204" charset="-122"/>
-              <a:cs typeface="微软雅黑" panose="020B0503020204020204" charset="-122"/>
-            </a:endParaRPr>
           </a:p>
           <a:p>
             <a:pPr indent="0">
@@ -26053,11 +26087,6 @@
               </a:rPr>
               <a:t>system 目录是 IntelliJ IDEA 系统文件目录，是 IntelliJ IDEA 与开发项目一个桥梁目录，里面主要有：缓存、索引、容器文件输出等等</a:t>
             </a:r>
-            <a:endParaRPr lang="zh-CN" altLang="en-US">
-              <a:latin typeface="微软雅黑" panose="020B0503020204020204" charset="-122"/>
-              <a:ea typeface="微软雅黑" panose="020B0503020204020204" charset="-122"/>
-              <a:cs typeface="微软雅黑" panose="020B0503020204020204" charset="-122"/>
-            </a:endParaRPr>
           </a:p>
         </p:txBody>
       </p:sp>
@@ -26066,13 +26095,13 @@
   <p:clrMapOvr>
     <a:masterClrMapping/>
   </p:clrMapOvr>
-  <mc:AlternateContent xmlns:mc="http://schemas.openxmlformats.org/markup-compatibility/2006">
-    <mc:Choice xmlns:p14="http://schemas.microsoft.com/office/powerpoint/2010/main" Requires="p14">
+  <mc:AlternateContent xmlns:mc="http://schemas.openxmlformats.org/markup-compatibility/2006" xmlns:p14="http://schemas.microsoft.com/office/powerpoint/2010/main">
+    <mc:Choice Requires="p14">
       <p:transition spd="med" p14:dur="699">
         <p:fade/>
       </p:transition>
     </mc:Choice>
-    <mc:Fallback>
+    <mc:Fallback xmlns="">
       <p:transition spd="med">
         <p:fade/>
       </p:transition>
@@ -26090,7 +26119,14 @@
         <p:cNvGrpSpPr/>
         <p:nvPr/>
       </p:nvGrpSpPr>
-      <p:grpSpPr/>
+      <p:grpSpPr>
+        <a:xfrm>
+          <a:off x="0" y="0"/>
+          <a:ext cx="0" cy="0"/>
+          <a:chOff x="0" y="0"/>
+          <a:chExt cx="0" cy="0"/>
+        </a:xfrm>
+      </p:grpSpPr>
       <p:sp>
         <p:nvSpPr>
           <p:cNvPr id="2" name="文本框 1"/>
@@ -26111,6 +26147,7 @@
           <a:bodyPr wrap="square" rtlCol="0">
             <a:spAutoFit/>
           </a:bodyPr>
+          <a:lstStyle/>
           <a:p>
             <a:r>
               <a:rPr sz="2400" dirty="0">
@@ -26167,10 +26204,6 @@
               </a:rPr>
               <a:t>首次启动，会弹出如下的对话框。选择不导入已有的设置</a:t>
             </a:r>
-            <a:endParaRPr sz="2100">
-              <a:latin typeface="宋体" panose="02010600030101010101" pitchFamily="2" charset="-122"/>
-              <a:cs typeface="宋体" panose="02010600030101010101" pitchFamily="2" charset="-122"/>
-            </a:endParaRPr>
           </a:p>
           <a:p>
             <a:pPr>
@@ -26236,7 +26269,7 @@
           <p:nvPr/>
         </p:nvPicPr>
         <p:blipFill>
-          <a:blip r:embed="rId1" cstate="print"/>
+          <a:blip r:embed="rId2" cstate="print"/>
           <a:stretch>
             <a:fillRect/>
           </a:stretch>
@@ -26256,13 +26289,13 @@
   <p:clrMapOvr>
     <a:masterClrMapping/>
   </p:clrMapOvr>
-  <mc:AlternateContent xmlns:mc="http://schemas.openxmlformats.org/markup-compatibility/2006">
-    <mc:Choice xmlns:p14="http://schemas.microsoft.com/office/powerpoint/2010/main" Requires="p14">
+  <mc:AlternateContent xmlns:mc="http://schemas.openxmlformats.org/markup-compatibility/2006" xmlns:p14="http://schemas.microsoft.com/office/powerpoint/2010/main">
+    <mc:Choice Requires="p14">
       <p:transition spd="med" p14:dur="699">
         <p:fade/>
       </p:transition>
     </mc:Choice>
-    <mc:Fallback>
+    <mc:Fallback xmlns="">
       <p:transition spd="med">
         <p:fade/>
       </p:transition>
@@ -26280,7 +26313,14 @@
         <p:cNvGrpSpPr/>
         <p:nvPr/>
       </p:nvGrpSpPr>
-      <p:grpSpPr/>
+      <p:grpSpPr>
+        <a:xfrm>
+          <a:off x="0" y="0"/>
+          <a:ext cx="0" cy="0"/>
+          <a:chOff x="0" y="0"/>
+          <a:chExt cx="0" cy="0"/>
+        </a:xfrm>
+      </p:grpSpPr>
       <p:sp>
         <p:nvSpPr>
           <p:cNvPr id="2" name="文本框 1"/>
@@ -26301,6 +26341,7 @@
           <a:bodyPr wrap="square" rtlCol="0">
             <a:spAutoFit/>
           </a:bodyPr>
+          <a:lstStyle/>
           <a:p>
             <a:r>
               <a:rPr sz="2400" dirty="0">
@@ -26357,10 +26398,6 @@
               </a:rPr>
               <a:t>设置主题</a:t>
             </a:r>
-            <a:endParaRPr sz="2100">
-              <a:latin typeface="宋体" panose="02010600030101010101" pitchFamily="2" charset="-122"/>
-              <a:cs typeface="宋体" panose="02010600030101010101" pitchFamily="2" charset="-122"/>
-            </a:endParaRPr>
           </a:p>
           <a:p>
             <a:pPr>
@@ -26426,7 +26463,7 @@
           <p:nvPr/>
         </p:nvPicPr>
         <p:blipFill>
-          <a:blip r:embed="rId1" cstate="print"/>
+          <a:blip r:embed="rId2" cstate="print"/>
           <a:stretch>
             <a:fillRect/>
           </a:stretch>
@@ -26446,13 +26483,13 @@
   <p:clrMapOvr>
     <a:masterClrMapping/>
   </p:clrMapOvr>
-  <mc:AlternateContent xmlns:mc="http://schemas.openxmlformats.org/markup-compatibility/2006">
-    <mc:Choice xmlns:p14="http://schemas.microsoft.com/office/powerpoint/2010/main" Requires="p14">
+  <mc:AlternateContent xmlns:mc="http://schemas.openxmlformats.org/markup-compatibility/2006" xmlns:p14="http://schemas.microsoft.com/office/powerpoint/2010/main">
+    <mc:Choice Requires="p14">
       <p:transition spd="med" p14:dur="699">
         <p:fade/>
       </p:transition>
     </mc:Choice>
-    <mc:Fallback>
+    <mc:Fallback xmlns="">
       <p:transition spd="med">
         <p:fade/>
       </p:transition>
@@ -26470,7 +26507,14 @@
         <p:cNvGrpSpPr/>
         <p:nvPr/>
       </p:nvGrpSpPr>
-      <p:grpSpPr/>
+      <p:grpSpPr>
+        <a:xfrm>
+          <a:off x="0" y="0"/>
+          <a:ext cx="0" cy="0"/>
+          <a:chOff x="0" y="0"/>
+          <a:chExt cx="0" cy="0"/>
+        </a:xfrm>
+      </p:grpSpPr>
       <p:sp>
         <p:nvSpPr>
           <p:cNvPr id="2" name="文本框 1"/>
@@ -26491,6 +26535,7 @@
           <a:bodyPr wrap="square" rtlCol="0">
             <a:spAutoFit/>
           </a:bodyPr>
+          <a:lstStyle/>
           <a:p>
             <a:r>
               <a:rPr sz="2400" dirty="0">
@@ -26640,7 +26685,7 @@
           <p:nvPr/>
         </p:nvPicPr>
         <p:blipFill>
-          <a:blip r:embed="rId1" cstate="print"/>
+          <a:blip r:embed="rId2" cstate="print"/>
           <a:stretch>
             <a:fillRect/>
           </a:stretch>
@@ -26664,7 +26709,7 @@
           <p:nvPr/>
         </p:nvPicPr>
         <p:blipFill>
-          <a:blip r:embed="rId2" cstate="print"/>
+          <a:blip r:embed="rId3" cstate="print"/>
           <a:stretch>
             <a:fillRect/>
           </a:stretch>
@@ -26684,13 +26729,13 @@
   <p:clrMapOvr>
     <a:masterClrMapping/>
   </p:clrMapOvr>
-  <mc:AlternateContent xmlns:mc="http://schemas.openxmlformats.org/markup-compatibility/2006">
-    <mc:Choice xmlns:p14="http://schemas.microsoft.com/office/powerpoint/2010/main" Requires="p14">
+  <mc:AlternateContent xmlns:mc="http://schemas.openxmlformats.org/markup-compatibility/2006" xmlns:p14="http://schemas.microsoft.com/office/powerpoint/2010/main">
+    <mc:Choice Requires="p14">
       <p:transition spd="med" p14:dur="699">
         <p:fade/>
       </p:transition>
     </mc:Choice>
-    <mc:Fallback>
+    <mc:Fallback xmlns="">
       <p:transition spd="med">
         <p:fade/>
       </p:transition>
@@ -26973,11 +27018,6 @@
               </a:rPr>
               <a:t>年推出的一门高级编程语言。</a:t>
             </a:r>
-            <a:endParaRPr lang="zh-CN" altLang="en-US" sz="2400" dirty="0">
-              <a:latin typeface="+mn-lt"/>
-              <a:ea typeface="宋体" panose="02010600030101010101" pitchFamily="2" charset="-122"/>
-              <a:cs typeface="Times New Roman" panose="02020603050405020304" pitchFamily="18" charset="0"/>
-            </a:endParaRPr>
           </a:p>
           <a:p>
             <a:pPr marL="1028700" lvl="1" indent="0" eaLnBrk="1" hangingPunct="1">
@@ -27001,7 +27041,7 @@
                 <a:ea typeface="宋体" panose="02010600030101010101" pitchFamily="2" charset="-122"/>
                 <a:cs typeface="Times New Roman" panose="02020603050405020304" pitchFamily="18" charset="0"/>
               </a:rPr>
-              <a:t>，SUN发布JDK 1.0，98年，JDK1.2，后续JDK1.3， 1.4，1.5（更名为Java5.0）最新为JDK1</a:t>
+              <a:t>，SUN发布JDK 1.0，98年，JDK1.2，后续JDK1.3， 1.4，1.5（更名为Java5.0）最新为</a:t>
             </a:r>
             <a:r>
               <a:rPr lang="zh-CN" altLang="en-US" sz="2000" dirty="0" smtClean="0">
@@ -27009,18 +27049,18 @@
                 <a:ea typeface="宋体" panose="02010600030101010101" pitchFamily="2" charset="-122"/>
                 <a:cs typeface="Times New Roman" panose="02020603050405020304" pitchFamily="18" charset="0"/>
               </a:rPr>
-              <a:t>.</a:t>
-            </a:r>
-            <a:r>
-              <a:rPr lang="en-US" altLang="zh-CN" sz="2000" dirty="0" smtClean="0">
+              <a:t>JDK</a:t>
+            </a:r>
+            <a:r>
+              <a:rPr lang="en-US" altLang="zh-CN" sz="2000" smtClean="0">
                 <a:latin typeface="+mn-lt"/>
                 <a:ea typeface="宋体" panose="02010600030101010101" pitchFamily="2" charset="-122"/>
                 <a:cs typeface="Times New Roman" panose="02020603050405020304" pitchFamily="18" charset="0"/>
               </a:rPr>
-              <a:t>13</a:t>
-            </a:r>
-            <a:r>
-              <a:rPr lang="zh-CN" altLang="en-US" sz="2000" dirty="0" smtClean="0">
+              <a:t>14</a:t>
+            </a:r>
+            <a:r>
+              <a:rPr lang="zh-CN" altLang="en-US" sz="2000" smtClean="0">
                 <a:latin typeface="+mn-lt"/>
                 <a:ea typeface="宋体" panose="02010600030101010101" pitchFamily="2" charset="-122"/>
                 <a:cs typeface="Times New Roman" panose="02020603050405020304" pitchFamily="18" charset="0"/>
@@ -27073,11 +27113,6 @@
               </a:rPr>
               <a:t>的编程语言。</a:t>
             </a:r>
-            <a:endParaRPr lang="zh-CN" altLang="en-US" sz="2400" dirty="0">
-              <a:latin typeface="+mn-lt"/>
-              <a:ea typeface="宋体" panose="02010600030101010101" pitchFamily="2" charset="-122"/>
-              <a:cs typeface="Times New Roman" panose="02020603050405020304" pitchFamily="18" charset="0"/>
-            </a:endParaRPr>
           </a:p>
           <a:p>
             <a:pPr indent="0" eaLnBrk="1" hangingPunct="1">
@@ -27151,11 +27186,6 @@
               </a:rPr>
               <a:t>应用程序的首选开发语言。</a:t>
             </a:r>
-            <a:endParaRPr lang="zh-CN" altLang="en-US" sz="2400" dirty="0">
-              <a:latin typeface="+mn-lt"/>
-              <a:ea typeface="宋体" panose="02010600030101010101" pitchFamily="2" charset="-122"/>
-              <a:cs typeface="Times New Roman" panose="02020603050405020304" pitchFamily="18" charset="0"/>
-            </a:endParaRPr>
           </a:p>
         </p:txBody>
       </p:sp>
@@ -27186,7 +27216,14 @@
         <p:cNvGrpSpPr/>
         <p:nvPr/>
       </p:nvGrpSpPr>
-      <p:grpSpPr/>
+      <p:grpSpPr>
+        <a:xfrm>
+          <a:off x="0" y="0"/>
+          <a:ext cx="0" cy="0"/>
+          <a:chOff x="0" y="0"/>
+          <a:chExt cx="0" cy="0"/>
+        </a:xfrm>
+      </p:grpSpPr>
       <p:sp>
         <p:nvSpPr>
           <p:cNvPr id="2" name="文本框 1"/>
@@ -27207,6 +27244,7 @@
           <a:bodyPr wrap="square" rtlCol="0">
             <a:spAutoFit/>
           </a:bodyPr>
+          <a:lstStyle/>
           <a:p>
             <a:r>
               <a:rPr sz="2400" dirty="0">
@@ -27263,10 +27301,6 @@
               </a:rPr>
               <a:t>启动页面</a:t>
             </a:r>
-            <a:endParaRPr sz="2100">
-              <a:latin typeface="宋体" panose="02010600030101010101" pitchFamily="2" charset="-122"/>
-              <a:cs typeface="宋体" panose="02010600030101010101" pitchFamily="2" charset="-122"/>
-            </a:endParaRPr>
           </a:p>
           <a:p>
             <a:pPr>
@@ -27321,7 +27355,7 @@
           <p:nvPr/>
         </p:nvPicPr>
         <p:blipFill>
-          <a:blip r:embed="rId1" cstate="print"/>
+          <a:blip r:embed="rId2" cstate="print"/>
           <a:stretch>
             <a:fillRect/>
           </a:stretch>
@@ -27341,13 +27375,13 @@
   <p:clrMapOvr>
     <a:masterClrMapping/>
   </p:clrMapOvr>
-  <mc:AlternateContent xmlns:mc="http://schemas.openxmlformats.org/markup-compatibility/2006">
-    <mc:Choice xmlns:p14="http://schemas.microsoft.com/office/powerpoint/2010/main" Requires="p14">
+  <mc:AlternateContent xmlns:mc="http://schemas.openxmlformats.org/markup-compatibility/2006" xmlns:p14="http://schemas.microsoft.com/office/powerpoint/2010/main">
+    <mc:Choice Requires="p14">
       <p:transition spd="med" p14:dur="699">
         <p:fade/>
       </p:transition>
     </mc:Choice>
-    <mc:Fallback>
+    <mc:Fallback xmlns="">
       <p:transition spd="med">
         <p:fade/>
       </p:transition>
@@ -27365,7 +27399,14 @@
         <p:cNvGrpSpPr/>
         <p:nvPr/>
       </p:nvGrpSpPr>
-      <p:grpSpPr/>
+      <p:grpSpPr>
+        <a:xfrm>
+          <a:off x="0" y="0"/>
+          <a:ext cx="0" cy="0"/>
+          <a:chOff x="0" y="0"/>
+          <a:chExt cx="0" cy="0"/>
+        </a:xfrm>
+      </p:grpSpPr>
       <p:sp>
         <p:nvSpPr>
           <p:cNvPr id="2" name="文本框 1"/>
@@ -27386,6 +27427,7 @@
           <a:bodyPr wrap="square" rtlCol="0">
             <a:spAutoFit/>
           </a:bodyPr>
+          <a:lstStyle/>
           <a:p>
             <a:r>
               <a:rPr sz="2400" dirty="0">
@@ -27397,13 +27439,6 @@
               </a:rPr>
               <a:t>创建 Java 工程</a:t>
             </a:r>
-            <a:endParaRPr sz="2400" dirty="0">
-              <a:solidFill>
-                <a:schemeClr val="tx1"/>
-              </a:solidFill>
-              <a:latin typeface="造字工房悦黑（非商用）常规体" pitchFamily="2" charset="-122"/>
-              <a:ea typeface="造字工房悦黑（非商用）常规体" pitchFamily="2" charset="-122"/>
-            </a:endParaRPr>
           </a:p>
           <a:p>
             <a:pPr>
@@ -27439,10 +27474,6 @@
               </a:rPr>
               <a:t>Import Project:导入一个现有的工程</a:t>
             </a:r>
-            <a:endParaRPr sz="1500">
-              <a:latin typeface="宋体" panose="02010600030101010101" pitchFamily="2" charset="-122"/>
-              <a:cs typeface="宋体" panose="02010600030101010101" pitchFamily="2" charset="-122"/>
-            </a:endParaRPr>
           </a:p>
           <a:p>
             <a:pPr>
@@ -27457,10 +27488,6 @@
               </a:rPr>
               <a:t>Open:打开一个已有工程。。</a:t>
             </a:r>
-            <a:endParaRPr sz="1500">
-              <a:latin typeface="宋体" panose="02010600030101010101" pitchFamily="2" charset="-122"/>
-              <a:cs typeface="宋体" panose="02010600030101010101" pitchFamily="2" charset="-122"/>
-            </a:endParaRPr>
           </a:p>
           <a:p>
             <a:pPr>
@@ -27475,10 +27502,6 @@
               </a:rPr>
               <a:t>Check out from Version Control:</a:t>
             </a:r>
-            <a:endParaRPr sz="1500">
-              <a:latin typeface="宋体" panose="02010600030101010101" pitchFamily="2" charset="-122"/>
-              <a:cs typeface="宋体" panose="02010600030101010101" pitchFamily="2" charset="-122"/>
-            </a:endParaRPr>
           </a:p>
           <a:p>
             <a:pPr>
@@ -27493,10 +27516,6 @@
               </a:rPr>
               <a:t>可以通过服务器上的项目地址 check out Github</a:t>
             </a:r>
-            <a:endParaRPr sz="1500">
-              <a:latin typeface="宋体" panose="02010600030101010101" pitchFamily="2" charset="-122"/>
-              <a:cs typeface="宋体" panose="02010600030101010101" pitchFamily="2" charset="-122"/>
-            </a:endParaRPr>
           </a:p>
           <a:p>
             <a:pPr>
@@ -27569,7 +27588,7 @@
           <p:nvPr/>
         </p:nvPicPr>
         <p:blipFill>
-          <a:blip r:embed="rId1" cstate="print"/>
+          <a:blip r:embed="rId2" cstate="print"/>
           <a:stretch>
             <a:fillRect/>
           </a:stretch>
@@ -27589,13 +27608,13 @@
   <p:clrMapOvr>
     <a:masterClrMapping/>
   </p:clrMapOvr>
-  <mc:AlternateContent xmlns:mc="http://schemas.openxmlformats.org/markup-compatibility/2006">
-    <mc:Choice xmlns:p14="http://schemas.microsoft.com/office/powerpoint/2010/main" Requires="p14">
+  <mc:AlternateContent xmlns:mc="http://schemas.openxmlformats.org/markup-compatibility/2006" xmlns:p14="http://schemas.microsoft.com/office/powerpoint/2010/main">
+    <mc:Choice Requires="p14">
       <p:transition spd="med" p14:dur="699">
         <p:fade/>
       </p:transition>
     </mc:Choice>
-    <mc:Fallback>
+    <mc:Fallback xmlns="">
       <p:transition spd="med">
         <p:fade/>
       </p:transition>
@@ -27613,7 +27632,14 @@
         <p:cNvGrpSpPr/>
         <p:nvPr/>
       </p:nvGrpSpPr>
-      <p:grpSpPr/>
+      <p:grpSpPr>
+        <a:xfrm>
+          <a:off x="0" y="0"/>
+          <a:ext cx="0" cy="0"/>
+          <a:chOff x="0" y="0"/>
+          <a:chExt cx="0" cy="0"/>
+        </a:xfrm>
+      </p:grpSpPr>
       <p:sp>
         <p:nvSpPr>
           <p:cNvPr id="2" name="文本框 1"/>
@@ -27634,6 +27660,7 @@
           <a:bodyPr wrap="square" rtlCol="0">
             <a:spAutoFit/>
           </a:bodyPr>
+          <a:lstStyle/>
           <a:p>
             <a:r>
               <a:rPr sz="2400" dirty="0">
@@ -27642,10 +27669,6 @@
               </a:rPr>
               <a:t>创建 Java 工程</a:t>
             </a:r>
-            <a:endParaRPr sz="2400" dirty="0">
-              <a:latin typeface="造字工房悦黑（非商用）常规体" pitchFamily="2" charset="-122"/>
-              <a:ea typeface="造字工房悦黑（非商用）常规体" pitchFamily="2" charset="-122"/>
-            </a:endParaRPr>
           </a:p>
           <a:p>
             <a:pPr>
@@ -27660,10 +27683,6 @@
               </a:rPr>
               <a:t>选择New：选择 jdk 的安装路径所在位置</a:t>
             </a:r>
-            <a:endParaRPr sz="1500">
-              <a:latin typeface="宋体" panose="02010600030101010101" pitchFamily="2" charset="-122"/>
-              <a:cs typeface="宋体" panose="02010600030101010101" pitchFamily="2" charset="-122"/>
-            </a:endParaRPr>
           </a:p>
           <a:p>
             <a:pPr>
@@ -27678,10 +27697,6 @@
               </a:rPr>
               <a:t>如果要创建Web 工程，则需要勾选上面的</a:t>
             </a:r>
-            <a:endParaRPr sz="1500">
-              <a:latin typeface="宋体" panose="02010600030101010101" pitchFamily="2" charset="-122"/>
-              <a:cs typeface="宋体" panose="02010600030101010101" pitchFamily="2" charset="-122"/>
-            </a:endParaRPr>
           </a:p>
           <a:p>
             <a:pPr>
@@ -27696,10 +27711,6 @@
               </a:rPr>
               <a:t> Web Application。如果不需要创建 Web</a:t>
             </a:r>
-            <a:endParaRPr sz="1500">
-              <a:latin typeface="宋体" panose="02010600030101010101" pitchFamily="2" charset="-122"/>
-              <a:cs typeface="宋体" panose="02010600030101010101" pitchFamily="2" charset="-122"/>
-            </a:endParaRPr>
           </a:p>
           <a:p>
             <a:pPr>
@@ -27714,10 +27725,6 @@
               </a:rPr>
               <a:t>工程的话，则不需要勾选。</a:t>
             </a:r>
-            <a:endParaRPr sz="1500">
-              <a:latin typeface="宋体" panose="02010600030101010101" pitchFamily="2" charset="-122"/>
-              <a:cs typeface="宋体" panose="02010600030101010101" pitchFamily="2" charset="-122"/>
-            </a:endParaRPr>
           </a:p>
           <a:p>
             <a:pPr>
@@ -27732,18 +27739,14 @@
               </a:rPr>
               <a:t>这里先不勾选，只是创建简单的 Java 工程。</a:t>
             </a:r>
+          </a:p>
+          <a:p>
             <a:endParaRPr sz="1500">
               <a:latin typeface="宋体" panose="02010600030101010101" pitchFamily="2" charset="-122"/>
               <a:cs typeface="宋体" panose="02010600030101010101" pitchFamily="2" charset="-122"/>
             </a:endParaRPr>
           </a:p>
           <a:p>
-            <a:endParaRPr sz="1500">
-              <a:latin typeface="宋体" panose="02010600030101010101" pitchFamily="2" charset="-122"/>
-              <a:cs typeface="宋体" panose="02010600030101010101" pitchFamily="2" charset="-122"/>
-            </a:endParaRPr>
-          </a:p>
-          <a:p>
             <a:r>
               <a:rPr sz="1500">
                 <a:latin typeface="宋体" panose="02010600030101010101" pitchFamily="2" charset="-122"/>
@@ -27751,10 +27754,6 @@
               </a:rPr>
               <a:t>	</a:t>
             </a:r>
-            <a:endParaRPr sz="1500">
-              <a:latin typeface="宋体" panose="02010600030101010101" pitchFamily="2" charset="-122"/>
-              <a:cs typeface="宋体" panose="02010600030101010101" pitchFamily="2" charset="-122"/>
-            </a:endParaRPr>
           </a:p>
         </p:txBody>
       </p:sp>
@@ -27805,7 +27804,7 @@
             <p:nvPr/>
           </p:nvPicPr>
           <p:blipFill>
-            <a:blip r:embed="rId1"/>
+            <a:blip r:embed="rId2"/>
             <a:stretch>
               <a:fillRect/>
             </a:stretch>
@@ -27830,13 +27829,13 @@
   <p:clrMapOvr>
     <a:masterClrMapping/>
   </p:clrMapOvr>
-  <mc:AlternateContent xmlns:mc="http://schemas.openxmlformats.org/markup-compatibility/2006">
-    <mc:Choice xmlns:p14="http://schemas.microsoft.com/office/powerpoint/2010/main" Requires="p14">
+  <mc:AlternateContent xmlns:mc="http://schemas.openxmlformats.org/markup-compatibility/2006" xmlns:p14="http://schemas.microsoft.com/office/powerpoint/2010/main">
+    <mc:Choice Requires="p14">
       <p:transition spd="med" p14:dur="699">
         <p:fade/>
       </p:transition>
     </mc:Choice>
-    <mc:Fallback>
+    <mc:Fallback xmlns="">
       <p:transition spd="med">
         <p:fade/>
       </p:transition>
@@ -27854,7 +27853,14 @@
         <p:cNvGrpSpPr/>
         <p:nvPr/>
       </p:nvGrpSpPr>
-      <p:grpSpPr/>
+      <p:grpSpPr>
+        <a:xfrm>
+          <a:off x="0" y="0"/>
+          <a:ext cx="0" cy="0"/>
+          <a:chOff x="0" y="0"/>
+          <a:chExt cx="0" cy="0"/>
+        </a:xfrm>
+      </p:grpSpPr>
       <p:sp>
         <p:nvSpPr>
           <p:cNvPr id="2" name="文本框 1"/>
@@ -27875,6 +27881,7 @@
           <a:bodyPr wrap="square" rtlCol="0">
             <a:spAutoFit/>
           </a:bodyPr>
+          <a:lstStyle/>
           <a:p>
             <a:r>
               <a:rPr sz="2400" dirty="0">
@@ -27883,10 +27890,6 @@
               </a:rPr>
               <a:t>创建 Java 工程</a:t>
             </a:r>
-            <a:endParaRPr sz="2400" dirty="0">
-              <a:latin typeface="造字工房悦黑（非商用）常规体" pitchFamily="2" charset="-122"/>
-              <a:ea typeface="造字工房悦黑（非商用）常规体" pitchFamily="2" charset="-122"/>
-            </a:endParaRPr>
           </a:p>
           <a:p>
             <a:pPr>
@@ -27913,10 +27916,6 @@
               </a:rPr>
               <a:t>	</a:t>
             </a:r>
-            <a:endParaRPr sz="1500">
-              <a:latin typeface="宋体" panose="02010600030101010101" pitchFamily="2" charset="-122"/>
-              <a:cs typeface="宋体" panose="02010600030101010101" pitchFamily="2" charset="-122"/>
-            </a:endParaRPr>
           </a:p>
         </p:txBody>
       </p:sp>
@@ -27929,7 +27928,7 @@
           <p:nvPr/>
         </p:nvPicPr>
         <p:blipFill>
-          <a:blip r:embed="rId1" cstate="print"/>
+          <a:blip r:embed="rId2" cstate="print"/>
           <a:stretch>
             <a:fillRect/>
           </a:stretch>
@@ -27953,7 +27952,7 @@
           <p:nvPr/>
         </p:nvPicPr>
         <p:blipFill>
-          <a:blip r:embed="rId2" cstate="print"/>
+          <a:blip r:embed="rId3" cstate="print"/>
           <a:stretch>
             <a:fillRect/>
           </a:stretch>
@@ -27973,13 +27972,13 @@
   <p:clrMapOvr>
     <a:masterClrMapping/>
   </p:clrMapOvr>
-  <mc:AlternateContent xmlns:mc="http://schemas.openxmlformats.org/markup-compatibility/2006">
-    <mc:Choice xmlns:p14="http://schemas.microsoft.com/office/powerpoint/2010/main" Requires="p14">
+  <mc:AlternateContent xmlns:mc="http://schemas.openxmlformats.org/markup-compatibility/2006" xmlns:p14="http://schemas.microsoft.com/office/powerpoint/2010/main">
+    <mc:Choice Requires="p14">
       <p:transition spd="med" p14:dur="699">
         <p:fade/>
       </p:transition>
     </mc:Choice>
-    <mc:Fallback>
+    <mc:Fallback xmlns="">
       <p:transition spd="med">
         <p:fade/>
       </p:transition>
@@ -27997,7 +27996,14 @@
         <p:cNvGrpSpPr/>
         <p:nvPr/>
       </p:nvGrpSpPr>
-      <p:grpSpPr/>
+      <p:grpSpPr>
+        <a:xfrm>
+          <a:off x="0" y="0"/>
+          <a:ext cx="0" cy="0"/>
+          <a:chOff x="0" y="0"/>
+          <a:chExt cx="0" cy="0"/>
+        </a:xfrm>
+      </p:grpSpPr>
       <p:sp>
         <p:nvSpPr>
           <p:cNvPr id="2" name="文本框 1"/>
@@ -28018,6 +28024,7 @@
           <a:bodyPr wrap="square" rtlCol="0">
             <a:spAutoFit/>
           </a:bodyPr>
+          <a:lstStyle/>
           <a:p>
             <a:r>
               <a:rPr sz="2400" dirty="0">
@@ -28026,10 +28033,6 @@
               </a:rPr>
               <a:t>创建 Java 工程</a:t>
             </a:r>
-            <a:endParaRPr sz="2400" dirty="0">
-              <a:latin typeface="造字工房悦黑（非商用）常规体" pitchFamily="2" charset="-122"/>
-              <a:ea typeface="造字工房悦黑（非商用）常规体" pitchFamily="2" charset="-122"/>
-            </a:endParaRPr>
           </a:p>
           <a:p>
             <a:pPr>
@@ -28044,18 +28047,14 @@
               </a:rPr>
               <a:t>点击 OK 即可</a:t>
             </a:r>
+          </a:p>
+          <a:p>
             <a:endParaRPr sz="1500">
               <a:latin typeface="宋体" panose="02010600030101010101" pitchFamily="2" charset="-122"/>
               <a:cs typeface="宋体" panose="02010600030101010101" pitchFamily="2" charset="-122"/>
             </a:endParaRPr>
           </a:p>
           <a:p>
-            <a:endParaRPr sz="1500">
-              <a:latin typeface="宋体" panose="02010600030101010101" pitchFamily="2" charset="-122"/>
-              <a:cs typeface="宋体" panose="02010600030101010101" pitchFamily="2" charset="-122"/>
-            </a:endParaRPr>
-          </a:p>
-          <a:p>
             <a:r>
               <a:rPr sz="1500">
                 <a:latin typeface="宋体" panose="02010600030101010101" pitchFamily="2" charset="-122"/>
@@ -28063,10 +28062,6 @@
               </a:rPr>
               <a:t>	</a:t>
             </a:r>
-            <a:endParaRPr sz="1500">
-              <a:latin typeface="宋体" panose="02010600030101010101" pitchFamily="2" charset="-122"/>
-              <a:cs typeface="宋体" panose="02010600030101010101" pitchFamily="2" charset="-122"/>
-            </a:endParaRPr>
           </a:p>
         </p:txBody>
       </p:sp>
@@ -28079,7 +28074,7 @@
           <p:nvPr/>
         </p:nvPicPr>
         <p:blipFill>
-          <a:blip r:embed="rId1" cstate="print"/>
+          <a:blip r:embed="rId2" cstate="print"/>
           <a:stretch>
             <a:fillRect/>
           </a:stretch>
@@ -28099,13 +28094,13 @@
   <p:clrMapOvr>
     <a:masterClrMapping/>
   </p:clrMapOvr>
-  <mc:AlternateContent xmlns:mc="http://schemas.openxmlformats.org/markup-compatibility/2006">
-    <mc:Choice xmlns:p14="http://schemas.microsoft.com/office/powerpoint/2010/main" Requires="p14">
+  <mc:AlternateContent xmlns:mc="http://schemas.openxmlformats.org/markup-compatibility/2006" xmlns:p14="http://schemas.microsoft.com/office/powerpoint/2010/main">
+    <mc:Choice Requires="p14">
       <p:transition spd="med" p14:dur="699">
         <p:fade/>
       </p:transition>
     </mc:Choice>
-    <mc:Fallback>
+    <mc:Fallback xmlns="">
       <p:transition spd="med">
         <p:fade/>
       </p:transition>
@@ -28123,7 +28118,14 @@
         <p:cNvGrpSpPr/>
         <p:nvPr/>
       </p:nvGrpSpPr>
-      <p:grpSpPr/>
+      <p:grpSpPr>
+        <a:xfrm>
+          <a:off x="0" y="0"/>
+          <a:ext cx="0" cy="0"/>
+          <a:chOff x="0" y="0"/>
+          <a:chExt cx="0" cy="0"/>
+        </a:xfrm>
+      </p:grpSpPr>
       <p:sp>
         <p:nvSpPr>
           <p:cNvPr id="2" name="文本框 1"/>
@@ -28144,6 +28146,7 @@
           <a:bodyPr wrap="square" rtlCol="0">
             <a:spAutoFit/>
           </a:bodyPr>
+          <a:lstStyle/>
           <a:p>
             <a:r>
               <a:rPr sz="2400" dirty="0">
@@ -28152,10 +28155,6 @@
               </a:rPr>
               <a:t>设置显示常见的视图</a:t>
             </a:r>
-            <a:endParaRPr sz="2400" dirty="0">
-              <a:latin typeface="造字工房悦黑（非商用）常规体" pitchFamily="2" charset="-122"/>
-              <a:ea typeface="造字工房悦黑（非商用）常规体" pitchFamily="2" charset="-122"/>
-            </a:endParaRPr>
           </a:p>
           <a:p>
             <a:pPr>
@@ -28182,10 +28181,6 @@
               </a:rPr>
               <a:t>	</a:t>
             </a:r>
-            <a:endParaRPr sz="1500">
-              <a:latin typeface="宋体" panose="02010600030101010101" pitchFamily="2" charset="-122"/>
-              <a:cs typeface="宋体" panose="02010600030101010101" pitchFamily="2" charset="-122"/>
-            </a:endParaRPr>
           </a:p>
         </p:txBody>
       </p:sp>
@@ -28198,7 +28193,7 @@
           <p:nvPr/>
         </p:nvPicPr>
         <p:blipFill>
-          <a:blip r:embed="rId1" cstate="print"/>
+          <a:blip r:embed="rId2" cstate="print"/>
           <a:stretch>
             <a:fillRect/>
           </a:stretch>
@@ -28236,6 +28231,7 @@
           <a:bodyPr>
             <a:spAutoFit/>
           </a:bodyPr>
+          <a:lstStyle/>
           <a:p>
             <a:pPr indent="0"/>
             <a:r>
@@ -28255,13 +28251,13 @@
   <p:clrMapOvr>
     <a:masterClrMapping/>
   </p:clrMapOvr>
-  <mc:AlternateContent xmlns:mc="http://schemas.openxmlformats.org/markup-compatibility/2006">
-    <mc:Choice xmlns:p14="http://schemas.microsoft.com/office/powerpoint/2010/main" Requires="p14">
+  <mc:AlternateContent xmlns:mc="http://schemas.openxmlformats.org/markup-compatibility/2006" xmlns:p14="http://schemas.microsoft.com/office/powerpoint/2010/main">
+    <mc:Choice Requires="p14">
       <p:transition spd="med" p14:dur="699">
         <p:fade/>
       </p:transition>
     </mc:Choice>
-    <mc:Fallback>
+    <mc:Fallback xmlns="">
       <p:transition spd="med">
         <p:fade/>
       </p:transition>
@@ -28279,7 +28275,14 @@
         <p:cNvGrpSpPr/>
         <p:nvPr/>
       </p:nvGrpSpPr>
-      <p:grpSpPr/>
+      <p:grpSpPr>
+        <a:xfrm>
+          <a:off x="0" y="0"/>
+          <a:ext cx="0" cy="0"/>
+          <a:chOff x="0" y="0"/>
+          <a:chExt cx="0" cy="0"/>
+        </a:xfrm>
+      </p:grpSpPr>
       <p:sp>
         <p:nvSpPr>
           <p:cNvPr id="2" name="文本框 1"/>
@@ -28300,6 +28303,7 @@
           <a:bodyPr wrap="square" rtlCol="0">
             <a:spAutoFit/>
           </a:bodyPr>
+          <a:lstStyle/>
           <a:p>
             <a:r>
               <a:rPr sz="2400" dirty="0">
@@ -28308,10 +28312,6 @@
               </a:rPr>
               <a:t>工程界面展示</a:t>
             </a:r>
-            <a:endParaRPr sz="2400" dirty="0">
-              <a:latin typeface="造字工房悦黑（非商用）常规体" pitchFamily="2" charset="-122"/>
-              <a:ea typeface="造字工房悦黑（非商用）常规体" pitchFamily="2" charset="-122"/>
-            </a:endParaRPr>
           </a:p>
           <a:p>
             <a:pPr>
@@ -28338,10 +28338,6 @@
               </a:rPr>
               <a:t>	</a:t>
             </a:r>
-            <a:endParaRPr sz="1500">
-              <a:latin typeface="宋体" panose="02010600030101010101" pitchFamily="2" charset="-122"/>
-              <a:cs typeface="宋体" panose="02010600030101010101" pitchFamily="2" charset="-122"/>
-            </a:endParaRPr>
           </a:p>
         </p:txBody>
       </p:sp>
@@ -28354,7 +28350,7 @@
           <p:nvPr/>
         </p:nvPicPr>
         <p:blipFill>
-          <a:blip r:embed="rId1" cstate="print"/>
+          <a:blip r:embed="rId2" cstate="print"/>
           <a:stretch>
             <a:fillRect/>
           </a:stretch>
@@ -28374,13 +28370,13 @@
   <p:clrMapOvr>
     <a:masterClrMapping/>
   </p:clrMapOvr>
-  <mc:AlternateContent xmlns:mc="http://schemas.openxmlformats.org/markup-compatibility/2006">
-    <mc:Choice xmlns:p14="http://schemas.microsoft.com/office/powerpoint/2010/main" Requires="p14">
+  <mc:AlternateContent xmlns:mc="http://schemas.openxmlformats.org/markup-compatibility/2006" xmlns:p14="http://schemas.microsoft.com/office/powerpoint/2010/main">
+    <mc:Choice Requires="p14">
       <p:transition spd="med" p14:dur="699">
         <p:fade/>
       </p:transition>
     </mc:Choice>
-    <mc:Fallback>
+    <mc:Fallback xmlns="">
       <p:transition spd="med">
         <p:fade/>
       </p:transition>
@@ -28398,7 +28394,14 @@
         <p:cNvGrpSpPr/>
         <p:nvPr/>
       </p:nvGrpSpPr>
-      <p:grpSpPr/>
+      <p:grpSpPr>
+        <a:xfrm>
+          <a:off x="0" y="0"/>
+          <a:ext cx="0" cy="0"/>
+          <a:chOff x="0" y="0"/>
+          <a:chExt cx="0" cy="0"/>
+        </a:xfrm>
+      </p:grpSpPr>
       <p:sp>
         <p:nvSpPr>
           <p:cNvPr id="2" name="文本框 1"/>
@@ -28419,6 +28422,7 @@
           <a:bodyPr wrap="square" rtlCol="0">
             <a:spAutoFit/>
           </a:bodyPr>
+          <a:lstStyle/>
           <a:p>
             <a:r>
               <a:rPr lang="zh-CN" sz="2400" dirty="0">
@@ -28427,10 +28431,6 @@
               </a:rPr>
               <a:t>常用配置</a:t>
             </a:r>
-            <a:endParaRPr lang="zh-CN" sz="2400" dirty="0">
-              <a:latin typeface="造字工房悦黑（非商用）常规体" pitchFamily="2" charset="-122"/>
-              <a:ea typeface="造字工房悦黑（非商用）常规体" pitchFamily="2" charset="-122"/>
-            </a:endParaRPr>
           </a:p>
           <a:p>
             <a:pPr>
@@ -28457,10 +28457,6 @@
               </a:rPr>
               <a:t>	</a:t>
             </a:r>
-            <a:endParaRPr sz="1500">
-              <a:latin typeface="宋体" panose="02010600030101010101" pitchFamily="2" charset="-122"/>
-              <a:cs typeface="宋体" panose="02010600030101010101" pitchFamily="2" charset="-122"/>
-            </a:endParaRPr>
           </a:p>
         </p:txBody>
       </p:sp>
@@ -28473,7 +28469,7 @@
           <p:nvPr/>
         </p:nvPicPr>
         <p:blipFill>
-          <a:blip r:embed="rId1" cstate="print"/>
+          <a:blip r:embed="rId2" cstate="print"/>
           <a:stretch>
             <a:fillRect/>
           </a:stretch>
@@ -28497,7 +28493,7 @@
           <p:nvPr/>
         </p:nvPicPr>
         <p:blipFill>
-          <a:blip r:embed="rId2" cstate="print"/>
+          <a:blip r:embed="rId3" cstate="print"/>
           <a:stretch>
             <a:fillRect/>
           </a:stretch>
@@ -28517,13 +28513,13 @@
   <p:clrMapOvr>
     <a:masterClrMapping/>
   </p:clrMapOvr>
-  <mc:AlternateContent xmlns:mc="http://schemas.openxmlformats.org/markup-compatibility/2006">
-    <mc:Choice xmlns:p14="http://schemas.microsoft.com/office/powerpoint/2010/main" Requires="p14">
+  <mc:AlternateContent xmlns:mc="http://schemas.openxmlformats.org/markup-compatibility/2006" xmlns:p14="http://schemas.microsoft.com/office/powerpoint/2010/main">
+    <mc:Choice Requires="p14">
       <p:transition spd="med" p14:dur="699">
         <p:fade/>
       </p:transition>
     </mc:Choice>
-    <mc:Fallback>
+    <mc:Fallback xmlns="">
       <p:transition spd="med">
         <p:fade/>
       </p:transition>
@@ -28541,7 +28537,14 @@
         <p:cNvGrpSpPr/>
         <p:nvPr/>
       </p:nvGrpSpPr>
-      <p:grpSpPr/>
+      <p:grpSpPr>
+        <a:xfrm>
+          <a:off x="0" y="0"/>
+          <a:ext cx="0" cy="0"/>
+          <a:chOff x="0" y="0"/>
+          <a:chExt cx="0" cy="0"/>
+        </a:xfrm>
+      </p:grpSpPr>
       <p:sp>
         <p:nvSpPr>
           <p:cNvPr id="2" name="文本框 1"/>
@@ -28562,6 +28565,7 @@
           <a:bodyPr wrap="square" rtlCol="0">
             <a:spAutoFit/>
           </a:bodyPr>
+          <a:lstStyle/>
           <a:p>
             <a:r>
               <a:rPr lang="zh-CN" sz="2400" dirty="0">
@@ -28570,10 +28574,6 @@
               </a:rPr>
               <a:t>设置自动导包功能</a:t>
             </a:r>
-            <a:endParaRPr lang="zh-CN" sz="2400" dirty="0">
-              <a:latin typeface="造字工房悦黑（非商用）常规体" pitchFamily="2" charset="-122"/>
-              <a:ea typeface="造字工房悦黑（非商用）常规体" pitchFamily="2" charset="-122"/>
-            </a:endParaRPr>
           </a:p>
           <a:p>
             <a:pPr>
@@ -28600,10 +28600,6 @@
               </a:rPr>
               <a:t>	</a:t>
             </a:r>
-            <a:endParaRPr sz="1500">
-              <a:latin typeface="宋体" panose="02010600030101010101" pitchFamily="2" charset="-122"/>
-              <a:cs typeface="宋体" panose="02010600030101010101" pitchFamily="2" charset="-122"/>
-            </a:endParaRPr>
           </a:p>
         </p:txBody>
       </p:sp>
@@ -28616,7 +28612,7 @@
           <p:nvPr/>
         </p:nvPicPr>
         <p:blipFill>
-          <a:blip r:embed="rId1" cstate="print"/>
+          <a:blip r:embed="rId2" cstate="print"/>
           <a:stretch>
             <a:fillRect/>
           </a:stretch>
@@ -28636,13 +28632,13 @@
   <p:clrMapOvr>
     <a:masterClrMapping/>
   </p:clrMapOvr>
-  <mc:AlternateContent xmlns:mc="http://schemas.openxmlformats.org/markup-compatibility/2006">
-    <mc:Choice xmlns:p14="http://schemas.microsoft.com/office/powerpoint/2010/main" Requires="p14">
+  <mc:AlternateContent xmlns:mc="http://schemas.openxmlformats.org/markup-compatibility/2006" xmlns:p14="http://schemas.microsoft.com/office/powerpoint/2010/main">
+    <mc:Choice Requires="p14">
       <p:transition spd="med" p14:dur="699">
         <p:fade/>
       </p:transition>
     </mc:Choice>
-    <mc:Fallback>
+    <mc:Fallback xmlns="">
       <p:transition spd="med">
         <p:fade/>
       </p:transition>
@@ -28660,7 +28656,14 @@
         <p:cNvGrpSpPr/>
         <p:nvPr/>
       </p:nvGrpSpPr>
-      <p:grpSpPr/>
+      <p:grpSpPr>
+        <a:xfrm>
+          <a:off x="0" y="0"/>
+          <a:ext cx="0" cy="0"/>
+          <a:chOff x="0" y="0"/>
+          <a:chExt cx="0" cy="0"/>
+        </a:xfrm>
+      </p:grpSpPr>
       <p:sp>
         <p:nvSpPr>
           <p:cNvPr id="2" name="文本框 1"/>
@@ -28681,6 +28684,7 @@
           <a:bodyPr wrap="square" rtlCol="0">
             <a:spAutoFit/>
           </a:bodyPr>
+          <a:lstStyle/>
           <a:p>
             <a:r>
               <a:rPr lang="zh-CN" sz="2400" dirty="0">
@@ -28689,10 +28693,6 @@
               </a:rPr>
               <a:t>设置显示行号和方法间的分隔符</a:t>
             </a:r>
-            <a:endParaRPr lang="zh-CN" sz="2400" dirty="0">
-              <a:latin typeface="造字工房悦黑（非商用）常规体" pitchFamily="2" charset="-122"/>
-              <a:ea typeface="造字工房悦黑（非商用）常规体" pitchFamily="2" charset="-122"/>
-            </a:endParaRPr>
           </a:p>
           <a:p>
             <a:pPr>
@@ -28719,10 +28719,6 @@
               </a:rPr>
               <a:t>	</a:t>
             </a:r>
-            <a:endParaRPr sz="1500">
-              <a:latin typeface="宋体" panose="02010600030101010101" pitchFamily="2" charset="-122"/>
-              <a:cs typeface="宋体" panose="02010600030101010101" pitchFamily="2" charset="-122"/>
-            </a:endParaRPr>
           </a:p>
         </p:txBody>
       </p:sp>
@@ -28735,7 +28731,7 @@
           <p:nvPr/>
         </p:nvPicPr>
         <p:blipFill>
-          <a:blip r:embed="rId1" cstate="print"/>
+          <a:blip r:embed="rId2" cstate="print"/>
           <a:stretch>
             <a:fillRect/>
           </a:stretch>
@@ -28755,13 +28751,13 @@
   <p:clrMapOvr>
     <a:masterClrMapping/>
   </p:clrMapOvr>
-  <mc:AlternateContent xmlns:mc="http://schemas.openxmlformats.org/markup-compatibility/2006">
-    <mc:Choice xmlns:p14="http://schemas.microsoft.com/office/powerpoint/2010/main" Requires="p14">
+  <mc:AlternateContent xmlns:mc="http://schemas.openxmlformats.org/markup-compatibility/2006" xmlns:p14="http://schemas.microsoft.com/office/powerpoint/2010/main">
+    <mc:Choice Requires="p14">
       <p:transition spd="med" p14:dur="699">
         <p:fade/>
       </p:transition>
     </mc:Choice>
-    <mc:Fallback>
+    <mc:Fallback xmlns="">
       <p:transition spd="med">
         <p:fade/>
       </p:transition>
@@ -28779,7 +28775,14 @@
         <p:cNvGrpSpPr/>
         <p:nvPr/>
       </p:nvGrpSpPr>
-      <p:grpSpPr/>
+      <p:grpSpPr>
+        <a:xfrm>
+          <a:off x="0" y="0"/>
+          <a:ext cx="0" cy="0"/>
+          <a:chOff x="0" y="0"/>
+          <a:chExt cx="0" cy="0"/>
+        </a:xfrm>
+      </p:grpSpPr>
       <p:sp>
         <p:nvSpPr>
           <p:cNvPr id="13313" name="文本占位符 1"/>
@@ -28793,6 +28796,7 @@
         <p:spPr/>
         <p:txBody>
           <a:bodyPr vert="horz" wrap="square" lIns="91440" tIns="45720" rIns="91440" bIns="45720" anchor="t"/>
+          <a:lstStyle/>
           <a:p>
             <a:pPr eaLnBrk="1" hangingPunct="1">
               <a:buClrTx/>
@@ -28815,11 +28819,6 @@
               </a:rPr>
               <a:t>平台</a:t>
             </a:r>
-            <a:endParaRPr lang="zh-CN" altLang="en-US" dirty="0">
-              <a:solidFill>
-                <a:schemeClr val="tx1"/>
-              </a:solidFill>
-            </a:endParaRPr>
           </a:p>
         </p:txBody>
       </p:sp>
@@ -28832,7 +28831,7 @@
           <p:nvPr/>
         </p:nvPicPr>
         <p:blipFill>
-          <a:blip r:embed="rId1"/>
+          <a:blip r:embed="rId2"/>
           <a:stretch>
             <a:fillRect/>
           </a:stretch>
@@ -28871,7 +28870,14 @@
         <p:cNvGrpSpPr/>
         <p:nvPr/>
       </p:nvGrpSpPr>
-      <p:grpSpPr/>
+      <p:grpSpPr>
+        <a:xfrm>
+          <a:off x="0" y="0"/>
+          <a:ext cx="0" cy="0"/>
+          <a:chOff x="0" y="0"/>
+          <a:chExt cx="0" cy="0"/>
+        </a:xfrm>
+      </p:grpSpPr>
       <p:sp>
         <p:nvSpPr>
           <p:cNvPr id="2" name="文本框 1"/>
@@ -28892,6 +28898,7 @@
           <a:bodyPr wrap="square" rtlCol="0">
             <a:spAutoFit/>
           </a:bodyPr>
+          <a:lstStyle/>
           <a:p>
             <a:r>
               <a:rPr lang="zh-CN" sz="2400" dirty="0">
@@ -28900,10 +28907,6 @@
               </a:rPr>
               <a:t>忽略大小写提示</a:t>
             </a:r>
-            <a:endParaRPr lang="zh-CN" sz="2400" dirty="0">
-              <a:latin typeface="造字工房悦黑（非商用）常规体" pitchFamily="2" charset="-122"/>
-              <a:ea typeface="造字工房悦黑（非商用）常规体" pitchFamily="2" charset="-122"/>
-            </a:endParaRPr>
           </a:p>
           <a:p>
             <a:pPr>
@@ -28930,10 +28933,6 @@
               </a:rPr>
               <a:t>	</a:t>
             </a:r>
-            <a:endParaRPr sz="1500">
-              <a:latin typeface="宋体" panose="02010600030101010101" pitchFamily="2" charset="-122"/>
-              <a:cs typeface="宋体" panose="02010600030101010101" pitchFamily="2" charset="-122"/>
-            </a:endParaRPr>
           </a:p>
         </p:txBody>
       </p:sp>
@@ -28946,7 +28945,7 @@
           <p:nvPr/>
         </p:nvPicPr>
         <p:blipFill>
-          <a:blip r:embed="rId1" cstate="print"/>
+          <a:blip r:embed="rId2" cstate="print"/>
           <a:stretch>
             <a:fillRect/>
           </a:stretch>
@@ -28966,13 +28965,13 @@
   <p:clrMapOvr>
     <a:masterClrMapping/>
   </p:clrMapOvr>
-  <mc:AlternateContent xmlns:mc="http://schemas.openxmlformats.org/markup-compatibility/2006">
-    <mc:Choice xmlns:p14="http://schemas.microsoft.com/office/powerpoint/2010/main" Requires="p14">
+  <mc:AlternateContent xmlns:mc="http://schemas.openxmlformats.org/markup-compatibility/2006" xmlns:p14="http://schemas.microsoft.com/office/powerpoint/2010/main">
+    <mc:Choice Requires="p14">
       <p:transition spd="med" p14:dur="699">
         <p:fade/>
       </p:transition>
     </mc:Choice>
-    <mc:Fallback>
+    <mc:Fallback xmlns="">
       <p:transition spd="med">
         <p:fade/>
       </p:transition>
@@ -28990,7 +28989,14 @@
         <p:cNvGrpSpPr/>
         <p:nvPr/>
       </p:nvGrpSpPr>
-      <p:grpSpPr/>
+      <p:grpSpPr>
+        <a:xfrm>
+          <a:off x="0" y="0"/>
+          <a:ext cx="0" cy="0"/>
+          <a:chOff x="0" y="0"/>
+          <a:chExt cx="0" cy="0"/>
+        </a:xfrm>
+      </p:grpSpPr>
       <p:sp>
         <p:nvSpPr>
           <p:cNvPr id="2" name="文本框 1"/>
@@ -29011,6 +29017,7 @@
           <a:bodyPr wrap="square" rtlCol="0">
             <a:spAutoFit/>
           </a:bodyPr>
+          <a:lstStyle/>
           <a:p>
             <a:r>
               <a:rPr lang="zh-CN" sz="2400" dirty="0">
@@ -29019,10 +29026,6 @@
               </a:rPr>
               <a:t>设置默认的字体、字体大小、字体行间距</a:t>
             </a:r>
-            <a:endParaRPr lang="zh-CN" sz="2400" dirty="0">
-              <a:latin typeface="造字工房悦黑（非商用）常规体" pitchFamily="2" charset="-122"/>
-              <a:ea typeface="造字工房悦黑（非商用）常规体" pitchFamily="2" charset="-122"/>
-            </a:endParaRPr>
           </a:p>
           <a:p>
             <a:pPr>
@@ -29049,10 +29052,6 @@
               </a:rPr>
               <a:t>	</a:t>
             </a:r>
-            <a:endParaRPr sz="1500">
-              <a:latin typeface="宋体" panose="02010600030101010101" pitchFamily="2" charset="-122"/>
-              <a:cs typeface="宋体" panose="02010600030101010101" pitchFamily="2" charset="-122"/>
-            </a:endParaRPr>
           </a:p>
         </p:txBody>
       </p:sp>
@@ -29065,7 +29064,7 @@
           <p:nvPr/>
         </p:nvPicPr>
         <p:blipFill>
-          <a:blip r:embed="rId1" cstate="print"/>
+          <a:blip r:embed="rId2" cstate="print"/>
           <a:stretch>
             <a:fillRect/>
           </a:stretch>
@@ -29085,13 +29084,13 @@
   <p:clrMapOvr>
     <a:masterClrMapping/>
   </p:clrMapOvr>
-  <mc:AlternateContent xmlns:mc="http://schemas.openxmlformats.org/markup-compatibility/2006">
-    <mc:Choice xmlns:p14="http://schemas.microsoft.com/office/powerpoint/2010/main" Requires="p14">
+  <mc:AlternateContent xmlns:mc="http://schemas.openxmlformats.org/markup-compatibility/2006" xmlns:p14="http://schemas.microsoft.com/office/powerpoint/2010/main">
+    <mc:Choice Requires="p14">
       <p:transition spd="med" p14:dur="699">
         <p:fade/>
       </p:transition>
     </mc:Choice>
-    <mc:Fallback>
+    <mc:Fallback xmlns="">
       <p:transition spd="med">
         <p:fade/>
       </p:transition>
@@ -29109,7 +29108,14 @@
         <p:cNvGrpSpPr/>
         <p:nvPr/>
       </p:nvGrpSpPr>
-      <p:grpSpPr/>
+      <p:grpSpPr>
+        <a:xfrm>
+          <a:off x="0" y="0"/>
+          <a:ext cx="0" cy="0"/>
+          <a:chOff x="0" y="0"/>
+          <a:chExt cx="0" cy="0"/>
+        </a:xfrm>
+      </p:grpSpPr>
       <p:sp>
         <p:nvSpPr>
           <p:cNvPr id="2" name="文本框 1"/>
@@ -29130,6 +29136,7 @@
           <a:bodyPr wrap="square" rtlCol="0">
             <a:spAutoFit/>
           </a:bodyPr>
+          <a:lstStyle/>
           <a:p>
             <a:r>
               <a:rPr lang="zh-CN" sz="2400" dirty="0">
@@ -29138,10 +29145,6 @@
               </a:rPr>
               <a:t>设置项目文件编码</a:t>
             </a:r>
-            <a:endParaRPr lang="zh-CN" sz="2400" dirty="0">
-              <a:latin typeface="造字工房悦黑（非商用）常规体" pitchFamily="2" charset="-122"/>
-              <a:ea typeface="造字工房悦黑（非商用）常规体" pitchFamily="2" charset="-122"/>
-            </a:endParaRPr>
           </a:p>
           <a:p>
             <a:pPr>
@@ -29168,10 +29171,6 @@
               </a:rPr>
               <a:t>	</a:t>
             </a:r>
-            <a:endParaRPr sz="1500">
-              <a:latin typeface="宋体" panose="02010600030101010101" pitchFamily="2" charset="-122"/>
-              <a:cs typeface="宋体" panose="02010600030101010101" pitchFamily="2" charset="-122"/>
-            </a:endParaRPr>
           </a:p>
         </p:txBody>
       </p:sp>
@@ -29184,7 +29183,7 @@
           <p:nvPr/>
         </p:nvPicPr>
         <p:blipFill>
-          <a:blip r:embed="rId1" cstate="print"/>
+          <a:blip r:embed="rId2" cstate="print"/>
           <a:stretch>
             <a:fillRect/>
           </a:stretch>
@@ -29204,13 +29203,13 @@
   <p:clrMapOvr>
     <a:masterClrMapping/>
   </p:clrMapOvr>
-  <mc:AlternateContent xmlns:mc="http://schemas.openxmlformats.org/markup-compatibility/2006">
-    <mc:Choice xmlns:p14="http://schemas.microsoft.com/office/powerpoint/2010/main" Requires="p14">
+  <mc:AlternateContent xmlns:mc="http://schemas.openxmlformats.org/markup-compatibility/2006" xmlns:p14="http://schemas.microsoft.com/office/powerpoint/2010/main">
+    <mc:Choice Requires="p14">
       <p:transition spd="med" p14:dur="699">
         <p:fade/>
       </p:transition>
     </mc:Choice>
-    <mc:Fallback>
+    <mc:Fallback xmlns="">
       <p:transition spd="med">
         <p:fade/>
       </p:transition>
@@ -29228,7 +29227,14 @@
         <p:cNvGrpSpPr/>
         <p:nvPr/>
       </p:nvGrpSpPr>
-      <p:grpSpPr/>
+      <p:grpSpPr>
+        <a:xfrm>
+          <a:off x="0" y="0"/>
+          <a:ext cx="0" cy="0"/>
+          <a:chOff x="0" y="0"/>
+          <a:chExt cx="0" cy="0"/>
+        </a:xfrm>
+      </p:grpSpPr>
       <p:sp>
         <p:nvSpPr>
           <p:cNvPr id="2" name="文本框 1"/>
@@ -29249,6 +29255,7 @@
           <a:bodyPr wrap="square" rtlCol="0">
             <a:spAutoFit/>
           </a:bodyPr>
+          <a:lstStyle/>
           <a:p>
             <a:r>
               <a:rPr lang="zh-CN" sz="2400" dirty="0">
@@ -29257,10 +29264,6 @@
               </a:rPr>
               <a:t>设置自动编译</a:t>
             </a:r>
-            <a:endParaRPr lang="zh-CN" sz="2400" dirty="0">
-              <a:latin typeface="造字工房悦黑（非商用）常规体" pitchFamily="2" charset="-122"/>
-              <a:ea typeface="造字工房悦黑（非商用）常规体" pitchFamily="2" charset="-122"/>
-            </a:endParaRPr>
           </a:p>
           <a:p>
             <a:pPr>
@@ -29287,10 +29290,6 @@
               </a:rPr>
               <a:t>	</a:t>
             </a:r>
-            <a:endParaRPr sz="1500">
-              <a:latin typeface="宋体" panose="02010600030101010101" pitchFamily="2" charset="-122"/>
-              <a:cs typeface="宋体" panose="02010600030101010101" pitchFamily="2" charset="-122"/>
-            </a:endParaRPr>
           </a:p>
         </p:txBody>
       </p:sp>
@@ -29303,7 +29302,7 @@
           <p:nvPr/>
         </p:nvPicPr>
         <p:blipFill>
-          <a:blip r:embed="rId1" cstate="print"/>
+          <a:blip r:embed="rId2" cstate="print"/>
           <a:stretch>
             <a:fillRect/>
           </a:stretch>
@@ -29323,13 +29322,13 @@
   <p:clrMapOvr>
     <a:masterClrMapping/>
   </p:clrMapOvr>
-  <mc:AlternateContent xmlns:mc="http://schemas.openxmlformats.org/markup-compatibility/2006">
-    <mc:Choice xmlns:p14="http://schemas.microsoft.com/office/powerpoint/2010/main" Requires="p14">
+  <mc:AlternateContent xmlns:mc="http://schemas.openxmlformats.org/markup-compatibility/2006" xmlns:p14="http://schemas.microsoft.com/office/powerpoint/2010/main">
+    <mc:Choice Requires="p14">
       <p:transition spd="med" p14:dur="699">
         <p:fade/>
       </p:transition>
     </mc:Choice>
-    <mc:Fallback>
+    <mc:Fallback xmlns="">
       <p:transition spd="med">
         <p:fade/>
       </p:transition>
@@ -29347,7 +29346,14 @@
         <p:cNvGrpSpPr/>
         <p:nvPr/>
       </p:nvGrpSpPr>
-      <p:grpSpPr/>
+      <p:grpSpPr>
+        <a:xfrm>
+          <a:off x="0" y="0"/>
+          <a:ext cx="0" cy="0"/>
+          <a:chOff x="0" y="0"/>
+          <a:chExt cx="0" cy="0"/>
+        </a:xfrm>
+      </p:grpSpPr>
       <p:sp>
         <p:nvSpPr>
           <p:cNvPr id="2" name="文本框 1"/>
@@ -29368,6 +29374,7 @@
           <a:bodyPr wrap="square" rtlCol="0">
             <a:spAutoFit/>
           </a:bodyPr>
+          <a:lstStyle/>
           <a:p>
             <a:r>
               <a:rPr lang="zh-CN" sz="2400" dirty="0">
@@ -29376,10 +29383,6 @@
               </a:rPr>
               <a:t>设置快捷为 Eclipse 的快捷键</a:t>
             </a:r>
-            <a:endParaRPr lang="zh-CN" sz="2400" dirty="0">
-              <a:latin typeface="造字工房悦黑（非商用）常规体" pitchFamily="2" charset="-122"/>
-              <a:ea typeface="造字工房悦黑（非商用）常规体" pitchFamily="2" charset="-122"/>
-            </a:endParaRPr>
           </a:p>
           <a:p>
             <a:pPr>
@@ -29406,10 +29409,6 @@
               </a:rPr>
               <a:t>	</a:t>
             </a:r>
-            <a:endParaRPr sz="1500">
-              <a:latin typeface="宋体" panose="02010600030101010101" pitchFamily="2" charset="-122"/>
-              <a:cs typeface="宋体" panose="02010600030101010101" pitchFamily="2" charset="-122"/>
-            </a:endParaRPr>
           </a:p>
         </p:txBody>
       </p:sp>
@@ -29422,7 +29421,7 @@
           <p:nvPr/>
         </p:nvPicPr>
         <p:blipFill>
-          <a:blip r:embed="rId1" cstate="print"/>
+          <a:blip r:embed="rId2" cstate="print"/>
           <a:stretch>
             <a:fillRect/>
           </a:stretch>
@@ -29442,13 +29441,13 @@
   <p:clrMapOvr>
     <a:masterClrMapping/>
   </p:clrMapOvr>
-  <mc:AlternateContent xmlns:mc="http://schemas.openxmlformats.org/markup-compatibility/2006">
-    <mc:Choice xmlns:p14="http://schemas.microsoft.com/office/powerpoint/2010/main" Requires="p14">
+  <mc:AlternateContent xmlns:mc="http://schemas.openxmlformats.org/markup-compatibility/2006" xmlns:p14="http://schemas.microsoft.com/office/powerpoint/2010/main">
+    <mc:Choice Requires="p14">
       <p:transition spd="med" p14:dur="699">
         <p:fade/>
       </p:transition>
     </mc:Choice>
-    <mc:Fallback>
+    <mc:Fallback xmlns="">
       <p:transition spd="med">
         <p:fade/>
       </p:transition>
@@ -29466,7 +29465,14 @@
         <p:cNvGrpSpPr/>
         <p:nvPr/>
       </p:nvGrpSpPr>
-      <p:grpSpPr/>
+      <p:grpSpPr>
+        <a:xfrm>
+          <a:off x="0" y="0"/>
+          <a:ext cx="0" cy="0"/>
+          <a:chOff x="0" y="0"/>
+          <a:chExt cx="0" cy="0"/>
+        </a:xfrm>
+      </p:grpSpPr>
       <p:sp>
         <p:nvSpPr>
           <p:cNvPr id="2" name="文本框 1"/>
@@ -29487,6 +29493,7 @@
           <a:bodyPr wrap="square" rtlCol="0">
             <a:spAutoFit/>
           </a:bodyPr>
+          <a:lstStyle/>
           <a:p>
             <a:r>
               <a:rPr lang="zh-CN" sz="2400" dirty="0">
@@ -29495,10 +29502,6 @@
               </a:rPr>
               <a:t>取消更新</a:t>
             </a:r>
-            <a:endParaRPr lang="zh-CN" sz="2400" dirty="0">
-              <a:latin typeface="造字工房悦黑（非商用）常规体" pitchFamily="2" charset="-122"/>
-              <a:ea typeface="造字工房悦黑（非商用）常规体" pitchFamily="2" charset="-122"/>
-            </a:endParaRPr>
           </a:p>
           <a:p>
             <a:pPr>
@@ -29525,10 +29528,6 @@
               </a:rPr>
               <a:t>	</a:t>
             </a:r>
-            <a:endParaRPr sz="1500">
-              <a:latin typeface="宋体" panose="02010600030101010101" pitchFamily="2" charset="-122"/>
-              <a:cs typeface="宋体" panose="02010600030101010101" pitchFamily="2" charset="-122"/>
-            </a:endParaRPr>
           </a:p>
         </p:txBody>
       </p:sp>
@@ -29541,7 +29540,7 @@
           <p:nvPr/>
         </p:nvPicPr>
         <p:blipFill>
-          <a:blip r:embed="rId1" cstate="print"/>
+          <a:blip r:embed="rId2" cstate="print"/>
           <a:stretch>
             <a:fillRect/>
           </a:stretch>
@@ -29579,6 +29578,7 @@
           <a:bodyPr>
             <a:spAutoFit/>
           </a:bodyPr>
+          <a:lstStyle/>
           <a:p>
             <a:pPr indent="0"/>
             <a:r>
@@ -29598,13 +29598,13 @@
   <p:clrMapOvr>
     <a:masterClrMapping/>
   </p:clrMapOvr>
-  <mc:AlternateContent xmlns:mc="http://schemas.openxmlformats.org/markup-compatibility/2006">
-    <mc:Choice xmlns:p14="http://schemas.microsoft.com/office/powerpoint/2010/main" Requires="p14">
+  <mc:AlternateContent xmlns:mc="http://schemas.openxmlformats.org/markup-compatibility/2006" xmlns:p14="http://schemas.microsoft.com/office/powerpoint/2010/main">
+    <mc:Choice Requires="p14">
       <p:transition spd="med" p14:dur="699">
         <p:fade/>
       </p:transition>
     </mc:Choice>
-    <mc:Fallback>
+    <mc:Fallback xmlns="">
       <p:transition spd="med">
         <p:fade/>
       </p:transition>
@@ -29622,7 +29622,14 @@
         <p:cNvGrpSpPr/>
         <p:nvPr/>
       </p:nvGrpSpPr>
-      <p:grpSpPr/>
+      <p:grpSpPr>
+        <a:xfrm>
+          <a:off x="0" y="0"/>
+          <a:ext cx="0" cy="0"/>
+          <a:chOff x="0" y="0"/>
+          <a:chExt cx="0" cy="0"/>
+        </a:xfrm>
+      </p:grpSpPr>
       <p:sp>
         <p:nvSpPr>
           <p:cNvPr id="2" name="文本框 1"/>
@@ -29643,6 +29650,7 @@
           <a:bodyPr wrap="square" rtlCol="0">
             <a:spAutoFit/>
           </a:bodyPr>
+          <a:lstStyle/>
           <a:p>
             <a:r>
               <a:rPr lang="zh-CN" sz="2400" dirty="0">
@@ -29651,10 +29659,6 @@
               </a:rPr>
               <a:t>创建模块(Module)</a:t>
             </a:r>
-            <a:endParaRPr lang="zh-CN" sz="2400" dirty="0">
-              <a:latin typeface="造字工房悦黑（非商用）常规体" pitchFamily="2" charset="-122"/>
-              <a:ea typeface="造字工房悦黑（非商用）常规体" pitchFamily="2" charset="-122"/>
-            </a:endParaRPr>
           </a:p>
           <a:p>
             <a:pPr>
@@ -29681,10 +29685,6 @@
               </a:rPr>
               <a:t>	</a:t>
             </a:r>
-            <a:endParaRPr sz="1500">
-              <a:latin typeface="宋体" panose="02010600030101010101" pitchFamily="2" charset="-122"/>
-              <a:cs typeface="宋体" panose="02010600030101010101" pitchFamily="2" charset="-122"/>
-            </a:endParaRPr>
           </a:p>
         </p:txBody>
       </p:sp>
@@ -29711,6 +29711,7 @@
           <a:bodyPr wrap="square">
             <a:spAutoFit/>
           </a:bodyPr>
+          <a:lstStyle/>
           <a:p>
             <a:pPr indent="0"/>
             <a:r>
@@ -29806,6 +29807,15 @@
               </a:rPr>
               <a:t>Project</a:t>
             </a:r>
+            <a:endParaRPr lang="en-US" sz="1500" b="1">
+              <a:solidFill>
+                <a:srgbClr val="FF0000"/>
+              </a:solidFill>
+              <a:latin typeface="宋体" panose="02010600030101010101" pitchFamily="2" charset="-122"/>
+            </a:endParaRPr>
+          </a:p>
+          <a:p>
+            <a:pPr indent="0"/>
             <a:r>
               <a:rPr lang="en-US" sz="1500" b="1">
                 <a:solidFill>
@@ -29813,8 +29823,7 @@
                 </a:solidFill>
                 <a:latin typeface="宋体" panose="02010600030101010101" pitchFamily="2" charset="-122"/>
               </a:rPr>
-              <a:t>-Eclipse </a:t>
+              <a:t>Eclipse </a:t>
             </a:r>
             <a:r>
               <a:rPr lang="zh-CN" sz="1500" b="1">
@@ -29913,7 +29922,7 @@
           <p:nvPr/>
         </p:nvPicPr>
         <p:blipFill>
-          <a:blip r:embed="rId1" cstate="print"/>
+          <a:blip r:embed="rId2" cstate="print"/>
           <a:stretch>
             <a:fillRect/>
           </a:stretch>
@@ -29937,7 +29946,7 @@
           <p:nvPr/>
         </p:nvPicPr>
         <p:blipFill>
-          <a:blip r:embed="rId2" cstate="print"/>
+          <a:blip r:embed="rId3" cstate="print"/>
           <a:stretch>
             <a:fillRect/>
           </a:stretch>
@@ -29957,13 +29966,13 @@
   <p:clrMapOvr>
     <a:masterClrMapping/>
   </p:clrMapOvr>
-  <mc:AlternateContent xmlns:mc="http://schemas.openxmlformats.org/markup-compatibility/2006">
-    <mc:Choice xmlns:p14="http://schemas.microsoft.com/office/powerpoint/2010/main" Requires="p14">
+  <mc:AlternateContent xmlns:mc="http://schemas.openxmlformats.org/markup-compatibility/2006" xmlns:p14="http://schemas.microsoft.com/office/powerpoint/2010/main">
+    <mc:Choice Requires="p14">
       <p:transition spd="med" p14:dur="699">
         <p:fade/>
       </p:transition>
     </mc:Choice>
-    <mc:Fallback>
+    <mc:Fallback xmlns="">
       <p:transition spd="med">
         <p:fade/>
       </p:transition>
@@ -29981,7 +29990,14 @@
         <p:cNvGrpSpPr/>
         <p:nvPr/>
       </p:nvGrpSpPr>
-      <p:grpSpPr/>
+      <p:grpSpPr>
+        <a:xfrm>
+          <a:off x="0" y="0"/>
+          <a:ext cx="0" cy="0"/>
+          <a:chOff x="0" y="0"/>
+          <a:chExt cx="0" cy="0"/>
+        </a:xfrm>
+      </p:grpSpPr>
       <p:sp>
         <p:nvSpPr>
           <p:cNvPr id="2" name="文本框 1"/>
@@ -30002,6 +30018,7 @@
           <a:bodyPr wrap="square" rtlCol="0">
             <a:spAutoFit/>
           </a:bodyPr>
+          <a:lstStyle/>
           <a:p>
             <a:r>
               <a:rPr lang="zh-CN" sz="2400" dirty="0">
@@ -30010,10 +30027,6 @@
               </a:rPr>
               <a:t>创建模块(Module)</a:t>
             </a:r>
-            <a:endParaRPr lang="zh-CN" sz="2400" dirty="0">
-              <a:latin typeface="造字工房悦黑（非商用）常规体" pitchFamily="2" charset="-122"/>
-              <a:ea typeface="造字工房悦黑（非商用）常规体" pitchFamily="2" charset="-122"/>
-            </a:endParaRPr>
           </a:p>
           <a:p>
             <a:pPr>
@@ -30040,10 +30053,6 @@
               </a:rPr>
               <a:t>	</a:t>
             </a:r>
-            <a:endParaRPr sz="1500">
-              <a:latin typeface="宋体" panose="02010600030101010101" pitchFamily="2" charset="-122"/>
-              <a:cs typeface="宋体" panose="02010600030101010101" pitchFamily="2" charset="-122"/>
-            </a:endParaRPr>
           </a:p>
         </p:txBody>
       </p:sp>
@@ -30056,7 +30065,7 @@
           <p:nvPr/>
         </p:nvPicPr>
         <p:blipFill>
-          <a:blip r:embed="rId1" cstate="print"/>
+          <a:blip r:embed="rId2" cstate="print"/>
           <a:stretch>
             <a:fillRect/>
           </a:stretch>
@@ -30094,6 +30103,7 @@
           <a:bodyPr wrap="square">
             <a:spAutoFit/>
           </a:bodyPr>
+          <a:lstStyle/>
           <a:p>
             <a:pPr indent="0"/>
             <a:r>
@@ -30177,13 +30187,13 @@
   <p:clrMapOvr>
     <a:masterClrMapping/>
   </p:clrMapOvr>
-  <mc:AlternateContent xmlns:mc="http://schemas.openxmlformats.org/markup-compatibility/2006">
-    <mc:Choice xmlns:p14="http://schemas.microsoft.com/office/powerpoint/2010/main" Requires="p14">
+  <mc:AlternateContent xmlns:mc="http://schemas.openxmlformats.org/markup-compatibility/2006" xmlns:p14="http://schemas.microsoft.com/office/powerpoint/2010/main">
+    <mc:Choice Requires="p14">
       <p:transition spd="med" p14:dur="699">
         <p:fade/>
       </p:transition>
     </mc:Choice>
-    <mc:Fallback>
+    <mc:Fallback xmlns="">
       <p:transition spd="med">
         <p:fade/>
       </p:transition>
@@ -30201,7 +30211,14 @@
         <p:cNvGrpSpPr/>
         <p:nvPr/>
       </p:nvGrpSpPr>
-      <p:grpSpPr/>
+      <p:grpSpPr>
+        <a:xfrm>
+          <a:off x="0" y="0"/>
+          <a:ext cx="0" cy="0"/>
+          <a:chOff x="0" y="0"/>
+          <a:chExt cx="0" cy="0"/>
+        </a:xfrm>
+      </p:grpSpPr>
       <p:sp>
         <p:nvSpPr>
           <p:cNvPr id="2" name="文本框 1"/>
@@ -30222,6 +30239,7 @@
           <a:bodyPr wrap="square" rtlCol="0">
             <a:spAutoFit/>
           </a:bodyPr>
+          <a:lstStyle/>
           <a:p>
             <a:r>
               <a:rPr lang="zh-CN" sz="2400" dirty="0">
@@ -30230,10 +30248,6 @@
               </a:rPr>
               <a:t>删除模块(Module)</a:t>
             </a:r>
-            <a:endParaRPr lang="zh-CN" sz="2400" dirty="0">
-              <a:latin typeface="造字工房悦黑（非商用）常规体" pitchFamily="2" charset="-122"/>
-              <a:ea typeface="造字工房悦黑（非商用）常规体" pitchFamily="2" charset="-122"/>
-            </a:endParaRPr>
           </a:p>
           <a:p>
             <a:pPr>
@@ -30260,10 +30274,6 @@
               </a:rPr>
               <a:t>	</a:t>
             </a:r>
-            <a:endParaRPr sz="1500">
-              <a:latin typeface="宋体" panose="02010600030101010101" pitchFamily="2" charset="-122"/>
-              <a:cs typeface="宋体" panose="02010600030101010101" pitchFamily="2" charset="-122"/>
-            </a:endParaRPr>
           </a:p>
         </p:txBody>
       </p:sp>
@@ -30276,7 +30286,7 @@
           <p:nvPr/>
         </p:nvPicPr>
         <p:blipFill>
-          <a:blip r:embed="rId1" cstate="print"/>
+          <a:blip r:embed="rId2" cstate="print"/>
           <a:stretch>
             <a:fillRect/>
           </a:stretch>
@@ -30300,7 +30310,7 @@
           <p:nvPr/>
         </p:nvPicPr>
         <p:blipFill>
-          <a:blip r:embed="rId2" cstate="print"/>
+          <a:blip r:embed="rId3" cstate="print"/>
           <a:stretch>
             <a:fillRect/>
           </a:stretch>
@@ -30324,7 +30334,7 @@
           <p:nvPr/>
         </p:nvPicPr>
         <p:blipFill>
-          <a:blip r:embed="rId3" cstate="print"/>
+          <a:blip r:embed="rId4" cstate="print"/>
           <a:stretch>
             <a:fillRect/>
           </a:stretch>
@@ -30348,7 +30358,7 @@
           <p:nvPr/>
         </p:nvPicPr>
         <p:blipFill>
-          <a:blip r:embed="rId4" cstate="print"/>
+          <a:blip r:embed="rId5" cstate="print"/>
           <a:stretch>
             <a:fillRect/>
           </a:stretch>
@@ -30386,6 +30396,7 @@
           <a:bodyPr wrap="square">
             <a:spAutoFit/>
           </a:bodyPr>
+          <a:lstStyle/>
           <a:p>
             <a:pPr indent="0"/>
             <a:r>
@@ -30430,13 +30441,13 @@
   <p:clrMapOvr>
     <a:masterClrMapping/>
   </p:clrMapOvr>
-  <mc:AlternateContent xmlns:mc="http://schemas.openxmlformats.org/markup-compatibility/2006">
-    <mc:Choice xmlns:p14="http://schemas.microsoft.com/office/powerpoint/2010/main" Requires="p14">
+  <mc:AlternateContent xmlns:mc="http://schemas.openxmlformats.org/markup-compatibility/2006" xmlns:p14="http://schemas.microsoft.com/office/powerpoint/2010/main">
+    <mc:Choice Requires="p14">
       <p:transition spd="med" p14:dur="699">
         <p:fade/>
       </p:transition>
     </mc:Choice>
-    <mc:Fallback>
+    <mc:Fallback xmlns="">
       <p:transition spd="med">
         <p:fade/>
       </p:transition>
@@ -30454,7 +30465,14 @@
         <p:cNvGrpSpPr/>
         <p:nvPr/>
       </p:nvGrpSpPr>
-      <p:grpSpPr/>
+      <p:grpSpPr>
+        <a:xfrm>
+          <a:off x="0" y="0"/>
+          <a:ext cx="0" cy="0"/>
+          <a:chOff x="0" y="0"/>
+          <a:chExt cx="0" cy="0"/>
+        </a:xfrm>
+      </p:grpSpPr>
       <p:sp>
         <p:nvSpPr>
           <p:cNvPr id="2" name="文本框 1"/>
@@ -30475,6 +30493,7 @@
           <a:bodyPr wrap="square" rtlCol="0">
             <a:spAutoFit/>
           </a:bodyPr>
+          <a:lstStyle/>
           <a:p>
             <a:r>
               <a:rPr sz="2400" dirty="0">
@@ -30520,10 +30539,6 @@
               </a:rPr>
               <a:t>	</a:t>
             </a:r>
-            <a:endParaRPr sz="1500">
-              <a:latin typeface="宋体" panose="02010600030101010101" pitchFamily="2" charset="-122"/>
-              <a:cs typeface="宋体" panose="02010600030101010101" pitchFamily="2" charset="-122"/>
-            </a:endParaRPr>
           </a:p>
         </p:txBody>
       </p:sp>
@@ -30536,7 +30551,7 @@
           <p:nvPr/>
         </p:nvPicPr>
         <p:blipFill>
-          <a:blip r:embed="rId1" cstate="print"/>
+          <a:blip r:embed="rId2" cstate="print"/>
           <a:stretch>
             <a:fillRect/>
           </a:stretch>
@@ -30560,7 +30575,7 @@
           <p:nvPr/>
         </p:nvPicPr>
         <p:blipFill>
-          <a:blip r:embed="rId2" cstate="print"/>
+          <a:blip r:embed="rId3" cstate="print"/>
           <a:stretch>
             <a:fillRect/>
           </a:stretch>
@@ -30580,13 +30595,13 @@
   <p:clrMapOvr>
     <a:masterClrMapping/>
   </p:clrMapOvr>
-  <mc:AlternateContent xmlns:mc="http://schemas.openxmlformats.org/markup-compatibility/2006">
-    <mc:Choice xmlns:p14="http://schemas.microsoft.com/office/powerpoint/2010/main" Requires="p14">
+  <mc:AlternateContent xmlns:mc="http://schemas.openxmlformats.org/markup-compatibility/2006" xmlns:p14="http://schemas.microsoft.com/office/powerpoint/2010/main">
+    <mc:Choice Requires="p14">
       <p:transition spd="med" p14:dur="699">
         <p:fade/>
       </p:transition>
     </mc:Choice>
-    <mc:Fallback>
+    <mc:Fallback xmlns="">
       <p:transition spd="med">
         <p:fade/>
       </p:transition>
@@ -30812,11 +30827,6 @@
               </a:rPr>
               <a:t>。</a:t>
             </a:r>
-            <a:endParaRPr lang="zh-CN" altLang="en-US" sz="2000" dirty="0">
-              <a:latin typeface="宋体" panose="02010600030101010101" pitchFamily="2" charset="-122"/>
-              <a:ea typeface="宋体" panose="02010600030101010101" pitchFamily="2" charset="-122"/>
-              <a:cs typeface="宋体" panose="02010600030101010101" pitchFamily="2" charset="-122"/>
-            </a:endParaRPr>
           </a:p>
           <a:p>
             <a:pPr>
@@ -30970,11 +30980,6 @@
               </a:rPr>
               <a:t>。</a:t>
             </a:r>
-            <a:endParaRPr lang="zh-CN" altLang="en-US" sz="2000" dirty="0" smtClean="0">
-              <a:latin typeface="宋体" panose="02010600030101010101" pitchFamily="2" charset="-122"/>
-              <a:ea typeface="宋体" panose="02010600030101010101" pitchFamily="2" charset="-122"/>
-              <a:cs typeface="宋体" panose="02010600030101010101" pitchFamily="2" charset="-122"/>
-            </a:endParaRPr>
           </a:p>
           <a:p>
             <a:pPr>
@@ -31148,7 +31153,14 @@
         <p:cNvGrpSpPr/>
         <p:nvPr/>
       </p:nvGrpSpPr>
-      <p:grpSpPr/>
+      <p:grpSpPr>
+        <a:xfrm>
+          <a:off x="0" y="0"/>
+          <a:ext cx="0" cy="0"/>
+          <a:chOff x="0" y="0"/>
+          <a:chExt cx="0" cy="0"/>
+        </a:xfrm>
+      </p:grpSpPr>
       <p:sp>
         <p:nvSpPr>
           <p:cNvPr id="2" name="文本框 1"/>
@@ -31169,6 +31181,7 @@
           <a:bodyPr wrap="square" rtlCol="0">
             <a:spAutoFit/>
           </a:bodyPr>
+          <a:lstStyle/>
           <a:p>
             <a:r>
               <a:rPr lang="zh-CN" sz="2400" dirty="0">
@@ -31207,10 +31220,6 @@
               </a:rPr>
               <a:t>	</a:t>
             </a:r>
-            <a:endParaRPr sz="1500">
-              <a:latin typeface="宋体" panose="02010600030101010101" pitchFamily="2" charset="-122"/>
-              <a:cs typeface="宋体" panose="02010600030101010101" pitchFamily="2" charset="-122"/>
-            </a:endParaRPr>
           </a:p>
         </p:txBody>
       </p:sp>
@@ -31223,7 +31232,7 @@
           <p:nvPr/>
         </p:nvPicPr>
         <p:blipFill>
-          <a:blip r:embed="rId1"/>
+          <a:blip r:embed="rId2"/>
           <a:stretch>
             <a:fillRect/>
           </a:stretch>
@@ -31261,6 +31270,7 @@
           <a:bodyPr wrap="square">
             <a:spAutoFit/>
           </a:bodyPr>
+          <a:lstStyle/>
           <a:p>
             <a:pPr indent="0"/>
             <a:r>
@@ -31329,13 +31339,13 @@
   <p:clrMapOvr>
     <a:masterClrMapping/>
   </p:clrMapOvr>
-  <mc:AlternateContent xmlns:mc="http://schemas.openxmlformats.org/markup-compatibility/2006">
-    <mc:Choice xmlns:p14="http://schemas.microsoft.com/office/powerpoint/2010/main" Requires="p14">
+  <mc:AlternateContent xmlns:mc="http://schemas.openxmlformats.org/markup-compatibility/2006" xmlns:p14="http://schemas.microsoft.com/office/powerpoint/2010/main">
+    <mc:Choice Requires="p14">
       <p:transition spd="med" p14:dur="699">
         <p:fade/>
       </p:transition>
     </mc:Choice>
-    <mc:Fallback>
+    <mc:Fallback xmlns="">
       <p:transition spd="med">
         <p:fade/>
       </p:transition>
@@ -31353,7 +31363,14 @@
         <p:cNvGrpSpPr/>
         <p:nvPr/>
       </p:nvGrpSpPr>
-      <p:grpSpPr/>
+      <p:grpSpPr>
+        <a:xfrm>
+          <a:off x="0" y="0"/>
+          <a:ext cx="0" cy="0"/>
+          <a:chOff x="0" y="0"/>
+          <a:chExt cx="0" cy="0"/>
+        </a:xfrm>
+      </p:grpSpPr>
       <p:sp>
         <p:nvSpPr>
           <p:cNvPr id="2" name="文本框 1"/>
@@ -31374,6 +31391,7 @@
           <a:bodyPr wrap="square" rtlCol="0">
             <a:spAutoFit/>
           </a:bodyPr>
+          <a:lstStyle/>
           <a:p>
             <a:r>
               <a:rPr lang="zh-CN" sz="2400" dirty="0">
@@ -31382,10 +31400,6 @@
               </a:rPr>
               <a:t>查看项目配置</a:t>
             </a:r>
-            <a:endParaRPr lang="zh-CN" sz="2400" dirty="0">
-              <a:latin typeface="造字工房悦黑（非商用）常规体" pitchFamily="2" charset="-122"/>
-              <a:ea typeface="造字工房悦黑（非商用）常规体" pitchFamily="2" charset="-122"/>
-            </a:endParaRPr>
           </a:p>
           <a:p>
             <a:pPr>
@@ -31412,10 +31426,6 @@
               </a:rPr>
               <a:t>	</a:t>
             </a:r>
-            <a:endParaRPr sz="1500">
-              <a:latin typeface="宋体" panose="02010600030101010101" pitchFamily="2" charset="-122"/>
-              <a:cs typeface="宋体" panose="02010600030101010101" pitchFamily="2" charset="-122"/>
-            </a:endParaRPr>
           </a:p>
         </p:txBody>
       </p:sp>
@@ -31428,7 +31438,7 @@
           <p:nvPr/>
         </p:nvPicPr>
         <p:blipFill>
-          <a:blip r:embed="rId1" cstate="print"/>
+          <a:blip r:embed="rId2" cstate="print"/>
           <a:stretch>
             <a:fillRect/>
           </a:stretch>
@@ -31452,7 +31462,7 @@
           <p:nvPr/>
         </p:nvPicPr>
         <p:blipFill>
-          <a:blip r:embed="rId2" cstate="print"/>
+          <a:blip r:embed="rId3" cstate="print"/>
           <a:stretch>
             <a:fillRect/>
           </a:stretch>
@@ -31472,13 +31482,13 @@
   <p:clrMapOvr>
     <a:masterClrMapping/>
   </p:clrMapOvr>
-  <mc:AlternateContent xmlns:mc="http://schemas.openxmlformats.org/markup-compatibility/2006">
-    <mc:Choice xmlns:p14="http://schemas.microsoft.com/office/powerpoint/2010/main" Requires="p14">
+  <mc:AlternateContent xmlns:mc="http://schemas.openxmlformats.org/markup-compatibility/2006" xmlns:p14="http://schemas.microsoft.com/office/powerpoint/2010/main">
+    <mc:Choice Requires="p14">
       <p:transition spd="med" p14:dur="699">
         <p:fade/>
       </p:transition>
     </mc:Choice>
-    <mc:Fallback>
+    <mc:Fallback xmlns="">
       <p:transition spd="med">
         <p:fade/>
       </p:transition>
@@ -31496,7 +31506,14 @@
         <p:cNvGrpSpPr/>
         <p:nvPr/>
       </p:nvGrpSpPr>
-      <p:grpSpPr/>
+      <p:grpSpPr>
+        <a:xfrm>
+          <a:off x="0" y="0"/>
+          <a:ext cx="0" cy="0"/>
+          <a:chOff x="0" y="0"/>
+          <a:chExt cx="0" cy="0"/>
+        </a:xfrm>
+      </p:grpSpPr>
       <p:sp>
         <p:nvSpPr>
           <p:cNvPr id="2" name="文本框 1"/>
@@ -31517,6 +31534,7 @@
           <a:bodyPr wrap="square" rtlCol="0">
             <a:spAutoFit/>
           </a:bodyPr>
+          <a:lstStyle/>
           <a:p>
             <a:r>
               <a:rPr sz="2400" dirty="0">
@@ -31525,10 +31543,6 @@
               </a:rPr>
               <a:t>没有使用 Git 时本地历史记录的查看</a:t>
             </a:r>
-            <a:endParaRPr sz="2400" dirty="0">
-              <a:latin typeface="造字工房悦黑（非商用）常规体" pitchFamily="2" charset="-122"/>
-              <a:ea typeface="造字工房悦黑（非商用）常规体" pitchFamily="2" charset="-122"/>
-            </a:endParaRPr>
           </a:p>
           <a:p>
             <a:pPr>
@@ -31555,10 +31569,6 @@
               </a:rPr>
               <a:t>	</a:t>
             </a:r>
-            <a:endParaRPr sz="1500">
-              <a:latin typeface="宋体" panose="02010600030101010101" pitchFamily="2" charset="-122"/>
-              <a:cs typeface="宋体" panose="02010600030101010101" pitchFamily="2" charset="-122"/>
-            </a:endParaRPr>
           </a:p>
         </p:txBody>
       </p:sp>
@@ -31571,7 +31581,7 @@
           <p:nvPr/>
         </p:nvPicPr>
         <p:blipFill>
-          <a:blip r:embed="rId1" cstate="print"/>
+          <a:blip r:embed="rId2" cstate="print"/>
           <a:stretch>
             <a:fillRect/>
           </a:stretch>
@@ -31595,7 +31605,7 @@
           <p:nvPr/>
         </p:nvPicPr>
         <p:blipFill>
-          <a:blip r:embed="rId2" cstate="print"/>
+          <a:blip r:embed="rId3" cstate="print"/>
           <a:stretch>
             <a:fillRect/>
           </a:stretch>
@@ -31633,6 +31643,7 @@
           <a:bodyPr wrap="square">
             <a:spAutoFit/>
           </a:bodyPr>
+          <a:lstStyle/>
           <a:p>
             <a:pPr indent="0"/>
             <a:r>
@@ -31663,13 +31674,13 @@
   <p:clrMapOvr>
     <a:masterClrMapping/>
   </p:clrMapOvr>
-  <mc:AlternateContent xmlns:mc="http://schemas.openxmlformats.org/markup-compatibility/2006">
-    <mc:Choice xmlns:p14="http://schemas.microsoft.com/office/powerpoint/2010/main" Requires="p14">
+  <mc:AlternateContent xmlns:mc="http://schemas.openxmlformats.org/markup-compatibility/2006" xmlns:p14="http://schemas.microsoft.com/office/powerpoint/2010/main">
+    <mc:Choice Requires="p14">
       <p:transition spd="med" p14:dur="699">
         <p:fade/>
       </p:transition>
     </mc:Choice>
-    <mc:Fallback>
+    <mc:Fallback xmlns="">
       <p:transition spd="med">
         <p:fade/>
       </p:transition>
@@ -31838,12 +31849,6 @@
               </a:rPr>
               <a:t>语言严格区分大小写。</a:t>
             </a:r>
-            <a:endParaRPr lang="zh-CN" altLang="en-US" sz="2400" dirty="0" smtClean="0">
-              <a:solidFill>
-                <a:schemeClr val="tx1"/>
-              </a:solidFill>
-              <a:ea typeface="宋体" panose="02010600030101010101" pitchFamily="2" charset="-122"/>
-            </a:endParaRPr>
           </a:p>
           <a:p>
             <a:pPr>
@@ -31909,12 +31914,6 @@
               </a:rPr>
               <a:t>大括号都是成对出现的，缺一不可。</a:t>
             </a:r>
-            <a:endParaRPr lang="zh-CN" altLang="en-US" sz="2400" dirty="0" smtClean="0">
-              <a:solidFill>
-                <a:schemeClr val="tx1"/>
-              </a:solidFill>
-              <a:ea typeface="宋体" panose="02010600030101010101" pitchFamily="2" charset="-122"/>
-            </a:endParaRPr>
           </a:p>
         </p:txBody>
       </p:sp>
@@ -32015,7 +32014,7 @@
         </p:spPr>
         <p:txBody>
           <a:bodyPr>
-            <a:normAutofit fontScale="70000"/>
+            <a:normAutofit fontScale="77500" lnSpcReduction="10000"/>
           </a:bodyPr>
           <a:lstStyle/>
           <a:p>
@@ -32152,18 +32151,7 @@
                 <a:ea typeface="宋体" panose="02010600030101010101" pitchFamily="2" charset="-122"/>
                 <a:cs typeface="Times New Roman" panose="02020603050405020304" pitchFamily="18" charset="0"/>
               </a:rPr>
-              <a:t>注释内的内容</a:t>
-            </a:r>
-            <a:r>
-              <a:rPr dirty="0" smtClean="0">
-                <a:solidFill>
-                  <a:schemeClr val="tx1"/>
-                </a:solidFill>
-                <a:latin typeface="Times New Roman" panose="02020603050405020304" pitchFamily="18" charset="0"/>
-                <a:ea typeface="宋体" panose="02010600030101010101" pitchFamily="2" charset="-122"/>
-                <a:cs typeface="Times New Roman" panose="02020603050405020304" pitchFamily="18" charset="0"/>
-              </a:rPr>
-              <a:t>不会被</a:t>
+              <a:t>注释内的内容不会被</a:t>
             </a:r>
             <a:r>
               <a:rPr lang="en-US" altLang="zh-CN" dirty="0" smtClean="0">
@@ -32403,7 +32391,7 @@
           <p:nvPr/>
         </p:nvPicPr>
         <p:blipFill>
-          <a:blip r:embed="rId1">
+          <a:blip r:embed="rId2">
             <a:extLst>
               <a:ext uri="{28A0092B-C50C-407E-A947-70E740481C1C}">
                 <a14:useLocalDpi xmlns:a14="http://schemas.microsoft.com/office/drawing/2010/main" val="0"/>
@@ -32492,7 +32480,7 @@
           <p:nvPr/>
         </p:nvPicPr>
         <p:blipFill>
-          <a:blip r:embed="rId1" cstate="print">
+          <a:blip r:embed="rId2" cstate="print">
             <a:extLst>
               <a:ext uri="{28A0092B-C50C-407E-A947-70E740481C1C}">
                 <a14:useLocalDpi xmlns:a14="http://schemas.microsoft.com/office/drawing/2010/main" val="0"/>
@@ -32563,13 +32551,13 @@
   <p:clrMapOvr>
     <a:masterClrMapping/>
   </p:clrMapOvr>
-  <mc:AlternateContent xmlns:mc="http://schemas.openxmlformats.org/markup-compatibility/2006">
-    <mc:Choice xmlns:p14="http://schemas.microsoft.com/office/powerpoint/2010/main" Requires="p14">
+  <mc:AlternateContent xmlns:mc="http://schemas.openxmlformats.org/markup-compatibility/2006" xmlns:p14="http://schemas.microsoft.com/office/powerpoint/2010/main">
+    <mc:Choice Requires="p14">
       <p:transition spd="med" p14:dur="699">
         <p:fade/>
       </p:transition>
     </mc:Choice>
-    <mc:Fallback>
+    <mc:Fallback xmlns="">
       <p:transition spd="med">
         <p:fade/>
       </p:transition>
@@ -32767,13 +32755,6 @@
               </a:rPr>
               <a:t>程序的跨平台性。</a:t>
             </a:r>
-            <a:endParaRPr lang="zh-CN" altLang="en-US" sz="2400" dirty="0" smtClean="0">
-              <a:solidFill>
-                <a:schemeClr val="tx1"/>
-              </a:solidFill>
-              <a:ea typeface="宋体" panose="02010600030101010101" pitchFamily="2" charset="-122"/>
-              <a:cs typeface="Times New Roman" panose="02020603050405020304" pitchFamily="18" charset="0"/>
-            </a:endParaRPr>
           </a:p>
         </p:txBody>
       </p:sp>
@@ -33106,10 +33087,6 @@
               </a:rPr>
               <a:t>程序</a:t>
             </a:r>
-            <a:endParaRPr lang="zh-CN" altLang="en-US" sz="2400" dirty="0">
-              <a:ea typeface="宋体" panose="02010600030101010101" pitchFamily="2" charset="-122"/>
-              <a:cs typeface="Times New Roman" panose="02020603050405020304" pitchFamily="18" charset="0"/>
-            </a:endParaRPr>
           </a:p>
         </p:txBody>
       </p:sp>
@@ -33155,10 +33132,6 @@
               </a:rPr>
               <a:t>操作系统</a:t>
             </a:r>
-            <a:endParaRPr lang="zh-CN" altLang="en-US" dirty="0">
-              <a:ea typeface="宋体" panose="02010600030101010101" pitchFamily="2" charset="-122"/>
-              <a:cs typeface="Times New Roman" panose="02020603050405020304" pitchFamily="18" charset="0"/>
-            </a:endParaRPr>
           </a:p>
         </p:txBody>
       </p:sp>
@@ -33204,10 +33177,6 @@
               </a:rPr>
               <a:t>操作系统</a:t>
             </a:r>
-            <a:endParaRPr lang="zh-CN" altLang="en-US" dirty="0">
-              <a:ea typeface="宋体" panose="02010600030101010101" pitchFamily="2" charset="-122"/>
-              <a:cs typeface="Times New Roman" panose="02020603050405020304" pitchFamily="18" charset="0"/>
-            </a:endParaRPr>
           </a:p>
         </p:txBody>
       </p:sp>
@@ -33253,10 +33222,6 @@
               </a:rPr>
               <a:t>操作系统</a:t>
             </a:r>
-            <a:endParaRPr lang="zh-CN" altLang="en-US" dirty="0">
-              <a:ea typeface="宋体" panose="02010600030101010101" pitchFamily="2" charset="-122"/>
-              <a:cs typeface="Times New Roman" panose="02020603050405020304" pitchFamily="18" charset="0"/>
-            </a:endParaRPr>
           </a:p>
         </p:txBody>
       </p:sp>
@@ -34059,14 +34024,6 @@
               </a:rPr>
               <a:t>。</a:t>
             </a:r>
-            <a:endParaRPr lang="zh-CN" altLang="en-US" sz="2400" dirty="0" smtClean="0">
-              <a:solidFill>
-                <a:schemeClr val="tx1"/>
-              </a:solidFill>
-              <a:latin typeface="Times New Roman" panose="02020603050405020304" pitchFamily="18" charset="0"/>
-              <a:ea typeface="宋体" panose="02010600030101010101" pitchFamily="2" charset="-122"/>
-              <a:cs typeface="Times New Roman" panose="02020603050405020304" pitchFamily="18" charset="0"/>
-            </a:endParaRPr>
           </a:p>
           <a:p>
             <a:pPr marL="0" indent="0">
@@ -34084,14 +34041,6 @@
               </a:rPr>
               <a:t>对于不同的平台，有不同的虚拟机。</a:t>
             </a:r>
-            <a:endParaRPr lang="zh-CN" altLang="en-US" sz="2400" dirty="0" smtClean="0">
-              <a:solidFill>
-                <a:schemeClr val="tx1"/>
-              </a:solidFill>
-              <a:latin typeface="Times New Roman" panose="02020603050405020304" pitchFamily="18" charset="0"/>
-              <a:ea typeface="宋体" panose="02010600030101010101" pitchFamily="2" charset="-122"/>
-              <a:cs typeface="Times New Roman" panose="02020603050405020304" pitchFamily="18" charset="0"/>
-            </a:endParaRPr>
           </a:p>
           <a:p>
             <a:pPr marL="0" indent="0">
@@ -34120,14 +34069,6 @@
               </a:rPr>
               <a:t>虚拟机机制屏蔽了底层运行平台的差别，实现了“一次编译，到处运行”。</a:t>
             </a:r>
-            <a:endParaRPr lang="zh-CN" altLang="en-US" sz="2400" dirty="0" smtClean="0">
-              <a:solidFill>
-                <a:schemeClr val="tx1"/>
-              </a:solidFill>
-              <a:latin typeface="Times New Roman" panose="02020603050405020304" pitchFamily="18" charset="0"/>
-              <a:ea typeface="宋体" panose="02010600030101010101" pitchFamily="2" charset="-122"/>
-              <a:cs typeface="Times New Roman" panose="02020603050405020304" pitchFamily="18" charset="0"/>
-            </a:endParaRPr>
           </a:p>
         </p:txBody>
       </p:sp>
@@ -34140,7 +34081,7 @@
           <p:nvPr/>
         </p:nvPicPr>
         <p:blipFill>
-          <a:blip r:embed="rId1">
+          <a:blip r:embed="rId2">
             <a:clrChange>
               <a:clrFrom>
                 <a:srgbClr val="FFFFFF"/>
@@ -34187,7 +34128,7 @@
 </file>
 
 <file path=ppt/tags/tag1.xml><?xml version="1.0" encoding="utf-8"?>
-<p:tagLst xmlns:p="http://schemas.openxmlformats.org/presentationml/2006/main">
+<p:tagLst xmlns:a="http://schemas.openxmlformats.org/drawingml/2006/main" xmlns:r="http://schemas.openxmlformats.org/officeDocument/2006/relationships" xmlns:p="http://schemas.openxmlformats.org/presentationml/2006/main">
   <p:tag name="PA" val="v3.0.1"/>
 </p:tagLst>
 </file>
@@ -34383,6 +34324,8 @@
       </a:bgFillStyleLst>
     </a:fmtScheme>
   </a:themeElements>
+  <a:objectDefaults/>
+  <a:extraClrSchemeLst/>
   <a:extLst>
     <a:ext uri="{05A4C25C-085E-4340-85A3-A5531E510DB2}">
       <thm15:themeFamily xmlns:thm15="http://schemas.microsoft.com/office/thememl/2012/main" name="Office Theme" id="{62F939B6-93AF-4DB8-9C6B-D6C7DFDC589F}" vid="{4A3C46E8-61CC-4603-A589-7422A47A8E4A}"/>
@@ -34669,6 +34612,8 @@
       </a:bgFillStyleLst>
     </a:fmtScheme>
   </a:themeElements>
+  <a:objectDefaults/>
+  <a:extraClrSchemeLst/>
   <a:extLst>
     <a:ext uri="{05A4C25C-085E-4340-85A3-A5531E510DB2}">
       <thm15:themeFamily xmlns:thm15="http://schemas.microsoft.com/office/thememl/2012/main" name="Office Theme" id="{62F939B6-93AF-4DB8-9C6B-D6C7DFDC589F}" vid="{4A3C46E8-61CC-4603-A589-7422A47A8E4A}"/>
